--- a/docs/INF2003_Group13_Slides.pptx
+++ b/docs/INF2003_Group13_Slides.pptx
@@ -18,36 +18,35 @@
     <p:sldId id="263" r:id="rId14"/>
     <p:sldId id="264" r:id="rId15"/>
     <p:sldId id="265" r:id="rId16"/>
-    <p:sldId id="266" r:id="rId17"/>
   </p:sldIdLst>
   <p:sldSz cy="5143500" cx="9144000"/>
   <p:notesSz cx="6858000" cy="9144000"/>
   <p:embeddedFontLst>
     <p:embeddedFont>
       <p:font typeface="Playfair Display"/>
-      <p:regular r:id="rId18"/>
-      <p:bold r:id="rId19"/>
-      <p:italic r:id="rId20"/>
-      <p:boldItalic r:id="rId21"/>
+      <p:regular r:id="rId17"/>
+      <p:bold r:id="rId18"/>
+      <p:italic r:id="rId19"/>
+      <p:boldItalic r:id="rId20"/>
     </p:embeddedFont>
     <p:embeddedFont>
       <p:font typeface="Montserrat"/>
-      <p:regular r:id="rId22"/>
-      <p:bold r:id="rId23"/>
-      <p:italic r:id="rId24"/>
-      <p:boldItalic r:id="rId25"/>
+      <p:regular r:id="rId21"/>
+      <p:bold r:id="rId22"/>
+      <p:italic r:id="rId23"/>
+      <p:boldItalic r:id="rId24"/>
     </p:embeddedFont>
     <p:embeddedFont>
       <p:font typeface="Source Code Pro"/>
-      <p:regular r:id="rId26"/>
-      <p:bold r:id="rId27"/>
-      <p:italic r:id="rId28"/>
-      <p:boldItalic r:id="rId29"/>
+      <p:regular r:id="rId25"/>
+      <p:bold r:id="rId26"/>
+      <p:italic r:id="rId27"/>
+      <p:boldItalic r:id="rId28"/>
     </p:embeddedFont>
     <p:embeddedFont>
       <p:font typeface="Oswald"/>
-      <p:regular r:id="rId30"/>
-      <p:bold r:id="rId31"/>
+      <p:regular r:id="rId29"/>
+      <p:bold r:id="rId30"/>
     </p:embeddedFont>
   </p:embeddedFontLst>
   <p:defaultTextStyle>
@@ -828,7 +827,7 @@
   <p:cSld>
     <p:spTree>
       <p:nvGrpSpPr>
-        <p:cNvPr id="114" name="Shape 114"/>
+        <p:cNvPr id="113" name="Shape 113"/>
         <p:cNvGrpSpPr/>
         <p:nvPr/>
       </p:nvGrpSpPr>
@@ -842,7 +841,7 @@
       </p:grpSpPr>
       <p:sp>
         <p:nvSpPr>
-          <p:cNvPr id="115" name="Google Shape;115;g25c61cc8fa2_0_68:notes"/>
+          <p:cNvPr id="114" name="Google Shape;114;g237f4c7f25f_0_5467:notes"/>
           <p:cNvSpPr/>
           <p:nvPr>
             <p:ph idx="2" type="sldImg"/>
@@ -877,106 +876,7 @@
       </p:sp>
       <p:sp>
         <p:nvSpPr>
-          <p:cNvPr id="116" name="Google Shape;116;g25c61cc8fa2_0_68:notes"/>
-          <p:cNvSpPr txBox="1"/>
-          <p:nvPr>
-            <p:ph idx="1" type="body"/>
-          </p:nvPr>
-        </p:nvSpPr>
-        <p:spPr>
-          <a:xfrm>
-            <a:off x="685800" y="4343400"/>
-            <a:ext cx="5486400" cy="4114800"/>
-          </a:xfrm>
-          <a:prstGeom prst="rect">
-            <a:avLst/>
-          </a:prstGeom>
-        </p:spPr>
-        <p:txBody>
-          <a:bodyPr anchorCtr="0" anchor="t" bIns="91425" lIns="91425" spcFirstLastPara="1" rIns="91425" wrap="square" tIns="91425">
-            <a:noAutofit/>
-          </a:bodyPr>
-          <a:lstStyle/>
-          <a:p>
-            <a:pPr indent="0" lvl="0" marL="0" rtl="0" algn="l">
-              <a:spcBef>
-                <a:spcPts val="0"/>
-              </a:spcBef>
-              <a:spcAft>
-                <a:spcPts val="0"/>
-              </a:spcAft>
-              <a:buNone/>
-            </a:pPr>
-            <a:r>
-              <a:t/>
-            </a:r>
-            <a:endParaRPr/>
-          </a:p>
-        </p:txBody>
-      </p:sp>
-    </p:spTree>
-  </p:cSld>
-  <p:clrMapOvr>
-    <a:masterClrMapping/>
-  </p:clrMapOvr>
-</p:notes>
-</file>
-
-<file path=ppt/notesSlides/notesSlide11.xml><?xml version="1.0" encoding="utf-8"?>
-<p:notes xmlns:a="http://schemas.openxmlformats.org/drawingml/2006/main" xmlns:r="http://schemas.openxmlformats.org/officeDocument/2006/relationships" xmlns:mc="http://schemas.openxmlformats.org/markup-compatibility/2006" xmlns:mv="urn:schemas-microsoft-com:mac:vml" xmlns:p="http://schemas.openxmlformats.org/presentationml/2006/main" xmlns:c="http://schemas.openxmlformats.org/drawingml/2006/chart" xmlns:dgm="http://schemas.openxmlformats.org/drawingml/2006/diagram" xmlns:o="urn:schemas-microsoft-com:office:office" xmlns:v="urn:schemas-microsoft-com:vml" xmlns:pvml="urn:schemas-microsoft-com:office:powerpoint" xmlns:com="http://schemas.openxmlformats.org/drawingml/2006/compatibility" xmlns:p14="http://schemas.microsoft.com/office/powerpoint/2010/main" xmlns:p15="http://schemas.microsoft.com/office/powerpoint/2012/main" xmlns:ahyp="http://schemas.microsoft.com/office/drawing/2018/hyperlinkcolor" showMasterPhAnim="0" showMasterSp="0">
-  <p:cSld>
-    <p:spTree>
-      <p:nvGrpSpPr>
-        <p:cNvPr id="119" name="Shape 119"/>
-        <p:cNvGrpSpPr/>
-        <p:nvPr/>
-      </p:nvGrpSpPr>
-      <p:grpSpPr>
-        <a:xfrm>
-          <a:off x="0" y="0"/>
-          <a:ext cx="0" cy="0"/>
-          <a:chOff x="0" y="0"/>
-          <a:chExt cx="0" cy="0"/>
-        </a:xfrm>
-      </p:grpSpPr>
-      <p:sp>
-        <p:nvSpPr>
-          <p:cNvPr id="120" name="Google Shape;120;g237f4c7f25f_0_5467:notes"/>
-          <p:cNvSpPr/>
-          <p:nvPr>
-            <p:ph idx="2" type="sldImg"/>
-          </p:nvPr>
-        </p:nvSpPr>
-        <p:spPr>
-          <a:xfrm>
-            <a:off x="381300" y="685800"/>
-            <a:ext cx="6096000" cy="3429000"/>
-          </a:xfrm>
-          <a:custGeom>
-            <a:rect b="b" l="l" r="r" t="t"/>
-            <a:pathLst>
-              <a:path extrusionOk="0" h="120000" w="120000">
-                <a:moveTo>
-                  <a:pt x="0" y="0"/>
-                </a:moveTo>
-                <a:lnTo>
-                  <a:pt x="120000" y="0"/>
-                </a:lnTo>
-                <a:lnTo>
-                  <a:pt x="120000" y="120000"/>
-                </a:lnTo>
-                <a:lnTo>
-                  <a:pt x="0" y="120000"/>
-                </a:lnTo>
-                <a:close/>
-              </a:path>
-            </a:pathLst>
-          </a:custGeom>
-        </p:spPr>
-      </p:sp>
-      <p:sp>
-        <p:nvSpPr>
-          <p:cNvPr id="121" name="Google Shape;121;g237f4c7f25f_0_5467:notes"/>
+          <p:cNvPr id="115" name="Google Shape;115;g237f4c7f25f_0_5467:notes"/>
           <p:cNvSpPr txBox="1"/>
           <p:nvPr>
             <p:ph idx="1" type="body"/>
@@ -1733,7 +1633,7 @@
       </p:grpSpPr>
       <p:sp>
         <p:nvSpPr>
-          <p:cNvPr id="109" name="Google Shape;109;g25c61cc8fa2_0_85:notes"/>
+          <p:cNvPr id="109" name="Google Shape;109;g25c61cc8fa2_0_68:notes"/>
           <p:cNvSpPr/>
           <p:nvPr>
             <p:ph idx="2" type="sldImg"/>
@@ -1768,7 +1668,7 @@
       </p:sp>
       <p:sp>
         <p:nvSpPr>
-          <p:cNvPr id="110" name="Google Shape;110;g25c61cc8fa2_0_85:notes"/>
+          <p:cNvPr id="110" name="Google Shape;110;g25c61cc8fa2_0_68:notes"/>
           <p:cNvSpPr txBox="1"/>
           <p:nvPr>
             <p:ph idx="1" type="body"/>
@@ -7561,7 +7461,7 @@
   <p:cSld>
     <p:spTree>
       <p:nvGrpSpPr>
-        <p:cNvPr id="117" name="Shape 117"/>
+        <p:cNvPr id="116" name="Shape 116"/>
         <p:cNvGrpSpPr/>
         <p:nvPr/>
       </p:nvGrpSpPr>
@@ -7575,72 +7475,7 @@
       </p:grpSpPr>
       <p:sp>
         <p:nvSpPr>
-          <p:cNvPr id="118" name="Google Shape;118;p22"/>
-          <p:cNvSpPr txBox="1"/>
-          <p:nvPr>
-            <p:ph type="title"/>
-          </p:nvPr>
-        </p:nvSpPr>
-        <p:spPr>
-          <a:xfrm>
-            <a:off x="344250" y="1403850"/>
-            <a:ext cx="8455500" cy="2146800"/>
-          </a:xfrm>
-          <a:prstGeom prst="rect">
-            <a:avLst/>
-          </a:prstGeom>
-        </p:spPr>
-        <p:txBody>
-          <a:bodyPr anchorCtr="0" anchor="ctr" bIns="91425" lIns="91425" spcFirstLastPara="1" rIns="91425" wrap="square" tIns="91425">
-            <a:normAutofit/>
-          </a:bodyPr>
-          <a:lstStyle/>
-          <a:p>
-            <a:pPr indent="0" lvl="0" marL="0" rtl="0" algn="ctr">
-              <a:spcBef>
-                <a:spcPts val="0"/>
-              </a:spcBef>
-              <a:spcAft>
-                <a:spcPts val="0"/>
-              </a:spcAft>
-              <a:buNone/>
-            </a:pPr>
-            <a:r>
-              <a:rPr lang="en-GB"/>
-              <a:t>App Demo</a:t>
-            </a:r>
-            <a:endParaRPr/>
-          </a:p>
-        </p:txBody>
-      </p:sp>
-    </p:spTree>
-  </p:cSld>
-  <p:clrMapOvr>
-    <a:masterClrMapping/>
-  </p:clrMapOvr>
-</p:sld>
-</file>
-
-<file path=ppt/slides/slide11.xml><?xml version="1.0" encoding="utf-8"?>
-<p:sld xmlns:a="http://schemas.openxmlformats.org/drawingml/2006/main" xmlns:r="http://schemas.openxmlformats.org/officeDocument/2006/relationships" xmlns:mc="http://schemas.openxmlformats.org/markup-compatibility/2006" xmlns:mv="urn:schemas-microsoft-com:mac:vml" xmlns:p="http://schemas.openxmlformats.org/presentationml/2006/main" xmlns:c="http://schemas.openxmlformats.org/drawingml/2006/chart" xmlns:dgm="http://schemas.openxmlformats.org/drawingml/2006/diagram" xmlns:o="urn:schemas-microsoft-com:office:office" xmlns:v="urn:schemas-microsoft-com:vml" xmlns:pvml="urn:schemas-microsoft-com:office:powerpoint" xmlns:com="http://schemas.openxmlformats.org/drawingml/2006/compatibility" xmlns:p14="http://schemas.microsoft.com/office/powerpoint/2010/main" xmlns:p15="http://schemas.microsoft.com/office/powerpoint/2012/main" xmlns:ahyp="http://schemas.microsoft.com/office/drawing/2018/hyperlinkcolor">
-  <p:cSld>
-    <p:spTree>
-      <p:nvGrpSpPr>
-        <p:cNvPr id="122" name="Shape 122"/>
-        <p:cNvGrpSpPr/>
-        <p:nvPr/>
-      </p:nvGrpSpPr>
-      <p:grpSpPr>
-        <a:xfrm>
-          <a:off x="0" y="0"/>
-          <a:ext cx="0" cy="0"/>
-          <a:chOff x="0" y="0"/>
-          <a:chExt cx="0" cy="0"/>
-        </a:xfrm>
-      </p:grpSpPr>
-      <p:sp>
-        <p:nvSpPr>
-          <p:cNvPr id="123" name="Google Shape;123;p23"/>
+          <p:cNvPr id="117" name="Google Shape;117;p22"/>
           <p:cNvSpPr txBox="1"/>
           <p:nvPr>
             <p:ph type="title"/>
@@ -7758,7 +7593,7 @@
             <a:tbl>
               <a:tblPr>
                 <a:noFill/>
-                <a:tableStyleId>{67C423BE-E390-4664-9DE9-E8C88BBC4141}</a:tableStyleId>
+                <a:tableStyleId>{986530C1-962C-4466-97EF-959D8E77A809}</a:tableStyleId>
               </a:tblPr>
               <a:tblGrid>
                 <a:gridCol w="3619500"/>
@@ -9574,123 +9409,31 @@
         </p:nvSpPr>
         <p:spPr>
           <a:xfrm>
-            <a:off x="311700" y="445025"/>
-            <a:ext cx="8520600" cy="572700"/>
+            <a:off x="344250" y="1403850"/>
+            <a:ext cx="8455500" cy="2146800"/>
           </a:xfrm>
           <a:prstGeom prst="rect">
             <a:avLst/>
           </a:prstGeom>
         </p:spPr>
         <p:txBody>
-          <a:bodyPr anchorCtr="0" anchor="t" bIns="91425" lIns="91425" spcFirstLastPara="1" rIns="91425" wrap="square" tIns="91425">
-            <a:normAutofit fontScale="90000"/>
-          </a:bodyPr>
-          <a:lstStyle/>
-          <a:p>
-            <a:pPr indent="0" lvl="0" marL="0" rtl="0" algn="l">
-              <a:spcBef>
-                <a:spcPts val="0"/>
-              </a:spcBef>
-              <a:spcAft>
-                <a:spcPts val="0"/>
-              </a:spcAft>
-              <a:buNone/>
-            </a:pPr>
-            <a:r>
-              <a:rPr lang="en-GB"/>
-              <a:t>Additional features - Happiness Advice</a:t>
-            </a:r>
-            <a:endParaRPr/>
-          </a:p>
-        </p:txBody>
-      </p:sp>
-      <p:sp>
-        <p:nvSpPr>
-          <p:cNvPr id="113" name="Google Shape;113;p21"/>
-          <p:cNvSpPr txBox="1"/>
-          <p:nvPr>
-            <p:ph idx="1" type="body"/>
-          </p:nvPr>
-        </p:nvSpPr>
-        <p:spPr>
-          <a:xfrm>
-            <a:off x="311700" y="1278600"/>
-            <a:ext cx="8561700" cy="3349800"/>
-          </a:xfrm>
-          <a:prstGeom prst="rect">
-            <a:avLst/>
-          </a:prstGeom>
-        </p:spPr>
-        <p:txBody>
-          <a:bodyPr anchorCtr="0" anchor="t" bIns="91425" lIns="91425" spcFirstLastPara="1" rIns="91425" wrap="square" tIns="91425">
+          <a:bodyPr anchorCtr="0" anchor="ctr" bIns="91425" lIns="91425" spcFirstLastPara="1" rIns="91425" wrap="square" tIns="91425">
             <a:normAutofit/>
           </a:bodyPr>
           <a:lstStyle/>
           <a:p>
-            <a:pPr indent="-342900" lvl="0" marL="457200" rtl="0" algn="l">
-              <a:spcBef>
-                <a:spcPts val="0"/>
-              </a:spcBef>
-              <a:spcAft>
-                <a:spcPts val="0"/>
-              </a:spcAft>
-              <a:buSzPts val="1800"/>
-              <a:buChar char="●"/>
+            <a:pPr indent="0" lvl="0" marL="0" rtl="0" algn="ctr">
+              <a:spcBef>
+                <a:spcPts val="0"/>
+              </a:spcBef>
+              <a:spcAft>
+                <a:spcPts val="0"/>
+              </a:spcAft>
+              <a:buNone/>
             </a:pPr>
             <a:r>
               <a:rPr lang="en-GB"/>
-              <a:t>Different advice will be shown to user when the user views his survey results</a:t>
-            </a:r>
-            <a:endParaRPr/>
-          </a:p>
-          <a:p>
-            <a:pPr indent="-342900" lvl="0" marL="457200" rtl="0" algn="l">
-              <a:spcBef>
-                <a:spcPts val="0"/>
-              </a:spcBef>
-              <a:spcAft>
-                <a:spcPts val="0"/>
-              </a:spcAft>
-              <a:buSzPts val="1800"/>
-              <a:buChar char="●"/>
-            </a:pPr>
-            <a:r>
-              <a:rPr lang="en-GB"/>
-              <a:t>If the user has a low rating on any happiness indicator, a random advice will be shown.</a:t>
-            </a:r>
-            <a:endParaRPr/>
-          </a:p>
-          <a:p>
-            <a:pPr indent="-342900" lvl="0" marL="457200" rtl="0" algn="l">
-              <a:spcBef>
-                <a:spcPts val="0"/>
-              </a:spcBef>
-              <a:spcAft>
-                <a:spcPts val="0"/>
-              </a:spcAft>
-              <a:buSzPts val="1800"/>
-              <a:buChar char="●"/>
-            </a:pPr>
-            <a:r>
-              <a:rPr lang="en-GB"/>
-              <a:t>For example, if the user does not wake up feeling well rested, advice on how to wake up feeling more well rested will be shown.</a:t>
-            </a:r>
-            <a:endParaRPr/>
-          </a:p>
-          <a:p>
-            <a:pPr indent="-342900" lvl="0" marL="457200" rtl="0" algn="l">
-              <a:spcBef>
-                <a:spcPts val="0"/>
-              </a:spcBef>
-              <a:spcAft>
-                <a:spcPts val="0"/>
-              </a:spcAft>
-              <a:buSzPts val="1800"/>
-              <a:buChar char="●"/>
-            </a:pPr>
-            <a:r>
-              <a:rPr lang="en-GB"/>
-              <a:t>Our goal is for the user to be more aware of what they are unhappy about, and make changes to them.  </a:t>
+              <a:t>App Demo</a:t>
             </a:r>
             <a:endParaRPr/>
           </a:p>
@@ -9705,6 +9448,285 @@
 </file>
 
 <file path=ppt/theme/theme1.xml><?xml version="1.0" encoding="utf-8"?>
+<a:theme xmlns:a="http://schemas.openxmlformats.org/drawingml/2006/main" xmlns:r="http://schemas.openxmlformats.org/officeDocument/2006/relationships" name="Pop">
+  <a:themeElements>
+    <a:clrScheme name="Pop">
+      <a:dk1>
+        <a:srgbClr val="F8E71C"/>
+      </a:dk1>
+      <a:lt1>
+        <a:srgbClr val="FFFFFF"/>
+      </a:lt1>
+      <a:dk2>
+        <a:srgbClr val="000000"/>
+      </a:dk2>
+      <a:lt2>
+        <a:srgbClr val="D9D9D9"/>
+      </a:lt2>
+      <a:accent1>
+        <a:srgbClr val="666666"/>
+      </a:accent1>
+      <a:accent2>
+        <a:srgbClr val="483165"/>
+      </a:accent2>
+      <a:accent3>
+        <a:srgbClr val="EB1E95"/>
+      </a:accent3>
+      <a:accent4>
+        <a:srgbClr val="01AFD1"/>
+      </a:accent4>
+      <a:accent5>
+        <a:srgbClr val="0F9D58"/>
+      </a:accent5>
+      <a:accent6>
+        <a:srgbClr val="9C27B0"/>
+      </a:accent6>
+      <a:hlink>
+        <a:srgbClr val="0F9D58"/>
+      </a:hlink>
+      <a:folHlink>
+        <a:srgbClr val="0F9D58"/>
+      </a:folHlink>
+    </a:clrScheme>
+    <a:fontScheme name="Office">
+      <a:majorFont>
+        <a:latin typeface="Arial"/>
+        <a:ea typeface=""/>
+        <a:cs typeface=""/>
+        <a:font script="Jpan" typeface="ＭＳ Ｐゴシック"/>
+        <a:font script="Hang" typeface="맑은 고딕"/>
+        <a:font script="Hans" typeface="宋体"/>
+        <a:font script="Hant" typeface="新細明體"/>
+        <a:font script="Arab" typeface="Times New Roman"/>
+        <a:font script="Hebr" typeface="Times New Roman"/>
+        <a:font script="Thai" typeface="Angsana New"/>
+        <a:font script="Ethi" typeface="Nyala"/>
+        <a:font script="Beng" typeface="Vrinda"/>
+        <a:font script="Gujr" typeface="Shruti"/>
+        <a:font script="Khmr" typeface="MoolBoran"/>
+        <a:font script="Knda" typeface="Tunga"/>
+        <a:font script="Guru" typeface="Raavi"/>
+        <a:font script="Cans" typeface="Euphemia"/>
+        <a:font script="Cher" typeface="Plantagenet Cherokee"/>
+        <a:font script="Yiii" typeface="Microsoft Yi Baiti"/>
+        <a:font script="Tibt" typeface="Microsoft Himalaya"/>
+        <a:font script="Thaa" typeface="MV Boli"/>
+        <a:font script="Deva" typeface="Mangal"/>
+        <a:font script="Telu" typeface="Gautami"/>
+        <a:font script="Taml" typeface="Latha"/>
+        <a:font script="Syrc" typeface="Estrangelo Edessa"/>
+        <a:font script="Orya" typeface="Kalinga"/>
+        <a:font script="Mlym" typeface="Kartika"/>
+        <a:font script="Laoo" typeface="DokChampa"/>
+        <a:font script="Sinh" typeface="Iskoola Pota"/>
+        <a:font script="Mong" typeface="Mongolian Baiti"/>
+        <a:font script="Viet" typeface="Times New Roman"/>
+        <a:font script="Uigh" typeface="Microsoft Uighur"/>
+        <a:font script="Geor" typeface="Sylfaen"/>
+      </a:majorFont>
+      <a:minorFont>
+        <a:latin typeface="Arial"/>
+        <a:ea typeface=""/>
+        <a:cs typeface=""/>
+        <a:font script="Jpan" typeface="ＭＳ Ｐゴシック"/>
+        <a:font script="Hang" typeface="맑은 고딕"/>
+        <a:font script="Hans" typeface="宋体"/>
+        <a:font script="Hant" typeface="新細明體"/>
+        <a:font script="Arab" typeface="Arial"/>
+        <a:font script="Hebr" typeface="Arial"/>
+        <a:font script="Thai" typeface="Cordia New"/>
+        <a:font script="Ethi" typeface="Nyala"/>
+        <a:font script="Beng" typeface="Vrinda"/>
+        <a:font script="Gujr" typeface="Shruti"/>
+        <a:font script="Khmr" typeface="DaunPenh"/>
+        <a:font script="Knda" typeface="Tunga"/>
+        <a:font script="Guru" typeface="Raavi"/>
+        <a:font script="Cans" typeface="Euphemia"/>
+        <a:font script="Cher" typeface="Plantagenet Cherokee"/>
+        <a:font script="Yiii" typeface="Microsoft Yi Baiti"/>
+        <a:font script="Tibt" typeface="Microsoft Himalaya"/>
+        <a:font script="Thaa" typeface="MV Boli"/>
+        <a:font script="Deva" typeface="Mangal"/>
+        <a:font script="Telu" typeface="Gautami"/>
+        <a:font script="Taml" typeface="Latha"/>
+        <a:font script="Syrc" typeface="Estrangelo Edessa"/>
+        <a:font script="Orya" typeface="Kalinga"/>
+        <a:font script="Mlym" typeface="Kartika"/>
+        <a:font script="Laoo" typeface="DokChampa"/>
+        <a:font script="Sinh" typeface="Iskoola Pota"/>
+        <a:font script="Mong" typeface="Mongolian Baiti"/>
+        <a:font script="Viet" typeface="Arial"/>
+        <a:font script="Uigh" typeface="Microsoft Uighur"/>
+        <a:font script="Geor" typeface="Sylfaen"/>
+      </a:minorFont>
+    </a:fontScheme>
+    <a:fmtScheme name="Office">
+      <a:fillStyleLst>
+        <a:solidFill>
+          <a:schemeClr val="phClr"/>
+        </a:solidFill>
+        <a:gradFill rotWithShape="1">
+          <a:gsLst>
+            <a:gs pos="0">
+              <a:schemeClr val="phClr">
+                <a:tint val="50000"/>
+                <a:satMod val="300000"/>
+              </a:schemeClr>
+            </a:gs>
+            <a:gs pos="35000">
+              <a:schemeClr val="phClr">
+                <a:tint val="37000"/>
+                <a:satMod val="300000"/>
+              </a:schemeClr>
+            </a:gs>
+            <a:gs pos="100000">
+              <a:schemeClr val="phClr">
+                <a:tint val="15000"/>
+                <a:satMod val="350000"/>
+              </a:schemeClr>
+            </a:gs>
+          </a:gsLst>
+          <a:lin ang="16200000" scaled="1"/>
+        </a:gradFill>
+        <a:gradFill rotWithShape="1">
+          <a:gsLst>
+            <a:gs pos="0">
+              <a:schemeClr val="phClr">
+                <a:tint val="100000"/>
+                <a:shade val="100000"/>
+                <a:satMod val="130000"/>
+              </a:schemeClr>
+            </a:gs>
+            <a:gs pos="100000">
+              <a:schemeClr val="phClr">
+                <a:tint val="50000"/>
+                <a:shade val="100000"/>
+                <a:satMod val="350000"/>
+              </a:schemeClr>
+            </a:gs>
+          </a:gsLst>
+          <a:lin ang="16200000" scaled="0"/>
+        </a:gradFill>
+      </a:fillStyleLst>
+      <a:lnStyleLst>
+        <a:ln w="9525" cap="flat" cmpd="sng" algn="ctr">
+          <a:solidFill>
+            <a:schemeClr val="phClr">
+              <a:shade val="95000"/>
+              <a:satMod val="105000"/>
+            </a:schemeClr>
+          </a:solidFill>
+          <a:prstDash val="solid"/>
+        </a:ln>
+        <a:ln w="25400" cap="flat" cmpd="sng" algn="ctr">
+          <a:solidFill>
+            <a:schemeClr val="phClr"/>
+          </a:solidFill>
+          <a:prstDash val="solid"/>
+        </a:ln>
+        <a:ln w="38100" cap="flat" cmpd="sng" algn="ctr">
+          <a:solidFill>
+            <a:schemeClr val="phClr"/>
+          </a:solidFill>
+          <a:prstDash val="solid"/>
+        </a:ln>
+      </a:lnStyleLst>
+      <a:effectStyleLst>
+        <a:effectStyle>
+          <a:effectLst>
+            <a:outerShdw blurRad="40000" dist="20000" dir="5400000" rotWithShape="0">
+              <a:srgbClr val="000000">
+                <a:alpha val="38000"/>
+              </a:srgbClr>
+            </a:outerShdw>
+          </a:effectLst>
+        </a:effectStyle>
+        <a:effectStyle>
+          <a:effectLst>
+            <a:outerShdw blurRad="40000" dist="23000" dir="5400000" rotWithShape="0">
+              <a:srgbClr val="000000">
+                <a:alpha val="35000"/>
+              </a:srgbClr>
+            </a:outerShdw>
+          </a:effectLst>
+        </a:effectStyle>
+        <a:effectStyle>
+          <a:effectLst>
+            <a:outerShdw blurRad="40000" dist="23000" dir="5400000" rotWithShape="0">
+              <a:srgbClr val="000000">
+                <a:alpha val="35000"/>
+              </a:srgbClr>
+            </a:outerShdw>
+          </a:effectLst>
+          <a:scene3d>
+            <a:camera prst="orthographicFront">
+              <a:rot lat="0" lon="0" rev="0"/>
+            </a:camera>
+            <a:lightRig rig="threePt" dir="t">
+              <a:rot lat="0" lon="0" rev="1200000"/>
+            </a:lightRig>
+          </a:scene3d>
+          <a:sp3d>
+            <a:bevelT w="63500" h="25400"/>
+          </a:sp3d>
+        </a:effectStyle>
+      </a:effectStyleLst>
+      <a:bgFillStyleLst>
+        <a:solidFill>
+          <a:schemeClr val="phClr"/>
+        </a:solidFill>
+        <a:gradFill rotWithShape="1">
+          <a:gsLst>
+            <a:gs pos="0">
+              <a:schemeClr val="phClr">
+                <a:tint val="40000"/>
+                <a:satMod val="350000"/>
+              </a:schemeClr>
+            </a:gs>
+            <a:gs pos="40000">
+              <a:schemeClr val="phClr">
+                <a:tint val="45000"/>
+                <a:shade val="99000"/>
+                <a:satMod val="350000"/>
+              </a:schemeClr>
+            </a:gs>
+            <a:gs pos="100000">
+              <a:schemeClr val="phClr">
+                <a:shade val="20000"/>
+                <a:satMod val="255000"/>
+              </a:schemeClr>
+            </a:gs>
+          </a:gsLst>
+          <a:path path="circle">
+            <a:fillToRect l="50000" t="-80000" r="50000" b="180000"/>
+          </a:path>
+        </a:gradFill>
+        <a:gradFill rotWithShape="1">
+          <a:gsLst>
+            <a:gs pos="0">
+              <a:schemeClr val="phClr">
+                <a:tint val="80000"/>
+                <a:satMod val="300000"/>
+              </a:schemeClr>
+            </a:gs>
+            <a:gs pos="100000">
+              <a:schemeClr val="phClr">
+                <a:shade val="30000"/>
+                <a:satMod val="200000"/>
+              </a:schemeClr>
+            </a:gs>
+          </a:gsLst>
+          <a:path path="circle">
+            <a:fillToRect l="50000" t="50000" r="50000" b="50000"/>
+          </a:path>
+        </a:gradFill>
+      </a:bgFillStyleLst>
+    </a:fmtScheme>
+  </a:themeElements>
+</a:theme>
+</file>
+
+<file path=ppt/theme/theme2.xml><?xml version="1.0" encoding="utf-8"?>
 <a:theme xmlns:a="http://schemas.openxmlformats.org/drawingml/2006/main" xmlns:r="http://schemas.openxmlformats.org/officeDocument/2006/relationships">
   <a:themeElements>
     <a:clrScheme name="Default">
@@ -9981,283 +10003,4 @@
     </a:fmtScheme>
   </a:themeElements>
 </a:theme>
-</file>
-
-<file path=ppt/theme/theme2.xml><?xml version="1.0" encoding="utf-8"?>
-<a:theme xmlns:a="http://schemas.openxmlformats.org/drawingml/2006/main" xmlns:r="http://schemas.openxmlformats.org/officeDocument/2006/relationships" name="Pop">
-  <a:themeElements>
-    <a:clrScheme name="Pop">
-      <a:dk1>
-        <a:srgbClr val="F8E71C"/>
-      </a:dk1>
-      <a:lt1>
-        <a:srgbClr val="FFFFFF"/>
-      </a:lt1>
-      <a:dk2>
-        <a:srgbClr val="000000"/>
-      </a:dk2>
-      <a:lt2>
-        <a:srgbClr val="D9D9D9"/>
-      </a:lt2>
-      <a:accent1>
-        <a:srgbClr val="666666"/>
-      </a:accent1>
-      <a:accent2>
-        <a:srgbClr val="483165"/>
-      </a:accent2>
-      <a:accent3>
-        <a:srgbClr val="EB1E95"/>
-      </a:accent3>
-      <a:accent4>
-        <a:srgbClr val="01AFD1"/>
-      </a:accent4>
-      <a:accent5>
-        <a:srgbClr val="0F9D58"/>
-      </a:accent5>
-      <a:accent6>
-        <a:srgbClr val="9C27B0"/>
-      </a:accent6>
-      <a:hlink>
-        <a:srgbClr val="0F9D58"/>
-      </a:hlink>
-      <a:folHlink>
-        <a:srgbClr val="0F9D58"/>
-      </a:folHlink>
-    </a:clrScheme>
-    <a:fontScheme name="Office">
-      <a:majorFont>
-        <a:latin typeface="Arial"/>
-        <a:ea typeface=""/>
-        <a:cs typeface=""/>
-        <a:font script="Jpan" typeface="ＭＳ Ｐゴシック"/>
-        <a:font script="Hang" typeface="맑은 고딕"/>
-        <a:font script="Hans" typeface="宋体"/>
-        <a:font script="Hant" typeface="新細明體"/>
-        <a:font script="Arab" typeface="Times New Roman"/>
-        <a:font script="Hebr" typeface="Times New Roman"/>
-        <a:font script="Thai" typeface="Angsana New"/>
-        <a:font script="Ethi" typeface="Nyala"/>
-        <a:font script="Beng" typeface="Vrinda"/>
-        <a:font script="Gujr" typeface="Shruti"/>
-        <a:font script="Khmr" typeface="MoolBoran"/>
-        <a:font script="Knda" typeface="Tunga"/>
-        <a:font script="Guru" typeface="Raavi"/>
-        <a:font script="Cans" typeface="Euphemia"/>
-        <a:font script="Cher" typeface="Plantagenet Cherokee"/>
-        <a:font script="Yiii" typeface="Microsoft Yi Baiti"/>
-        <a:font script="Tibt" typeface="Microsoft Himalaya"/>
-        <a:font script="Thaa" typeface="MV Boli"/>
-        <a:font script="Deva" typeface="Mangal"/>
-        <a:font script="Telu" typeface="Gautami"/>
-        <a:font script="Taml" typeface="Latha"/>
-        <a:font script="Syrc" typeface="Estrangelo Edessa"/>
-        <a:font script="Orya" typeface="Kalinga"/>
-        <a:font script="Mlym" typeface="Kartika"/>
-        <a:font script="Laoo" typeface="DokChampa"/>
-        <a:font script="Sinh" typeface="Iskoola Pota"/>
-        <a:font script="Mong" typeface="Mongolian Baiti"/>
-        <a:font script="Viet" typeface="Times New Roman"/>
-        <a:font script="Uigh" typeface="Microsoft Uighur"/>
-        <a:font script="Geor" typeface="Sylfaen"/>
-      </a:majorFont>
-      <a:minorFont>
-        <a:latin typeface="Arial"/>
-        <a:ea typeface=""/>
-        <a:cs typeface=""/>
-        <a:font script="Jpan" typeface="ＭＳ Ｐゴシック"/>
-        <a:font script="Hang" typeface="맑은 고딕"/>
-        <a:font script="Hans" typeface="宋体"/>
-        <a:font script="Hant" typeface="新細明體"/>
-        <a:font script="Arab" typeface="Arial"/>
-        <a:font script="Hebr" typeface="Arial"/>
-        <a:font script="Thai" typeface="Cordia New"/>
-        <a:font script="Ethi" typeface="Nyala"/>
-        <a:font script="Beng" typeface="Vrinda"/>
-        <a:font script="Gujr" typeface="Shruti"/>
-        <a:font script="Khmr" typeface="DaunPenh"/>
-        <a:font script="Knda" typeface="Tunga"/>
-        <a:font script="Guru" typeface="Raavi"/>
-        <a:font script="Cans" typeface="Euphemia"/>
-        <a:font script="Cher" typeface="Plantagenet Cherokee"/>
-        <a:font script="Yiii" typeface="Microsoft Yi Baiti"/>
-        <a:font script="Tibt" typeface="Microsoft Himalaya"/>
-        <a:font script="Thaa" typeface="MV Boli"/>
-        <a:font script="Deva" typeface="Mangal"/>
-        <a:font script="Telu" typeface="Gautami"/>
-        <a:font script="Taml" typeface="Latha"/>
-        <a:font script="Syrc" typeface="Estrangelo Edessa"/>
-        <a:font script="Orya" typeface="Kalinga"/>
-        <a:font script="Mlym" typeface="Kartika"/>
-        <a:font script="Laoo" typeface="DokChampa"/>
-        <a:font script="Sinh" typeface="Iskoola Pota"/>
-        <a:font script="Mong" typeface="Mongolian Baiti"/>
-        <a:font script="Viet" typeface="Arial"/>
-        <a:font script="Uigh" typeface="Microsoft Uighur"/>
-        <a:font script="Geor" typeface="Sylfaen"/>
-      </a:minorFont>
-    </a:fontScheme>
-    <a:fmtScheme name="Office">
-      <a:fillStyleLst>
-        <a:solidFill>
-          <a:schemeClr val="phClr"/>
-        </a:solidFill>
-        <a:gradFill rotWithShape="1">
-          <a:gsLst>
-            <a:gs pos="0">
-              <a:schemeClr val="phClr">
-                <a:tint val="50000"/>
-                <a:satMod val="300000"/>
-              </a:schemeClr>
-            </a:gs>
-            <a:gs pos="35000">
-              <a:schemeClr val="phClr">
-                <a:tint val="37000"/>
-                <a:satMod val="300000"/>
-              </a:schemeClr>
-            </a:gs>
-            <a:gs pos="100000">
-              <a:schemeClr val="phClr">
-                <a:tint val="15000"/>
-                <a:satMod val="350000"/>
-              </a:schemeClr>
-            </a:gs>
-          </a:gsLst>
-          <a:lin ang="16200000" scaled="1"/>
-        </a:gradFill>
-        <a:gradFill rotWithShape="1">
-          <a:gsLst>
-            <a:gs pos="0">
-              <a:schemeClr val="phClr">
-                <a:tint val="100000"/>
-                <a:shade val="100000"/>
-                <a:satMod val="130000"/>
-              </a:schemeClr>
-            </a:gs>
-            <a:gs pos="100000">
-              <a:schemeClr val="phClr">
-                <a:tint val="50000"/>
-                <a:shade val="100000"/>
-                <a:satMod val="350000"/>
-              </a:schemeClr>
-            </a:gs>
-          </a:gsLst>
-          <a:lin ang="16200000" scaled="0"/>
-        </a:gradFill>
-      </a:fillStyleLst>
-      <a:lnStyleLst>
-        <a:ln w="9525" cap="flat" cmpd="sng" algn="ctr">
-          <a:solidFill>
-            <a:schemeClr val="phClr">
-              <a:shade val="95000"/>
-              <a:satMod val="105000"/>
-            </a:schemeClr>
-          </a:solidFill>
-          <a:prstDash val="solid"/>
-        </a:ln>
-        <a:ln w="25400" cap="flat" cmpd="sng" algn="ctr">
-          <a:solidFill>
-            <a:schemeClr val="phClr"/>
-          </a:solidFill>
-          <a:prstDash val="solid"/>
-        </a:ln>
-        <a:ln w="38100" cap="flat" cmpd="sng" algn="ctr">
-          <a:solidFill>
-            <a:schemeClr val="phClr"/>
-          </a:solidFill>
-          <a:prstDash val="solid"/>
-        </a:ln>
-      </a:lnStyleLst>
-      <a:effectStyleLst>
-        <a:effectStyle>
-          <a:effectLst>
-            <a:outerShdw blurRad="40000" dist="20000" dir="5400000" rotWithShape="0">
-              <a:srgbClr val="000000">
-                <a:alpha val="38000"/>
-              </a:srgbClr>
-            </a:outerShdw>
-          </a:effectLst>
-        </a:effectStyle>
-        <a:effectStyle>
-          <a:effectLst>
-            <a:outerShdw blurRad="40000" dist="23000" dir="5400000" rotWithShape="0">
-              <a:srgbClr val="000000">
-                <a:alpha val="35000"/>
-              </a:srgbClr>
-            </a:outerShdw>
-          </a:effectLst>
-        </a:effectStyle>
-        <a:effectStyle>
-          <a:effectLst>
-            <a:outerShdw blurRad="40000" dist="23000" dir="5400000" rotWithShape="0">
-              <a:srgbClr val="000000">
-                <a:alpha val="35000"/>
-              </a:srgbClr>
-            </a:outerShdw>
-          </a:effectLst>
-          <a:scene3d>
-            <a:camera prst="orthographicFront">
-              <a:rot lat="0" lon="0" rev="0"/>
-            </a:camera>
-            <a:lightRig rig="threePt" dir="t">
-              <a:rot lat="0" lon="0" rev="1200000"/>
-            </a:lightRig>
-          </a:scene3d>
-          <a:sp3d>
-            <a:bevelT w="63500" h="25400"/>
-          </a:sp3d>
-        </a:effectStyle>
-      </a:effectStyleLst>
-      <a:bgFillStyleLst>
-        <a:solidFill>
-          <a:schemeClr val="phClr"/>
-        </a:solidFill>
-        <a:gradFill rotWithShape="1">
-          <a:gsLst>
-            <a:gs pos="0">
-              <a:schemeClr val="phClr">
-                <a:tint val="40000"/>
-                <a:satMod val="350000"/>
-              </a:schemeClr>
-            </a:gs>
-            <a:gs pos="40000">
-              <a:schemeClr val="phClr">
-                <a:tint val="45000"/>
-                <a:shade val="99000"/>
-                <a:satMod val="350000"/>
-              </a:schemeClr>
-            </a:gs>
-            <a:gs pos="100000">
-              <a:schemeClr val="phClr">
-                <a:shade val="20000"/>
-                <a:satMod val="255000"/>
-              </a:schemeClr>
-            </a:gs>
-          </a:gsLst>
-          <a:path path="circle">
-            <a:fillToRect l="50000" t="-80000" r="50000" b="180000"/>
-          </a:path>
-        </a:gradFill>
-        <a:gradFill rotWithShape="1">
-          <a:gsLst>
-            <a:gs pos="0">
-              <a:schemeClr val="phClr">
-                <a:tint val="80000"/>
-                <a:satMod val="300000"/>
-              </a:schemeClr>
-            </a:gs>
-            <a:gs pos="100000">
-              <a:schemeClr val="phClr">
-                <a:shade val="30000"/>
-                <a:satMod val="200000"/>
-              </a:schemeClr>
-            </a:gs>
-          </a:gsLst>
-          <a:path path="circle">
-            <a:fillToRect l="50000" t="50000" r="50000" b="50000"/>
-          </a:path>
-        </a:gradFill>
-      </a:bgFillStyleLst>
-    </a:fmtScheme>
-  </a:themeElements>
-</a:theme>
 </file>
--- a/docs/INF2003_Group13_Slides.pptx
+++ b/docs/INF2003_Group13_Slides.pptx
@@ -1,56 +1,63 @@
 
 <file path=ppt/presentation.xml><?xml version="1.0" encoding="utf-8"?>
-<p:presentation xmlns:a="http://schemas.openxmlformats.org/drawingml/2006/main" xmlns:r="http://schemas.openxmlformats.org/officeDocument/2006/relationships" xmlns:mc="http://schemas.openxmlformats.org/markup-compatibility/2006" xmlns:mv="urn:schemas-microsoft-com:mac:vml" xmlns:p="http://schemas.openxmlformats.org/presentationml/2006/main" xmlns:c="http://schemas.openxmlformats.org/drawingml/2006/chart" xmlns:dgm="http://schemas.openxmlformats.org/drawingml/2006/diagram" xmlns:o="urn:schemas-microsoft-com:office:office" xmlns:v="urn:schemas-microsoft-com:vml" xmlns:pvml="urn:schemas-microsoft-com:office:powerpoint" xmlns:com="http://schemas.openxmlformats.org/drawingml/2006/compatibility" xmlns:p14="http://schemas.microsoft.com/office/powerpoint/2010/main" xmlns:p15="http://schemas.microsoft.com/office/powerpoint/2012/main" xmlns:ahyp="http://schemas.microsoft.com/office/drawing/2018/hyperlinkcolor" autoCompressPictures="0" embedTrueTypeFonts="1" strictFirstAndLastChars="0" saveSubsetFonts="1">
+<p:presentation xmlns:a="http://schemas.openxmlformats.org/drawingml/2006/main" xmlns:r="http://schemas.openxmlformats.org/officeDocument/2006/relationships" xmlns:p="http://schemas.openxmlformats.org/presentationml/2006/main" strictFirstAndLastChars="0" embedTrueTypeFonts="1" saveSubsetFonts="1" autoCompressPictures="0">
   <p:sldMasterIdLst>
-    <p:sldMasterId id="2147483659" r:id="rId5"/>
+    <p:sldMasterId id="2147483659" r:id="rId1"/>
   </p:sldMasterIdLst>
   <p:notesMasterIdLst>
-    <p:notesMasterId r:id="rId6"/>
+    <p:notesMasterId r:id="rId12"/>
   </p:notesMasterIdLst>
   <p:sldIdLst>
-    <p:sldId id="256" r:id="rId7"/>
-    <p:sldId id="257" r:id="rId8"/>
-    <p:sldId id="258" r:id="rId9"/>
-    <p:sldId id="259" r:id="rId10"/>
-    <p:sldId id="260" r:id="rId11"/>
-    <p:sldId id="261" r:id="rId12"/>
-    <p:sldId id="262" r:id="rId13"/>
-    <p:sldId id="263" r:id="rId14"/>
-    <p:sldId id="264" r:id="rId15"/>
-    <p:sldId id="265" r:id="rId16"/>
+    <p:sldId id="256" r:id="rId2"/>
+    <p:sldId id="257" r:id="rId3"/>
+    <p:sldId id="258" r:id="rId4"/>
+    <p:sldId id="259" r:id="rId5"/>
+    <p:sldId id="260" r:id="rId6"/>
+    <p:sldId id="261" r:id="rId7"/>
+    <p:sldId id="262" r:id="rId8"/>
+    <p:sldId id="263" r:id="rId9"/>
+    <p:sldId id="264" r:id="rId10"/>
+    <p:sldId id="265" r:id="rId11"/>
   </p:sldIdLst>
-  <p:sldSz cy="5143500" cx="9144000"/>
+  <p:sldSz cx="9144000" cy="5143500" type="screen16x9"/>
   <p:notesSz cx="6858000" cy="9144000"/>
   <p:embeddedFontLst>
     <p:embeddedFont>
-      <p:font typeface="Playfair Display"/>
+      <p:font typeface="Calibri" panose="020F0502020204030204" pitchFamily="34" charset="0"/>
+      <p:regular r:id="rId13"/>
+      <p:bold r:id="rId14"/>
+      <p:italic r:id="rId15"/>
+      <p:boldItalic r:id="rId16"/>
+    </p:embeddedFont>
+    <p:embeddedFont>
+      <p:font typeface="Montserrat" panose="00000500000000000000" pitchFamily="2" charset="0"/>
       <p:regular r:id="rId17"/>
       <p:bold r:id="rId18"/>
       <p:italic r:id="rId19"/>
       <p:boldItalic r:id="rId20"/>
     </p:embeddedFont>
     <p:embeddedFont>
-      <p:font typeface="Montserrat"/>
+      <p:font typeface="Oswald" panose="00000500000000000000" pitchFamily="2" charset="0"/>
       <p:regular r:id="rId21"/>
       <p:bold r:id="rId22"/>
-      <p:italic r:id="rId23"/>
-      <p:boldItalic r:id="rId24"/>
     </p:embeddedFont>
     <p:embeddedFont>
-      <p:font typeface="Source Code Pro"/>
-      <p:regular r:id="rId25"/>
-      <p:bold r:id="rId26"/>
-      <p:italic r:id="rId27"/>
-      <p:boldItalic r:id="rId28"/>
+      <p:font typeface="Playfair Display" panose="00000500000000000000" pitchFamily="2" charset="0"/>
+      <p:regular r:id="rId23"/>
+      <p:bold r:id="rId24"/>
+      <p:italic r:id="rId25"/>
+      <p:boldItalic r:id="rId26"/>
     </p:embeddedFont>
     <p:embeddedFont>
-      <p:font typeface="Oswald"/>
-      <p:regular r:id="rId29"/>
-      <p:bold r:id="rId30"/>
+      <p:font typeface="Source Code Pro" panose="020B0509030403020204" pitchFamily="49" charset="0"/>
+      <p:regular r:id="rId27"/>
+      <p:bold r:id="rId28"/>
+      <p:italic r:id="rId29"/>
+      <p:boldItalic r:id="rId30"/>
     </p:embeddedFont>
   </p:embeddedFontLst>
   <p:defaultTextStyle>
-    <a:defPPr lvl="0" marR="0" rtl="0" algn="l">
+    <a:defPPr marR="0" lvl="0" algn="l" rtl="0">
       <a:lnSpc>
         <a:spcPct val="100000"/>
       </a:lnSpc>
@@ -61,7 +68,7 @@
         <a:spcPts val="0"/>
       </a:spcAft>
     </a:defPPr>
-    <a:lvl1pPr lvl="0" marR="0" rtl="0" algn="l">
+    <a:lvl1pPr marR="0" lvl="0" algn="l" rtl="0">
       <a:lnSpc>
         <a:spcPct val="100000"/>
       </a:lnSpc>
@@ -75,7 +82,7 @@
         <a:srgbClr val="000000"/>
       </a:buClr>
       <a:buFont typeface="Arial"/>
-      <a:defRPr b="0" i="0" sz="1400" u="none" cap="none" strike="noStrike">
+      <a:defRPr sz="1400" b="0" i="0" u="none" strike="noStrike" cap="none">
         <a:solidFill>
           <a:srgbClr val="000000"/>
         </a:solidFill>
@@ -85,7 +92,7 @@
         <a:sym typeface="Arial"/>
       </a:defRPr>
     </a:lvl1pPr>
-    <a:lvl2pPr lvl="1" marR="0" rtl="0" algn="l">
+    <a:lvl2pPr marR="0" lvl="1" algn="l" rtl="0">
       <a:lnSpc>
         <a:spcPct val="100000"/>
       </a:lnSpc>
@@ -99,7 +106,7 @@
         <a:srgbClr val="000000"/>
       </a:buClr>
       <a:buFont typeface="Arial"/>
-      <a:defRPr b="0" i="0" sz="1400" u="none" cap="none" strike="noStrike">
+      <a:defRPr sz="1400" b="0" i="0" u="none" strike="noStrike" cap="none">
         <a:solidFill>
           <a:srgbClr val="000000"/>
         </a:solidFill>
@@ -109,7 +116,7 @@
         <a:sym typeface="Arial"/>
       </a:defRPr>
     </a:lvl2pPr>
-    <a:lvl3pPr lvl="2" marR="0" rtl="0" algn="l">
+    <a:lvl3pPr marR="0" lvl="2" algn="l" rtl="0">
       <a:lnSpc>
         <a:spcPct val="100000"/>
       </a:lnSpc>
@@ -123,7 +130,7 @@
         <a:srgbClr val="000000"/>
       </a:buClr>
       <a:buFont typeface="Arial"/>
-      <a:defRPr b="0" i="0" sz="1400" u="none" cap="none" strike="noStrike">
+      <a:defRPr sz="1400" b="0" i="0" u="none" strike="noStrike" cap="none">
         <a:solidFill>
           <a:srgbClr val="000000"/>
         </a:solidFill>
@@ -133,7 +140,7 @@
         <a:sym typeface="Arial"/>
       </a:defRPr>
     </a:lvl3pPr>
-    <a:lvl4pPr lvl="3" marR="0" rtl="0" algn="l">
+    <a:lvl4pPr marR="0" lvl="3" algn="l" rtl="0">
       <a:lnSpc>
         <a:spcPct val="100000"/>
       </a:lnSpc>
@@ -147,7 +154,7 @@
         <a:srgbClr val="000000"/>
       </a:buClr>
       <a:buFont typeface="Arial"/>
-      <a:defRPr b="0" i="0" sz="1400" u="none" cap="none" strike="noStrike">
+      <a:defRPr sz="1400" b="0" i="0" u="none" strike="noStrike" cap="none">
         <a:solidFill>
           <a:srgbClr val="000000"/>
         </a:solidFill>
@@ -157,7 +164,7 @@
         <a:sym typeface="Arial"/>
       </a:defRPr>
     </a:lvl4pPr>
-    <a:lvl5pPr lvl="4" marR="0" rtl="0" algn="l">
+    <a:lvl5pPr marR="0" lvl="4" algn="l" rtl="0">
       <a:lnSpc>
         <a:spcPct val="100000"/>
       </a:lnSpc>
@@ -171,7 +178,7 @@
         <a:srgbClr val="000000"/>
       </a:buClr>
       <a:buFont typeface="Arial"/>
-      <a:defRPr b="0" i="0" sz="1400" u="none" cap="none" strike="noStrike">
+      <a:defRPr sz="1400" b="0" i="0" u="none" strike="noStrike" cap="none">
         <a:solidFill>
           <a:srgbClr val="000000"/>
         </a:solidFill>
@@ -181,7 +188,7 @@
         <a:sym typeface="Arial"/>
       </a:defRPr>
     </a:lvl5pPr>
-    <a:lvl6pPr lvl="5" marR="0" rtl="0" algn="l">
+    <a:lvl6pPr marR="0" lvl="5" algn="l" rtl="0">
       <a:lnSpc>
         <a:spcPct val="100000"/>
       </a:lnSpc>
@@ -195,7 +202,7 @@
         <a:srgbClr val="000000"/>
       </a:buClr>
       <a:buFont typeface="Arial"/>
-      <a:defRPr b="0" i="0" sz="1400" u="none" cap="none" strike="noStrike">
+      <a:defRPr sz="1400" b="0" i="0" u="none" strike="noStrike" cap="none">
         <a:solidFill>
           <a:srgbClr val="000000"/>
         </a:solidFill>
@@ -205,7 +212,7 @@
         <a:sym typeface="Arial"/>
       </a:defRPr>
     </a:lvl6pPr>
-    <a:lvl7pPr lvl="6" marR="0" rtl="0" algn="l">
+    <a:lvl7pPr marR="0" lvl="6" algn="l" rtl="0">
       <a:lnSpc>
         <a:spcPct val="100000"/>
       </a:lnSpc>
@@ -219,7 +226,7 @@
         <a:srgbClr val="000000"/>
       </a:buClr>
       <a:buFont typeface="Arial"/>
-      <a:defRPr b="0" i="0" sz="1400" u="none" cap="none" strike="noStrike">
+      <a:defRPr sz="1400" b="0" i="0" u="none" strike="noStrike" cap="none">
         <a:solidFill>
           <a:srgbClr val="000000"/>
         </a:solidFill>
@@ -229,7 +236,7 @@
         <a:sym typeface="Arial"/>
       </a:defRPr>
     </a:lvl7pPr>
-    <a:lvl8pPr lvl="7" marR="0" rtl="0" algn="l">
+    <a:lvl8pPr marR="0" lvl="7" algn="l" rtl="0">
       <a:lnSpc>
         <a:spcPct val="100000"/>
       </a:lnSpc>
@@ -243,7 +250,7 @@
         <a:srgbClr val="000000"/>
       </a:buClr>
       <a:buFont typeface="Arial"/>
-      <a:defRPr b="0" i="0" sz="1400" u="none" cap="none" strike="noStrike">
+      <a:defRPr sz="1400" b="0" i="0" u="none" strike="noStrike" cap="none">
         <a:solidFill>
           <a:srgbClr val="000000"/>
         </a:solidFill>
@@ -253,7 +260,7 @@
         <a:sym typeface="Arial"/>
       </a:defRPr>
     </a:lvl8pPr>
-    <a:lvl9pPr lvl="8" marR="0" rtl="0" algn="l">
+    <a:lvl9pPr marR="0" lvl="8" algn="l" rtl="0">
       <a:lnSpc>
         <a:spcPct val="100000"/>
       </a:lnSpc>
@@ -267,7 +274,7 @@
         <a:srgbClr val="000000"/>
       </a:buClr>
       <a:buFont typeface="Arial"/>
-      <a:defRPr b="0" i="0" sz="1400" u="none" cap="none" strike="noStrike">
+      <a:defRPr sz="1400" b="0" i="0" u="none" strike="noStrike" cap="none">
         <a:solidFill>
           <a:srgbClr val="000000"/>
         </a:solidFill>
@@ -280,7 +287,7 @@
   </p:defaultTextStyle>
   <p:extLst>
     <p:ext uri="{EFAFB233-063F-42B5-8137-9DF3F51BA10A}">
-      <p15:sldGuideLst>
+      <p15:sldGuideLst xmlns:p15="http://schemas.microsoft.com/office/powerpoint/2012/main">
         <p15:guide id="1" orient="horz" pos="1620">
           <p15:clr>
             <a:srgbClr val="747775"/>
@@ -298,11 +305,16 @@
 </file>
 
 <file path=ppt/notesMasters/notesMaster1.xml><?xml version="1.0" encoding="utf-8"?>
-<p:notesMaster xmlns:a="http://schemas.openxmlformats.org/drawingml/2006/main" xmlns:r="http://schemas.openxmlformats.org/officeDocument/2006/relationships" xmlns:mc="http://schemas.openxmlformats.org/markup-compatibility/2006" xmlns:mv="urn:schemas-microsoft-com:mac:vml" xmlns:p="http://schemas.openxmlformats.org/presentationml/2006/main" xmlns:c="http://schemas.openxmlformats.org/drawingml/2006/chart" xmlns:dgm="http://schemas.openxmlformats.org/drawingml/2006/diagram" xmlns:o="urn:schemas-microsoft-com:office:office" xmlns:v="urn:schemas-microsoft-com:vml" xmlns:pvml="urn:schemas-microsoft-com:office:powerpoint" xmlns:com="http://schemas.openxmlformats.org/drawingml/2006/compatibility" xmlns:p14="http://schemas.microsoft.com/office/powerpoint/2010/main" xmlns:p15="http://schemas.microsoft.com/office/powerpoint/2012/main" xmlns:ahyp="http://schemas.microsoft.com/office/drawing/2018/hyperlinkcolor">
+<p:notesMaster xmlns:a="http://schemas.openxmlformats.org/drawingml/2006/main" xmlns:r="http://schemas.openxmlformats.org/officeDocument/2006/relationships" xmlns:p="http://schemas.openxmlformats.org/presentationml/2006/main">
   <p:cSld>
+    <p:bg>
+      <p:bgRef idx="1001">
+        <a:schemeClr val="bg1"/>
+      </p:bgRef>
+    </p:bg>
     <p:spTree>
       <p:nvGrpSpPr>
-        <p:cNvPr id="2" name="Shape 2"/>
+        <p:cNvPr id="1" name="Shape 2"/>
         <p:cNvGrpSpPr/>
         <p:nvPr/>
       </p:nvGrpSpPr>
@@ -317,9 +329,11 @@
       <p:sp>
         <p:nvSpPr>
           <p:cNvPr id="3" name="Google Shape;3;n"/>
-          <p:cNvSpPr/>
+          <p:cNvSpPr>
+            <a:spLocks noGrp="1" noRot="1" noChangeAspect="1"/>
+          </p:cNvSpPr>
           <p:nvPr>
-            <p:ph idx="2" type="sldImg"/>
+            <p:ph type="sldImg" idx="2"/>
           </p:nvPr>
         </p:nvSpPr>
         <p:spPr>
@@ -328,9 +342,13 @@
             <a:ext cx="6096075" cy="3429000"/>
           </a:xfrm>
           <a:custGeom>
-            <a:rect b="b" l="l" r="r" t="t"/>
+            <a:avLst/>
+            <a:gdLst/>
+            <a:ahLst/>
+            <a:cxnLst/>
+            <a:rect l="l" t="t" r="r" b="b"/>
             <a:pathLst>
-              <a:path extrusionOk="0" h="120000" w="120000">
+              <a:path w="120000" h="120000" extrusionOk="0">
                 <a:moveTo>
                   <a:pt x="0" y="0"/>
                 </a:moveTo>
@@ -348,23 +366,25 @@
             </a:pathLst>
           </a:custGeom>
           <a:noFill/>
-          <a:ln cap="flat" cmpd="sng" w="9525">
+          <a:ln w="9525" cap="flat" cmpd="sng">
             <a:solidFill>
               <a:srgbClr val="000000"/>
             </a:solidFill>
             <a:prstDash val="solid"/>
             <a:round/>
-            <a:headEnd len="sm" w="sm" type="none"/>
-            <a:tailEnd len="sm" w="sm" type="none"/>
+            <a:headEnd type="none" w="sm" len="sm"/>
+            <a:tailEnd type="none" w="sm" len="sm"/>
           </a:ln>
         </p:spPr>
       </p:sp>
       <p:sp>
         <p:nvSpPr>
           <p:cNvPr id="4" name="Google Shape;4;n"/>
-          <p:cNvSpPr txBox="1"/>
+          <p:cNvSpPr txBox="1">
+            <a:spLocks noGrp="1"/>
+          </p:cNvSpPr>
           <p:nvPr>
-            <p:ph idx="1" type="body"/>
+            <p:ph type="body" idx="1"/>
           </p:nvPr>
         </p:nvSpPr>
         <p:spPr>
@@ -381,11 +401,11 @@
           </a:ln>
         </p:spPr>
         <p:txBody>
-          <a:bodyPr anchorCtr="0" anchor="t" bIns="91425" lIns="91425" spcFirstLastPara="1" rIns="91425" wrap="square" tIns="91425">
+          <a:bodyPr spcFirstLastPara="1" wrap="square" lIns="91425" tIns="91425" rIns="91425" bIns="91425" anchor="t" anchorCtr="0">
             <a:noAutofit/>
           </a:bodyPr>
           <a:lstStyle>
-            <a:lvl1pPr indent="-298450" lvl="0" marL="457200">
+            <a:lvl1pPr marL="457200" lvl="0" indent="-298450">
               <a:spcBef>
                 <a:spcPts val="0"/>
               </a:spcBef>
@@ -396,7 +416,7 @@
               <a:buChar char="●"/>
               <a:defRPr sz="1100"/>
             </a:lvl1pPr>
-            <a:lvl2pPr indent="-298450" lvl="1" marL="914400">
+            <a:lvl2pPr marL="914400" lvl="1" indent="-298450">
               <a:spcBef>
                 <a:spcPts val="0"/>
               </a:spcBef>
@@ -407,7 +427,7 @@
               <a:buChar char="○"/>
               <a:defRPr sz="1100"/>
             </a:lvl2pPr>
-            <a:lvl3pPr indent="-298450" lvl="2" marL="1371600">
+            <a:lvl3pPr marL="1371600" lvl="2" indent="-298450">
               <a:spcBef>
                 <a:spcPts val="0"/>
               </a:spcBef>
@@ -418,7 +438,7 @@
               <a:buChar char="■"/>
               <a:defRPr sz="1100"/>
             </a:lvl3pPr>
-            <a:lvl4pPr indent="-298450" lvl="3" marL="1828800">
+            <a:lvl4pPr marL="1828800" lvl="3" indent="-298450">
               <a:spcBef>
                 <a:spcPts val="0"/>
               </a:spcBef>
@@ -429,7 +449,7 @@
               <a:buChar char="●"/>
               <a:defRPr sz="1100"/>
             </a:lvl4pPr>
-            <a:lvl5pPr indent="-298450" lvl="4" marL="2286000">
+            <a:lvl5pPr marL="2286000" lvl="4" indent="-298450">
               <a:spcBef>
                 <a:spcPts val="0"/>
               </a:spcBef>
@@ -440,7 +460,7 @@
               <a:buChar char="○"/>
               <a:defRPr sz="1100"/>
             </a:lvl5pPr>
-            <a:lvl6pPr indent="-298450" lvl="5" marL="2743200">
+            <a:lvl6pPr marL="2743200" lvl="5" indent="-298450">
               <a:spcBef>
                 <a:spcPts val="0"/>
               </a:spcBef>
@@ -451,7 +471,7 @@
               <a:buChar char="■"/>
               <a:defRPr sz="1100"/>
             </a:lvl6pPr>
-            <a:lvl7pPr indent="-298450" lvl="6" marL="3200400">
+            <a:lvl7pPr marL="3200400" lvl="6" indent="-298450">
               <a:spcBef>
                 <a:spcPts val="0"/>
               </a:spcBef>
@@ -462,7 +482,7 @@
               <a:buChar char="●"/>
               <a:defRPr sz="1100"/>
             </a:lvl7pPr>
-            <a:lvl8pPr indent="-298450" lvl="7" marL="3657600">
+            <a:lvl8pPr marL="3657600" lvl="7" indent="-298450">
               <a:spcBef>
                 <a:spcPts val="0"/>
               </a:spcBef>
@@ -473,7 +493,7 @@
               <a:buChar char="○"/>
               <a:defRPr sz="1100"/>
             </a:lvl8pPr>
-            <a:lvl9pPr indent="-298450" lvl="8" marL="4114800">
+            <a:lvl9pPr marL="4114800" lvl="8" indent="-298450">
               <a:spcBef>
                 <a:spcPts val="0"/>
               </a:spcBef>
@@ -485,14 +505,16 @@
               <a:defRPr sz="1100"/>
             </a:lvl9pPr>
           </a:lstStyle>
-          <a:p/>
+          <a:p>
+            <a:endParaRPr/>
+          </a:p>
         </p:txBody>
       </p:sp>
     </p:spTree>
   </p:cSld>
-  <p:clrMap accent1="accent1" accent2="accent2" accent3="accent3" accent4="accent4" accent5="accent5" accent6="accent6" bg1="lt1" bg2="dk2" tx1="dk1" tx2="lt2" folHlink="folHlink" hlink="hlink"/>
+  <p:clrMap bg1="lt1" tx1="dk1" bg2="dk2" tx2="lt2" accent1="accent1" accent2="accent2" accent3="accent3" accent4="accent4" accent5="accent5" accent6="accent6" hlink="hlink" folHlink="folHlink"/>
   <p:notesStyle>
-    <a:defPPr lvl="0" marR="0" rtl="0" algn="l">
+    <a:defPPr marR="0" lvl="0" algn="l" rtl="0">
       <a:lnSpc>
         <a:spcPct val="100000"/>
       </a:lnSpc>
@@ -503,7 +525,7 @@
         <a:spcPts val="0"/>
       </a:spcAft>
     </a:defPPr>
-    <a:lvl1pPr lvl="0" marR="0" rtl="0" algn="l">
+    <a:lvl1pPr marR="0" lvl="0" algn="l" rtl="0">
       <a:lnSpc>
         <a:spcPct val="100000"/>
       </a:lnSpc>
@@ -517,7 +539,7 @@
         <a:srgbClr val="000000"/>
       </a:buClr>
       <a:buFont typeface="Arial"/>
-      <a:defRPr b="0" i="0" sz="1400" u="none" cap="none" strike="noStrike">
+      <a:defRPr sz="1400" b="0" i="0" u="none" strike="noStrike" cap="none">
         <a:solidFill>
           <a:srgbClr val="000000"/>
         </a:solidFill>
@@ -527,7 +549,7 @@
         <a:sym typeface="Arial"/>
       </a:defRPr>
     </a:lvl1pPr>
-    <a:lvl2pPr lvl="1" marR="0" rtl="0" algn="l">
+    <a:lvl2pPr marR="0" lvl="1" algn="l" rtl="0">
       <a:lnSpc>
         <a:spcPct val="100000"/>
       </a:lnSpc>
@@ -541,7 +563,7 @@
         <a:srgbClr val="000000"/>
       </a:buClr>
       <a:buFont typeface="Arial"/>
-      <a:defRPr b="0" i="0" sz="1400" u="none" cap="none" strike="noStrike">
+      <a:defRPr sz="1400" b="0" i="0" u="none" strike="noStrike" cap="none">
         <a:solidFill>
           <a:srgbClr val="000000"/>
         </a:solidFill>
@@ -551,7 +573,7 @@
         <a:sym typeface="Arial"/>
       </a:defRPr>
     </a:lvl2pPr>
-    <a:lvl3pPr lvl="2" marR="0" rtl="0" algn="l">
+    <a:lvl3pPr marR="0" lvl="2" algn="l" rtl="0">
       <a:lnSpc>
         <a:spcPct val="100000"/>
       </a:lnSpc>
@@ -565,7 +587,7 @@
         <a:srgbClr val="000000"/>
       </a:buClr>
       <a:buFont typeface="Arial"/>
-      <a:defRPr b="0" i="0" sz="1400" u="none" cap="none" strike="noStrike">
+      <a:defRPr sz="1400" b="0" i="0" u="none" strike="noStrike" cap="none">
         <a:solidFill>
           <a:srgbClr val="000000"/>
         </a:solidFill>
@@ -575,7 +597,7 @@
         <a:sym typeface="Arial"/>
       </a:defRPr>
     </a:lvl3pPr>
-    <a:lvl4pPr lvl="3" marR="0" rtl="0" algn="l">
+    <a:lvl4pPr marR="0" lvl="3" algn="l" rtl="0">
       <a:lnSpc>
         <a:spcPct val="100000"/>
       </a:lnSpc>
@@ -589,7 +611,7 @@
         <a:srgbClr val="000000"/>
       </a:buClr>
       <a:buFont typeface="Arial"/>
-      <a:defRPr b="0" i="0" sz="1400" u="none" cap="none" strike="noStrike">
+      <a:defRPr sz="1400" b="0" i="0" u="none" strike="noStrike" cap="none">
         <a:solidFill>
           <a:srgbClr val="000000"/>
         </a:solidFill>
@@ -599,7 +621,7 @@
         <a:sym typeface="Arial"/>
       </a:defRPr>
     </a:lvl4pPr>
-    <a:lvl5pPr lvl="4" marR="0" rtl="0" algn="l">
+    <a:lvl5pPr marR="0" lvl="4" algn="l" rtl="0">
       <a:lnSpc>
         <a:spcPct val="100000"/>
       </a:lnSpc>
@@ -613,7 +635,7 @@
         <a:srgbClr val="000000"/>
       </a:buClr>
       <a:buFont typeface="Arial"/>
-      <a:defRPr b="0" i="0" sz="1400" u="none" cap="none" strike="noStrike">
+      <a:defRPr sz="1400" b="0" i="0" u="none" strike="noStrike" cap="none">
         <a:solidFill>
           <a:srgbClr val="000000"/>
         </a:solidFill>
@@ -623,7 +645,7 @@
         <a:sym typeface="Arial"/>
       </a:defRPr>
     </a:lvl5pPr>
-    <a:lvl6pPr lvl="5" marR="0" rtl="0" algn="l">
+    <a:lvl6pPr marR="0" lvl="5" algn="l" rtl="0">
       <a:lnSpc>
         <a:spcPct val="100000"/>
       </a:lnSpc>
@@ -637,7 +659,7 @@
         <a:srgbClr val="000000"/>
       </a:buClr>
       <a:buFont typeface="Arial"/>
-      <a:defRPr b="0" i="0" sz="1400" u="none" cap="none" strike="noStrike">
+      <a:defRPr sz="1400" b="0" i="0" u="none" strike="noStrike" cap="none">
         <a:solidFill>
           <a:srgbClr val="000000"/>
         </a:solidFill>
@@ -647,7 +669,7 @@
         <a:sym typeface="Arial"/>
       </a:defRPr>
     </a:lvl6pPr>
-    <a:lvl7pPr lvl="6" marR="0" rtl="0" algn="l">
+    <a:lvl7pPr marR="0" lvl="6" algn="l" rtl="0">
       <a:lnSpc>
         <a:spcPct val="100000"/>
       </a:lnSpc>
@@ -661,7 +683,7 @@
         <a:srgbClr val="000000"/>
       </a:buClr>
       <a:buFont typeface="Arial"/>
-      <a:defRPr b="0" i="0" sz="1400" u="none" cap="none" strike="noStrike">
+      <a:defRPr sz="1400" b="0" i="0" u="none" strike="noStrike" cap="none">
         <a:solidFill>
           <a:srgbClr val="000000"/>
         </a:solidFill>
@@ -671,7 +693,7 @@
         <a:sym typeface="Arial"/>
       </a:defRPr>
     </a:lvl7pPr>
-    <a:lvl8pPr lvl="7" marR="0" rtl="0" algn="l">
+    <a:lvl8pPr marR="0" lvl="7" algn="l" rtl="0">
       <a:lnSpc>
         <a:spcPct val="100000"/>
       </a:lnSpc>
@@ -685,7 +707,7 @@
         <a:srgbClr val="000000"/>
       </a:buClr>
       <a:buFont typeface="Arial"/>
-      <a:defRPr b="0" i="0" sz="1400" u="none" cap="none" strike="noStrike">
+      <a:defRPr sz="1400" b="0" i="0" u="none" strike="noStrike" cap="none">
         <a:solidFill>
           <a:srgbClr val="000000"/>
         </a:solidFill>
@@ -695,7 +717,7 @@
         <a:sym typeface="Arial"/>
       </a:defRPr>
     </a:lvl8pPr>
-    <a:lvl9pPr lvl="8" marR="0" rtl="0" algn="l">
+    <a:lvl9pPr marR="0" lvl="8" algn="l" rtl="0">
       <a:lnSpc>
         <a:spcPct val="100000"/>
       </a:lnSpc>
@@ -709,7 +731,7 @@
         <a:srgbClr val="000000"/>
       </a:buClr>
       <a:buFont typeface="Arial"/>
-      <a:defRPr b="0" i="0" sz="1400" u="none" cap="none" strike="noStrike">
+      <a:defRPr sz="1400" b="0" i="0" u="none" strike="noStrike" cap="none">
         <a:solidFill>
           <a:srgbClr val="000000"/>
         </a:solidFill>
@@ -724,11 +746,11 @@
 </file>
 
 <file path=ppt/notesSlides/notesSlide1.xml><?xml version="1.0" encoding="utf-8"?>
-<p:notes xmlns:a="http://schemas.openxmlformats.org/drawingml/2006/main" xmlns:r="http://schemas.openxmlformats.org/officeDocument/2006/relationships" xmlns:mc="http://schemas.openxmlformats.org/markup-compatibility/2006" xmlns:mv="urn:schemas-microsoft-com:mac:vml" xmlns:p="http://schemas.openxmlformats.org/presentationml/2006/main" xmlns:c="http://schemas.openxmlformats.org/drawingml/2006/chart" xmlns:dgm="http://schemas.openxmlformats.org/drawingml/2006/diagram" xmlns:o="urn:schemas-microsoft-com:office:office" xmlns:v="urn:schemas-microsoft-com:vml" xmlns:pvml="urn:schemas-microsoft-com:office:powerpoint" xmlns:com="http://schemas.openxmlformats.org/drawingml/2006/compatibility" xmlns:p14="http://schemas.microsoft.com/office/powerpoint/2010/main" xmlns:p15="http://schemas.microsoft.com/office/powerpoint/2012/main" xmlns:ahyp="http://schemas.microsoft.com/office/drawing/2018/hyperlinkcolor" showMasterPhAnim="0" showMasterSp="0">
+<p:notes xmlns:a="http://schemas.openxmlformats.org/drawingml/2006/main" xmlns:r="http://schemas.openxmlformats.org/officeDocument/2006/relationships" xmlns:p="http://schemas.openxmlformats.org/presentationml/2006/main" showMasterSp="0" showMasterPhAnim="0">
   <p:cSld>
     <p:spTree>
       <p:nvGrpSpPr>
-        <p:cNvPr id="54" name="Shape 54"/>
+        <p:cNvPr id="1" name="Shape 54"/>
         <p:cNvGrpSpPr/>
         <p:nvPr/>
       </p:nvGrpSpPr>
@@ -743,9 +765,11 @@
       <p:sp>
         <p:nvSpPr>
           <p:cNvPr id="55" name="Google Shape;55;p:notes"/>
-          <p:cNvSpPr/>
+          <p:cNvSpPr>
+            <a:spLocks noGrp="1" noRot="1" noChangeAspect="1"/>
+          </p:cNvSpPr>
           <p:nvPr>
-            <p:ph idx="2" type="sldImg"/>
+            <p:ph type="sldImg" idx="2"/>
           </p:nvPr>
         </p:nvSpPr>
         <p:spPr>
@@ -754,9 +778,13 @@
             <a:ext cx="6096075" cy="3429000"/>
           </a:xfrm>
           <a:custGeom>
-            <a:rect b="b" l="l" r="r" t="t"/>
+            <a:avLst/>
+            <a:gdLst/>
+            <a:ahLst/>
+            <a:cxnLst/>
+            <a:rect l="l" t="t" r="r" b="b"/>
             <a:pathLst>
-              <a:path extrusionOk="0" h="120000" w="120000">
+              <a:path w="120000" h="120000" extrusionOk="0">
                 <a:moveTo>
                   <a:pt x="0" y="0"/>
                 </a:moveTo>
@@ -778,9 +806,11 @@
       <p:sp>
         <p:nvSpPr>
           <p:cNvPr id="56" name="Google Shape;56;p:notes"/>
-          <p:cNvSpPr txBox="1"/>
+          <p:cNvSpPr txBox="1">
+            <a:spLocks noGrp="1"/>
+          </p:cNvSpPr>
           <p:nvPr>
-            <p:ph idx="1" type="body"/>
+            <p:ph type="body" idx="1"/>
           </p:nvPr>
         </p:nvSpPr>
         <p:spPr>
@@ -793,12 +823,12 @@
           </a:prstGeom>
         </p:spPr>
         <p:txBody>
-          <a:bodyPr anchorCtr="0" anchor="t" bIns="91425" lIns="91425" spcFirstLastPara="1" rIns="91425" wrap="square" tIns="91425">
+          <a:bodyPr spcFirstLastPara="1" wrap="square" lIns="91425" tIns="91425" rIns="91425" bIns="91425" anchor="t" anchorCtr="0">
             <a:noAutofit/>
           </a:bodyPr>
           <a:lstStyle/>
           <a:p>
-            <a:pPr indent="0" lvl="0" marL="0" rtl="0" algn="l">
+            <a:pPr marL="0" lvl="0" indent="0" algn="l" rtl="0">
               <a:spcBef>
                 <a:spcPts val="0"/>
               </a:spcBef>
@@ -807,9 +837,6 @@
               </a:spcAft>
               <a:buNone/>
             </a:pPr>
-            <a:r>
-              <a:t/>
-            </a:r>
             <a:endParaRPr/>
           </a:p>
         </p:txBody>
@@ -823,11 +850,11 @@
 </file>
 
 <file path=ppt/notesSlides/notesSlide10.xml><?xml version="1.0" encoding="utf-8"?>
-<p:notes xmlns:a="http://schemas.openxmlformats.org/drawingml/2006/main" xmlns:r="http://schemas.openxmlformats.org/officeDocument/2006/relationships" xmlns:mc="http://schemas.openxmlformats.org/markup-compatibility/2006" xmlns:mv="urn:schemas-microsoft-com:mac:vml" xmlns:p="http://schemas.openxmlformats.org/presentationml/2006/main" xmlns:c="http://schemas.openxmlformats.org/drawingml/2006/chart" xmlns:dgm="http://schemas.openxmlformats.org/drawingml/2006/diagram" xmlns:o="urn:schemas-microsoft-com:office:office" xmlns:v="urn:schemas-microsoft-com:vml" xmlns:pvml="urn:schemas-microsoft-com:office:powerpoint" xmlns:com="http://schemas.openxmlformats.org/drawingml/2006/compatibility" xmlns:p14="http://schemas.microsoft.com/office/powerpoint/2010/main" xmlns:p15="http://schemas.microsoft.com/office/powerpoint/2012/main" xmlns:ahyp="http://schemas.microsoft.com/office/drawing/2018/hyperlinkcolor" showMasterPhAnim="0" showMasterSp="0">
+<p:notes xmlns:a="http://schemas.openxmlformats.org/drawingml/2006/main" xmlns:r="http://schemas.openxmlformats.org/officeDocument/2006/relationships" xmlns:p="http://schemas.openxmlformats.org/presentationml/2006/main" showMasterSp="0" showMasterPhAnim="0">
   <p:cSld>
     <p:spTree>
       <p:nvGrpSpPr>
-        <p:cNvPr id="113" name="Shape 113"/>
+        <p:cNvPr id="1" name="Shape 113"/>
         <p:cNvGrpSpPr/>
         <p:nvPr/>
       </p:nvGrpSpPr>
@@ -842,9 +869,11 @@
       <p:sp>
         <p:nvSpPr>
           <p:cNvPr id="114" name="Google Shape;114;g237f4c7f25f_0_5467:notes"/>
-          <p:cNvSpPr/>
+          <p:cNvSpPr>
+            <a:spLocks noGrp="1" noRot="1" noChangeAspect="1"/>
+          </p:cNvSpPr>
           <p:nvPr>
-            <p:ph idx="2" type="sldImg"/>
+            <p:ph type="sldImg" idx="2"/>
           </p:nvPr>
         </p:nvSpPr>
         <p:spPr>
@@ -853,9 +882,13 @@
             <a:ext cx="6096000" cy="3429000"/>
           </a:xfrm>
           <a:custGeom>
-            <a:rect b="b" l="l" r="r" t="t"/>
+            <a:avLst/>
+            <a:gdLst/>
+            <a:ahLst/>
+            <a:cxnLst/>
+            <a:rect l="l" t="t" r="r" b="b"/>
             <a:pathLst>
-              <a:path extrusionOk="0" h="120000" w="120000">
+              <a:path w="120000" h="120000" extrusionOk="0">
                 <a:moveTo>
                   <a:pt x="0" y="0"/>
                 </a:moveTo>
@@ -877,9 +910,11 @@
       <p:sp>
         <p:nvSpPr>
           <p:cNvPr id="115" name="Google Shape;115;g237f4c7f25f_0_5467:notes"/>
-          <p:cNvSpPr txBox="1"/>
+          <p:cNvSpPr txBox="1">
+            <a:spLocks noGrp="1"/>
+          </p:cNvSpPr>
           <p:nvPr>
-            <p:ph idx="1" type="body"/>
+            <p:ph type="body" idx="1"/>
           </p:nvPr>
         </p:nvSpPr>
         <p:spPr>
@@ -892,12 +927,12 @@
           </a:prstGeom>
         </p:spPr>
         <p:txBody>
-          <a:bodyPr anchorCtr="0" anchor="t" bIns="91425" lIns="91425" spcFirstLastPara="1" rIns="91425" wrap="square" tIns="91425">
+          <a:bodyPr spcFirstLastPara="1" wrap="square" lIns="91425" tIns="91425" rIns="91425" bIns="91425" anchor="t" anchorCtr="0">
             <a:noAutofit/>
           </a:bodyPr>
           <a:lstStyle/>
           <a:p>
-            <a:pPr indent="0" lvl="0" marL="0" rtl="0" algn="l">
+            <a:pPr marL="0" lvl="0" indent="0" algn="l" rtl="0">
               <a:spcBef>
                 <a:spcPts val="0"/>
               </a:spcBef>
@@ -906,9 +941,6 @@
               </a:spcAft>
               <a:buNone/>
             </a:pPr>
-            <a:r>
-              <a:t/>
-            </a:r>
             <a:endParaRPr/>
           </a:p>
         </p:txBody>
@@ -922,11 +954,11 @@
 </file>
 
 <file path=ppt/notesSlides/notesSlide2.xml><?xml version="1.0" encoding="utf-8"?>
-<p:notes xmlns:a="http://schemas.openxmlformats.org/drawingml/2006/main" xmlns:r="http://schemas.openxmlformats.org/officeDocument/2006/relationships" xmlns:mc="http://schemas.openxmlformats.org/markup-compatibility/2006" xmlns:mv="urn:schemas-microsoft-com:mac:vml" xmlns:p="http://schemas.openxmlformats.org/presentationml/2006/main" xmlns:c="http://schemas.openxmlformats.org/drawingml/2006/chart" xmlns:dgm="http://schemas.openxmlformats.org/drawingml/2006/diagram" xmlns:o="urn:schemas-microsoft-com:office:office" xmlns:v="urn:schemas-microsoft-com:vml" xmlns:pvml="urn:schemas-microsoft-com:office:powerpoint" xmlns:com="http://schemas.openxmlformats.org/drawingml/2006/compatibility" xmlns:p14="http://schemas.microsoft.com/office/powerpoint/2010/main" xmlns:p15="http://schemas.microsoft.com/office/powerpoint/2012/main" xmlns:ahyp="http://schemas.microsoft.com/office/drawing/2018/hyperlinkcolor" showMasterPhAnim="0" showMasterSp="0">
+<p:notes xmlns:a="http://schemas.openxmlformats.org/drawingml/2006/main" xmlns:r="http://schemas.openxmlformats.org/officeDocument/2006/relationships" xmlns:p="http://schemas.openxmlformats.org/presentationml/2006/main" showMasterSp="0" showMasterPhAnim="0">
   <p:cSld>
     <p:spTree>
       <p:nvGrpSpPr>
-        <p:cNvPr id="61" name="Shape 61"/>
+        <p:cNvPr id="1" name="Shape 61"/>
         <p:cNvGrpSpPr/>
         <p:nvPr/>
       </p:nvGrpSpPr>
@@ -941,20 +973,26 @@
       <p:sp>
         <p:nvSpPr>
           <p:cNvPr id="62" name="Google Shape;62;g237f4c7f25f_0_5472:notes"/>
-          <p:cNvSpPr/>
+          <p:cNvSpPr>
+            <a:spLocks noGrp="1" noRot="1" noChangeAspect="1"/>
+          </p:cNvSpPr>
           <p:nvPr>
-            <p:ph idx="2" type="sldImg"/>
+            <p:ph type="sldImg" idx="2"/>
           </p:nvPr>
         </p:nvSpPr>
         <p:spPr>
           <a:xfrm>
-            <a:off x="381300" y="685800"/>
+            <a:off x="381000" y="685800"/>
             <a:ext cx="6096000" cy="3429000"/>
           </a:xfrm>
           <a:custGeom>
-            <a:rect b="b" l="l" r="r" t="t"/>
+            <a:avLst/>
+            <a:gdLst/>
+            <a:ahLst/>
+            <a:cxnLst/>
+            <a:rect l="l" t="t" r="r" b="b"/>
             <a:pathLst>
-              <a:path extrusionOk="0" h="120000" w="120000">
+              <a:path w="120000" h="120000" extrusionOk="0">
                 <a:moveTo>
                   <a:pt x="0" y="0"/>
                 </a:moveTo>
@@ -976,9 +1014,11 @@
       <p:sp>
         <p:nvSpPr>
           <p:cNvPr id="63" name="Google Shape;63;g237f4c7f25f_0_5472:notes"/>
-          <p:cNvSpPr txBox="1"/>
+          <p:cNvSpPr txBox="1">
+            <a:spLocks noGrp="1"/>
+          </p:cNvSpPr>
           <p:nvPr>
-            <p:ph idx="1" type="body"/>
+            <p:ph type="body" idx="1"/>
           </p:nvPr>
         </p:nvSpPr>
         <p:spPr>
@@ -991,12 +1031,12 @@
           </a:prstGeom>
         </p:spPr>
         <p:txBody>
-          <a:bodyPr anchorCtr="0" anchor="t" bIns="91425" lIns="91425" spcFirstLastPara="1" rIns="91425" wrap="square" tIns="91425">
+          <a:bodyPr spcFirstLastPara="1" wrap="square" lIns="91425" tIns="91425" rIns="91425" bIns="91425" anchor="t" anchorCtr="0">
             <a:noAutofit/>
           </a:bodyPr>
           <a:lstStyle/>
           <a:p>
-            <a:pPr indent="0" lvl="0" marL="0" rtl="0" algn="l">
+            <a:pPr marL="0" lvl="0" indent="0" algn="l" rtl="0">
               <a:spcBef>
                 <a:spcPts val="0"/>
               </a:spcBef>
@@ -1005,9 +1045,6 @@
               </a:spcAft>
               <a:buNone/>
             </a:pPr>
-            <a:r>
-              <a:t/>
-            </a:r>
             <a:endParaRPr/>
           </a:p>
         </p:txBody>
@@ -1021,11 +1058,11 @@
 </file>
 
 <file path=ppt/notesSlides/notesSlide3.xml><?xml version="1.0" encoding="utf-8"?>
-<p:notes xmlns:a="http://schemas.openxmlformats.org/drawingml/2006/main" xmlns:r="http://schemas.openxmlformats.org/officeDocument/2006/relationships" xmlns:mc="http://schemas.openxmlformats.org/markup-compatibility/2006" xmlns:mv="urn:schemas-microsoft-com:mac:vml" xmlns:p="http://schemas.openxmlformats.org/presentationml/2006/main" xmlns:c="http://schemas.openxmlformats.org/drawingml/2006/chart" xmlns:dgm="http://schemas.openxmlformats.org/drawingml/2006/diagram" xmlns:o="urn:schemas-microsoft-com:office:office" xmlns:v="urn:schemas-microsoft-com:vml" xmlns:pvml="urn:schemas-microsoft-com:office:powerpoint" xmlns:com="http://schemas.openxmlformats.org/drawingml/2006/compatibility" xmlns:p14="http://schemas.microsoft.com/office/powerpoint/2010/main" xmlns:p15="http://schemas.microsoft.com/office/powerpoint/2012/main" xmlns:ahyp="http://schemas.microsoft.com/office/drawing/2018/hyperlinkcolor" showMasterPhAnim="0" showMasterSp="0">
+<p:notes xmlns:a="http://schemas.openxmlformats.org/drawingml/2006/main" xmlns:r="http://schemas.openxmlformats.org/officeDocument/2006/relationships" xmlns:p="http://schemas.openxmlformats.org/presentationml/2006/main" showMasterSp="0" showMasterPhAnim="0">
   <p:cSld>
     <p:spTree>
       <p:nvGrpSpPr>
-        <p:cNvPr id="67" name="Shape 67"/>
+        <p:cNvPr id="1" name="Shape 67"/>
         <p:cNvGrpSpPr/>
         <p:nvPr/>
       </p:nvGrpSpPr>
@@ -1040,9 +1077,11 @@
       <p:sp>
         <p:nvSpPr>
           <p:cNvPr id="68" name="Google Shape;68;g25c61cc8fa2_0_47:notes"/>
-          <p:cNvSpPr/>
+          <p:cNvSpPr>
+            <a:spLocks noGrp="1" noRot="1" noChangeAspect="1"/>
+          </p:cNvSpPr>
           <p:nvPr>
-            <p:ph idx="2" type="sldImg"/>
+            <p:ph type="sldImg" idx="2"/>
           </p:nvPr>
         </p:nvSpPr>
         <p:spPr>
@@ -1051,9 +1090,13 @@
             <a:ext cx="6096000" cy="3429000"/>
           </a:xfrm>
           <a:custGeom>
-            <a:rect b="b" l="l" r="r" t="t"/>
+            <a:avLst/>
+            <a:gdLst/>
+            <a:ahLst/>
+            <a:cxnLst/>
+            <a:rect l="l" t="t" r="r" b="b"/>
             <a:pathLst>
-              <a:path extrusionOk="0" h="120000" w="120000">
+              <a:path w="120000" h="120000" extrusionOk="0">
                 <a:moveTo>
                   <a:pt x="0" y="0"/>
                 </a:moveTo>
@@ -1075,9 +1118,11 @@
       <p:sp>
         <p:nvSpPr>
           <p:cNvPr id="69" name="Google Shape;69;g25c61cc8fa2_0_47:notes"/>
-          <p:cNvSpPr txBox="1"/>
+          <p:cNvSpPr txBox="1">
+            <a:spLocks noGrp="1"/>
+          </p:cNvSpPr>
           <p:nvPr>
-            <p:ph idx="1" type="body"/>
+            <p:ph type="body" idx="1"/>
           </p:nvPr>
         </p:nvSpPr>
         <p:spPr>
@@ -1090,12 +1135,12 @@
           </a:prstGeom>
         </p:spPr>
         <p:txBody>
-          <a:bodyPr anchorCtr="0" anchor="t" bIns="91425" lIns="91425" spcFirstLastPara="1" rIns="91425" wrap="square" tIns="91425">
+          <a:bodyPr spcFirstLastPara="1" wrap="square" lIns="91425" tIns="91425" rIns="91425" bIns="91425" anchor="t" anchorCtr="0">
             <a:noAutofit/>
           </a:bodyPr>
           <a:lstStyle/>
           <a:p>
-            <a:pPr indent="0" lvl="0" marL="0" rtl="0" algn="l">
+            <a:pPr marL="0" lvl="0" indent="0" algn="l" rtl="0">
               <a:spcBef>
                 <a:spcPts val="0"/>
               </a:spcBef>
@@ -1104,9 +1149,6 @@
               </a:spcAft>
               <a:buNone/>
             </a:pPr>
-            <a:r>
-              <a:t/>
-            </a:r>
             <a:endParaRPr/>
           </a:p>
         </p:txBody>
@@ -1120,11 +1162,11 @@
 </file>
 
 <file path=ppt/notesSlides/notesSlide4.xml><?xml version="1.0" encoding="utf-8"?>
-<p:notes xmlns:a="http://schemas.openxmlformats.org/drawingml/2006/main" xmlns:r="http://schemas.openxmlformats.org/officeDocument/2006/relationships" xmlns:mc="http://schemas.openxmlformats.org/markup-compatibility/2006" xmlns:mv="urn:schemas-microsoft-com:mac:vml" xmlns:p="http://schemas.openxmlformats.org/presentationml/2006/main" xmlns:c="http://schemas.openxmlformats.org/drawingml/2006/chart" xmlns:dgm="http://schemas.openxmlformats.org/drawingml/2006/diagram" xmlns:o="urn:schemas-microsoft-com:office:office" xmlns:v="urn:schemas-microsoft-com:vml" xmlns:pvml="urn:schemas-microsoft-com:office:powerpoint" xmlns:com="http://schemas.openxmlformats.org/drawingml/2006/compatibility" xmlns:p14="http://schemas.microsoft.com/office/powerpoint/2010/main" xmlns:p15="http://schemas.microsoft.com/office/powerpoint/2012/main" xmlns:ahyp="http://schemas.microsoft.com/office/drawing/2018/hyperlinkcolor" showMasterPhAnim="0" showMasterSp="0">
+<p:notes xmlns:a="http://schemas.openxmlformats.org/drawingml/2006/main" xmlns:r="http://schemas.openxmlformats.org/officeDocument/2006/relationships" xmlns:p="http://schemas.openxmlformats.org/presentationml/2006/main" showMasterSp="0" showMasterPhAnim="0">
   <p:cSld>
     <p:spTree>
       <p:nvGrpSpPr>
-        <p:cNvPr id="74" name="Shape 74"/>
+        <p:cNvPr id="1" name="Shape 74"/>
         <p:cNvGrpSpPr/>
         <p:nvPr/>
       </p:nvGrpSpPr>
@@ -1139,9 +1181,11 @@
       <p:sp>
         <p:nvSpPr>
           <p:cNvPr id="75" name="Google Shape;75;g25c61cc8fa2_0_58:notes"/>
-          <p:cNvSpPr/>
+          <p:cNvSpPr>
+            <a:spLocks noGrp="1" noRot="1" noChangeAspect="1"/>
+          </p:cNvSpPr>
           <p:nvPr>
-            <p:ph idx="2" type="sldImg"/>
+            <p:ph type="sldImg" idx="2"/>
           </p:nvPr>
         </p:nvSpPr>
         <p:spPr>
@@ -1150,9 +1194,13 @@
             <a:ext cx="6096000" cy="3429000"/>
           </a:xfrm>
           <a:custGeom>
-            <a:rect b="b" l="l" r="r" t="t"/>
+            <a:avLst/>
+            <a:gdLst/>
+            <a:ahLst/>
+            <a:cxnLst/>
+            <a:rect l="l" t="t" r="r" b="b"/>
             <a:pathLst>
-              <a:path extrusionOk="0" h="120000" w="120000">
+              <a:path w="120000" h="120000" extrusionOk="0">
                 <a:moveTo>
                   <a:pt x="0" y="0"/>
                 </a:moveTo>
@@ -1174,9 +1222,11 @@
       <p:sp>
         <p:nvSpPr>
           <p:cNvPr id="76" name="Google Shape;76;g25c61cc8fa2_0_58:notes"/>
-          <p:cNvSpPr txBox="1"/>
+          <p:cNvSpPr txBox="1">
+            <a:spLocks noGrp="1"/>
+          </p:cNvSpPr>
           <p:nvPr>
-            <p:ph idx="1" type="body"/>
+            <p:ph type="body" idx="1"/>
           </p:nvPr>
         </p:nvSpPr>
         <p:spPr>
@@ -1189,12 +1239,12 @@
           </a:prstGeom>
         </p:spPr>
         <p:txBody>
-          <a:bodyPr anchorCtr="0" anchor="t" bIns="91425" lIns="91425" spcFirstLastPara="1" rIns="91425" wrap="square" tIns="91425">
+          <a:bodyPr spcFirstLastPara="1" wrap="square" lIns="91425" tIns="91425" rIns="91425" bIns="91425" anchor="t" anchorCtr="0">
             <a:noAutofit/>
           </a:bodyPr>
           <a:lstStyle/>
           <a:p>
-            <a:pPr indent="0" lvl="0" marL="0" rtl="0" algn="l">
+            <a:pPr marL="0" lvl="0" indent="0" algn="l" rtl="0">
               <a:spcBef>
                 <a:spcPts val="0"/>
               </a:spcBef>
@@ -1203,9 +1253,6 @@
               </a:spcAft>
               <a:buNone/>
             </a:pPr>
-            <a:r>
-              <a:t/>
-            </a:r>
             <a:endParaRPr/>
           </a:p>
         </p:txBody>
@@ -1219,11 +1266,11 @@
 </file>
 
 <file path=ppt/notesSlides/notesSlide5.xml><?xml version="1.0" encoding="utf-8"?>
-<p:notes xmlns:a="http://schemas.openxmlformats.org/drawingml/2006/main" xmlns:r="http://schemas.openxmlformats.org/officeDocument/2006/relationships" xmlns:mc="http://schemas.openxmlformats.org/markup-compatibility/2006" xmlns:mv="urn:schemas-microsoft-com:mac:vml" xmlns:p="http://schemas.openxmlformats.org/presentationml/2006/main" xmlns:c="http://schemas.openxmlformats.org/drawingml/2006/chart" xmlns:dgm="http://schemas.openxmlformats.org/drawingml/2006/diagram" xmlns:o="urn:schemas-microsoft-com:office:office" xmlns:v="urn:schemas-microsoft-com:vml" xmlns:pvml="urn:schemas-microsoft-com:office:powerpoint" xmlns:com="http://schemas.openxmlformats.org/drawingml/2006/compatibility" xmlns:p14="http://schemas.microsoft.com/office/powerpoint/2010/main" xmlns:p15="http://schemas.microsoft.com/office/powerpoint/2012/main" xmlns:ahyp="http://schemas.microsoft.com/office/drawing/2018/hyperlinkcolor" showMasterPhAnim="0" showMasterSp="0">
+<p:notes xmlns:a="http://schemas.openxmlformats.org/drawingml/2006/main" xmlns:r="http://schemas.openxmlformats.org/officeDocument/2006/relationships" xmlns:p="http://schemas.openxmlformats.org/presentationml/2006/main" showMasterSp="0" showMasterPhAnim="0">
   <p:cSld>
     <p:spTree>
       <p:nvGrpSpPr>
-        <p:cNvPr id="80" name="Shape 80"/>
+        <p:cNvPr id="1" name="Shape 80"/>
         <p:cNvGrpSpPr/>
         <p:nvPr/>
       </p:nvGrpSpPr>
@@ -1238,9 +1285,11 @@
       <p:sp>
         <p:nvSpPr>
           <p:cNvPr id="81" name="Google Shape;81;g237f4c7f25f_0_5458:notes"/>
-          <p:cNvSpPr/>
+          <p:cNvSpPr>
+            <a:spLocks noGrp="1" noRot="1" noChangeAspect="1"/>
+          </p:cNvSpPr>
           <p:nvPr>
-            <p:ph idx="2" type="sldImg"/>
+            <p:ph type="sldImg" idx="2"/>
           </p:nvPr>
         </p:nvSpPr>
         <p:spPr>
@@ -1249,9 +1298,13 @@
             <a:ext cx="6096000" cy="3429000"/>
           </a:xfrm>
           <a:custGeom>
-            <a:rect b="b" l="l" r="r" t="t"/>
+            <a:avLst/>
+            <a:gdLst/>
+            <a:ahLst/>
+            <a:cxnLst/>
+            <a:rect l="l" t="t" r="r" b="b"/>
             <a:pathLst>
-              <a:path extrusionOk="0" h="120000" w="120000">
+              <a:path w="120000" h="120000" extrusionOk="0">
                 <a:moveTo>
                   <a:pt x="0" y="0"/>
                 </a:moveTo>
@@ -1273,9 +1326,11 @@
       <p:sp>
         <p:nvSpPr>
           <p:cNvPr id="82" name="Google Shape;82;g237f4c7f25f_0_5458:notes"/>
-          <p:cNvSpPr txBox="1"/>
+          <p:cNvSpPr txBox="1">
+            <a:spLocks noGrp="1"/>
+          </p:cNvSpPr>
           <p:nvPr>
-            <p:ph idx="1" type="body"/>
+            <p:ph type="body" idx="1"/>
           </p:nvPr>
         </p:nvSpPr>
         <p:spPr>
@@ -1288,12 +1343,12 @@
           </a:prstGeom>
         </p:spPr>
         <p:txBody>
-          <a:bodyPr anchorCtr="0" anchor="t" bIns="91425" lIns="91425" spcFirstLastPara="1" rIns="91425" wrap="square" tIns="91425">
+          <a:bodyPr spcFirstLastPara="1" wrap="square" lIns="91425" tIns="91425" rIns="91425" bIns="91425" anchor="t" anchorCtr="0">
             <a:noAutofit/>
           </a:bodyPr>
           <a:lstStyle/>
           <a:p>
-            <a:pPr indent="0" lvl="0" marL="0" rtl="0" algn="l">
+            <a:pPr marL="0" lvl="0" indent="0" algn="l" rtl="0">
               <a:spcBef>
                 <a:spcPts val="0"/>
               </a:spcBef>
@@ -1302,9 +1357,6 @@
               </a:spcAft>
               <a:buNone/>
             </a:pPr>
-            <a:r>
-              <a:t/>
-            </a:r>
             <a:endParaRPr/>
           </a:p>
         </p:txBody>
@@ -1318,11 +1370,11 @@
 </file>
 
 <file path=ppt/notesSlides/notesSlide6.xml><?xml version="1.0" encoding="utf-8"?>
-<p:notes xmlns:a="http://schemas.openxmlformats.org/drawingml/2006/main" xmlns:r="http://schemas.openxmlformats.org/officeDocument/2006/relationships" xmlns:mc="http://schemas.openxmlformats.org/markup-compatibility/2006" xmlns:mv="urn:schemas-microsoft-com:mac:vml" xmlns:p="http://schemas.openxmlformats.org/presentationml/2006/main" xmlns:c="http://schemas.openxmlformats.org/drawingml/2006/chart" xmlns:dgm="http://schemas.openxmlformats.org/drawingml/2006/diagram" xmlns:o="urn:schemas-microsoft-com:office:office" xmlns:v="urn:schemas-microsoft-com:vml" xmlns:pvml="urn:schemas-microsoft-com:office:powerpoint" xmlns:com="http://schemas.openxmlformats.org/drawingml/2006/compatibility" xmlns:p14="http://schemas.microsoft.com/office/powerpoint/2010/main" xmlns:p15="http://schemas.microsoft.com/office/powerpoint/2012/main" xmlns:ahyp="http://schemas.microsoft.com/office/drawing/2018/hyperlinkcolor" showMasterPhAnim="0" showMasterSp="0">
+<p:notes xmlns:a="http://schemas.openxmlformats.org/drawingml/2006/main" xmlns:r="http://schemas.openxmlformats.org/officeDocument/2006/relationships" xmlns:p="http://schemas.openxmlformats.org/presentationml/2006/main" showMasterSp="0" showMasterPhAnim="0">
   <p:cSld>
     <p:spTree>
       <p:nvGrpSpPr>
-        <p:cNvPr id="87" name="Shape 87"/>
+        <p:cNvPr id="1" name="Shape 87"/>
         <p:cNvGrpSpPr/>
         <p:nvPr/>
       </p:nvGrpSpPr>
@@ -1337,20 +1389,26 @@
       <p:sp>
         <p:nvSpPr>
           <p:cNvPr id="88" name="Google Shape;88;g25c61cc8fa2_0_53:notes"/>
-          <p:cNvSpPr/>
+          <p:cNvSpPr>
+            <a:spLocks noGrp="1" noRot="1" noChangeAspect="1"/>
+          </p:cNvSpPr>
           <p:nvPr>
-            <p:ph idx="2" type="sldImg"/>
+            <p:ph type="sldImg" idx="2"/>
           </p:nvPr>
         </p:nvSpPr>
         <p:spPr>
           <a:xfrm>
-            <a:off x="381300" y="685800"/>
+            <a:off x="381000" y="685800"/>
             <a:ext cx="6096000" cy="3429000"/>
           </a:xfrm>
           <a:custGeom>
-            <a:rect b="b" l="l" r="r" t="t"/>
+            <a:avLst/>
+            <a:gdLst/>
+            <a:ahLst/>
+            <a:cxnLst/>
+            <a:rect l="l" t="t" r="r" b="b"/>
             <a:pathLst>
-              <a:path extrusionOk="0" h="120000" w="120000">
+              <a:path w="120000" h="120000" extrusionOk="0">
                 <a:moveTo>
                   <a:pt x="0" y="0"/>
                 </a:moveTo>
@@ -1372,9 +1430,11 @@
       <p:sp>
         <p:nvSpPr>
           <p:cNvPr id="89" name="Google Shape;89;g25c61cc8fa2_0_53:notes"/>
-          <p:cNvSpPr txBox="1"/>
+          <p:cNvSpPr txBox="1">
+            <a:spLocks noGrp="1"/>
+          </p:cNvSpPr>
           <p:nvPr>
-            <p:ph idx="1" type="body"/>
+            <p:ph type="body" idx="1"/>
           </p:nvPr>
         </p:nvSpPr>
         <p:spPr>
@@ -1387,12 +1447,12 @@
           </a:prstGeom>
         </p:spPr>
         <p:txBody>
-          <a:bodyPr anchorCtr="0" anchor="t" bIns="91425" lIns="91425" spcFirstLastPara="1" rIns="91425" wrap="square" tIns="91425">
+          <a:bodyPr spcFirstLastPara="1" wrap="square" lIns="91425" tIns="91425" rIns="91425" bIns="91425" anchor="t" anchorCtr="0">
             <a:noAutofit/>
           </a:bodyPr>
           <a:lstStyle/>
           <a:p>
-            <a:pPr indent="0" lvl="0" marL="0" rtl="0" algn="l">
+            <a:pPr marL="0" lvl="0" indent="0" algn="l" rtl="0">
               <a:spcBef>
                 <a:spcPts val="0"/>
               </a:spcBef>
@@ -1401,9 +1461,6 @@
               </a:spcAft>
               <a:buNone/>
             </a:pPr>
-            <a:r>
-              <a:t/>
-            </a:r>
             <a:endParaRPr/>
           </a:p>
         </p:txBody>
@@ -1417,11 +1474,11 @@
 </file>
 
 <file path=ppt/notesSlides/notesSlide7.xml><?xml version="1.0" encoding="utf-8"?>
-<p:notes xmlns:a="http://schemas.openxmlformats.org/drawingml/2006/main" xmlns:r="http://schemas.openxmlformats.org/officeDocument/2006/relationships" xmlns:mc="http://schemas.openxmlformats.org/markup-compatibility/2006" xmlns:mv="urn:schemas-microsoft-com:mac:vml" xmlns:p="http://schemas.openxmlformats.org/presentationml/2006/main" xmlns:c="http://schemas.openxmlformats.org/drawingml/2006/chart" xmlns:dgm="http://schemas.openxmlformats.org/drawingml/2006/diagram" xmlns:o="urn:schemas-microsoft-com:office:office" xmlns:v="urn:schemas-microsoft-com:vml" xmlns:pvml="urn:schemas-microsoft-com:office:powerpoint" xmlns:com="http://schemas.openxmlformats.org/drawingml/2006/compatibility" xmlns:p14="http://schemas.microsoft.com/office/powerpoint/2010/main" xmlns:p15="http://schemas.microsoft.com/office/powerpoint/2012/main" xmlns:ahyp="http://schemas.microsoft.com/office/drawing/2018/hyperlinkcolor" showMasterPhAnim="0" showMasterSp="0">
+<p:notes xmlns:a="http://schemas.openxmlformats.org/drawingml/2006/main" xmlns:r="http://schemas.openxmlformats.org/officeDocument/2006/relationships" xmlns:p="http://schemas.openxmlformats.org/presentationml/2006/main" showMasterSp="0" showMasterPhAnim="0">
   <p:cSld>
     <p:spTree>
       <p:nvGrpSpPr>
-        <p:cNvPr id="94" name="Shape 94"/>
+        <p:cNvPr id="1" name="Shape 94"/>
         <p:cNvGrpSpPr/>
         <p:nvPr/>
       </p:nvGrpSpPr>
@@ -1436,9 +1493,11 @@
       <p:sp>
         <p:nvSpPr>
           <p:cNvPr id="95" name="Google Shape;95;g25c61cc8fa2_0_63:notes"/>
-          <p:cNvSpPr/>
+          <p:cNvSpPr>
+            <a:spLocks noGrp="1" noRot="1" noChangeAspect="1"/>
+          </p:cNvSpPr>
           <p:nvPr>
-            <p:ph idx="2" type="sldImg"/>
+            <p:ph type="sldImg" idx="2"/>
           </p:nvPr>
         </p:nvSpPr>
         <p:spPr>
@@ -1447,9 +1506,13 @@
             <a:ext cx="6096000" cy="3429000"/>
           </a:xfrm>
           <a:custGeom>
-            <a:rect b="b" l="l" r="r" t="t"/>
+            <a:avLst/>
+            <a:gdLst/>
+            <a:ahLst/>
+            <a:cxnLst/>
+            <a:rect l="l" t="t" r="r" b="b"/>
             <a:pathLst>
-              <a:path extrusionOk="0" h="120000" w="120000">
+              <a:path w="120000" h="120000" extrusionOk="0">
                 <a:moveTo>
                   <a:pt x="0" y="0"/>
                 </a:moveTo>
@@ -1471,9 +1534,11 @@
       <p:sp>
         <p:nvSpPr>
           <p:cNvPr id="96" name="Google Shape;96;g25c61cc8fa2_0_63:notes"/>
-          <p:cNvSpPr txBox="1"/>
+          <p:cNvSpPr txBox="1">
+            <a:spLocks noGrp="1"/>
+          </p:cNvSpPr>
           <p:nvPr>
-            <p:ph idx="1" type="body"/>
+            <p:ph type="body" idx="1"/>
           </p:nvPr>
         </p:nvSpPr>
         <p:spPr>
@@ -1486,12 +1551,12 @@
           </a:prstGeom>
         </p:spPr>
         <p:txBody>
-          <a:bodyPr anchorCtr="0" anchor="t" bIns="91425" lIns="91425" spcFirstLastPara="1" rIns="91425" wrap="square" tIns="91425">
+          <a:bodyPr spcFirstLastPara="1" wrap="square" lIns="91425" tIns="91425" rIns="91425" bIns="91425" anchor="t" anchorCtr="0">
             <a:noAutofit/>
           </a:bodyPr>
           <a:lstStyle/>
           <a:p>
-            <a:pPr indent="0" lvl="0" marL="0" rtl="0" algn="l">
+            <a:pPr marL="0" lvl="0" indent="0" algn="l" rtl="0">
               <a:spcBef>
                 <a:spcPts val="0"/>
               </a:spcBef>
@@ -1500,9 +1565,6 @@
               </a:spcAft>
               <a:buNone/>
             </a:pPr>
-            <a:r>
-              <a:t/>
-            </a:r>
             <a:endParaRPr/>
           </a:p>
         </p:txBody>
@@ -1516,11 +1578,11 @@
 </file>
 
 <file path=ppt/notesSlides/notesSlide8.xml><?xml version="1.0" encoding="utf-8"?>
-<p:notes xmlns:a="http://schemas.openxmlformats.org/drawingml/2006/main" xmlns:r="http://schemas.openxmlformats.org/officeDocument/2006/relationships" xmlns:mc="http://schemas.openxmlformats.org/markup-compatibility/2006" xmlns:mv="urn:schemas-microsoft-com:mac:vml" xmlns:p="http://schemas.openxmlformats.org/presentationml/2006/main" xmlns:c="http://schemas.openxmlformats.org/drawingml/2006/chart" xmlns:dgm="http://schemas.openxmlformats.org/drawingml/2006/diagram" xmlns:o="urn:schemas-microsoft-com:office:office" xmlns:v="urn:schemas-microsoft-com:vml" xmlns:pvml="urn:schemas-microsoft-com:office:powerpoint" xmlns:com="http://schemas.openxmlformats.org/drawingml/2006/compatibility" xmlns:p14="http://schemas.microsoft.com/office/powerpoint/2010/main" xmlns:p15="http://schemas.microsoft.com/office/powerpoint/2012/main" xmlns:ahyp="http://schemas.microsoft.com/office/drawing/2018/hyperlinkcolor" showMasterPhAnim="0" showMasterSp="0">
+<p:notes xmlns:a="http://schemas.openxmlformats.org/drawingml/2006/main" xmlns:r="http://schemas.openxmlformats.org/officeDocument/2006/relationships" xmlns:p="http://schemas.openxmlformats.org/presentationml/2006/main" showMasterSp="0" showMasterPhAnim="0">
   <p:cSld>
     <p:spTree>
       <p:nvGrpSpPr>
-        <p:cNvPr id="101" name="Shape 101"/>
+        <p:cNvPr id="1" name="Shape 101"/>
         <p:cNvGrpSpPr/>
         <p:nvPr/>
       </p:nvGrpSpPr>
@@ -1535,9 +1597,11 @@
       <p:sp>
         <p:nvSpPr>
           <p:cNvPr id="102" name="Google Shape;102;g25c61cc8fa2_0_78:notes"/>
-          <p:cNvSpPr/>
+          <p:cNvSpPr>
+            <a:spLocks noGrp="1" noRot="1" noChangeAspect="1"/>
+          </p:cNvSpPr>
           <p:nvPr>
-            <p:ph idx="2" type="sldImg"/>
+            <p:ph type="sldImg" idx="2"/>
           </p:nvPr>
         </p:nvSpPr>
         <p:spPr>
@@ -1546,9 +1610,13 @@
             <a:ext cx="6096000" cy="3429000"/>
           </a:xfrm>
           <a:custGeom>
-            <a:rect b="b" l="l" r="r" t="t"/>
+            <a:avLst/>
+            <a:gdLst/>
+            <a:ahLst/>
+            <a:cxnLst/>
+            <a:rect l="l" t="t" r="r" b="b"/>
             <a:pathLst>
-              <a:path extrusionOk="0" h="120000" w="120000">
+              <a:path w="120000" h="120000" extrusionOk="0">
                 <a:moveTo>
                   <a:pt x="0" y="0"/>
                 </a:moveTo>
@@ -1570,9 +1638,11 @@
       <p:sp>
         <p:nvSpPr>
           <p:cNvPr id="103" name="Google Shape;103;g25c61cc8fa2_0_78:notes"/>
-          <p:cNvSpPr txBox="1"/>
+          <p:cNvSpPr txBox="1">
+            <a:spLocks noGrp="1"/>
+          </p:cNvSpPr>
           <p:nvPr>
-            <p:ph idx="1" type="body"/>
+            <p:ph type="body" idx="1"/>
           </p:nvPr>
         </p:nvSpPr>
         <p:spPr>
@@ -1585,12 +1655,12 @@
           </a:prstGeom>
         </p:spPr>
         <p:txBody>
-          <a:bodyPr anchorCtr="0" anchor="t" bIns="91425" lIns="91425" spcFirstLastPara="1" rIns="91425" wrap="square" tIns="91425">
+          <a:bodyPr spcFirstLastPara="1" wrap="square" lIns="91425" tIns="91425" rIns="91425" bIns="91425" anchor="t" anchorCtr="0">
             <a:noAutofit/>
           </a:bodyPr>
           <a:lstStyle/>
           <a:p>
-            <a:pPr indent="0" lvl="0" marL="0" rtl="0" algn="l">
+            <a:pPr marL="0" lvl="0" indent="0" algn="l" rtl="0">
               <a:spcBef>
                 <a:spcPts val="0"/>
               </a:spcBef>
@@ -1599,9 +1669,6 @@
               </a:spcAft>
               <a:buNone/>
             </a:pPr>
-            <a:r>
-              <a:t/>
-            </a:r>
             <a:endParaRPr/>
           </a:p>
         </p:txBody>
@@ -1615,11 +1682,11 @@
 </file>
 
 <file path=ppt/notesSlides/notesSlide9.xml><?xml version="1.0" encoding="utf-8"?>
-<p:notes xmlns:a="http://schemas.openxmlformats.org/drawingml/2006/main" xmlns:r="http://schemas.openxmlformats.org/officeDocument/2006/relationships" xmlns:mc="http://schemas.openxmlformats.org/markup-compatibility/2006" xmlns:mv="urn:schemas-microsoft-com:mac:vml" xmlns:p="http://schemas.openxmlformats.org/presentationml/2006/main" xmlns:c="http://schemas.openxmlformats.org/drawingml/2006/chart" xmlns:dgm="http://schemas.openxmlformats.org/drawingml/2006/diagram" xmlns:o="urn:schemas-microsoft-com:office:office" xmlns:v="urn:schemas-microsoft-com:vml" xmlns:pvml="urn:schemas-microsoft-com:office:powerpoint" xmlns:com="http://schemas.openxmlformats.org/drawingml/2006/compatibility" xmlns:p14="http://schemas.microsoft.com/office/powerpoint/2010/main" xmlns:p15="http://schemas.microsoft.com/office/powerpoint/2012/main" xmlns:ahyp="http://schemas.microsoft.com/office/drawing/2018/hyperlinkcolor" showMasterPhAnim="0" showMasterSp="0">
+<p:notes xmlns:a="http://schemas.openxmlformats.org/drawingml/2006/main" xmlns:r="http://schemas.openxmlformats.org/officeDocument/2006/relationships" xmlns:p="http://schemas.openxmlformats.org/presentationml/2006/main" showMasterSp="0" showMasterPhAnim="0">
   <p:cSld>
     <p:spTree>
       <p:nvGrpSpPr>
-        <p:cNvPr id="108" name="Shape 108"/>
+        <p:cNvPr id="1" name="Shape 108"/>
         <p:cNvGrpSpPr/>
         <p:nvPr/>
       </p:nvGrpSpPr>
@@ -1634,9 +1701,11 @@
       <p:sp>
         <p:nvSpPr>
           <p:cNvPr id="109" name="Google Shape;109;g25c61cc8fa2_0_68:notes"/>
-          <p:cNvSpPr/>
+          <p:cNvSpPr>
+            <a:spLocks noGrp="1" noRot="1" noChangeAspect="1"/>
+          </p:cNvSpPr>
           <p:nvPr>
-            <p:ph idx="2" type="sldImg"/>
+            <p:ph type="sldImg" idx="2"/>
           </p:nvPr>
         </p:nvSpPr>
         <p:spPr>
@@ -1645,9 +1714,13 @@
             <a:ext cx="6096000" cy="3429000"/>
           </a:xfrm>
           <a:custGeom>
-            <a:rect b="b" l="l" r="r" t="t"/>
+            <a:avLst/>
+            <a:gdLst/>
+            <a:ahLst/>
+            <a:cxnLst/>
+            <a:rect l="l" t="t" r="r" b="b"/>
             <a:pathLst>
-              <a:path extrusionOk="0" h="120000" w="120000">
+              <a:path w="120000" h="120000" extrusionOk="0">
                 <a:moveTo>
                   <a:pt x="0" y="0"/>
                 </a:moveTo>
@@ -1669,9 +1742,11 @@
       <p:sp>
         <p:nvSpPr>
           <p:cNvPr id="110" name="Google Shape;110;g25c61cc8fa2_0_68:notes"/>
-          <p:cNvSpPr txBox="1"/>
+          <p:cNvSpPr txBox="1">
+            <a:spLocks noGrp="1"/>
+          </p:cNvSpPr>
           <p:nvPr>
-            <p:ph idx="1" type="body"/>
+            <p:ph type="body" idx="1"/>
           </p:nvPr>
         </p:nvSpPr>
         <p:spPr>
@@ -1684,12 +1759,12 @@
           </a:prstGeom>
         </p:spPr>
         <p:txBody>
-          <a:bodyPr anchorCtr="0" anchor="t" bIns="91425" lIns="91425" spcFirstLastPara="1" rIns="91425" wrap="square" tIns="91425">
+          <a:bodyPr spcFirstLastPara="1" wrap="square" lIns="91425" tIns="91425" rIns="91425" bIns="91425" anchor="t" anchorCtr="0">
             <a:noAutofit/>
           </a:bodyPr>
           <a:lstStyle/>
           <a:p>
-            <a:pPr indent="0" lvl="0" marL="0" rtl="0" algn="l">
+            <a:pPr marL="0" lvl="0" indent="0" algn="l" rtl="0">
               <a:spcBef>
                 <a:spcPts val="0"/>
               </a:spcBef>
@@ -1698,9 +1773,6 @@
               </a:spcAft>
               <a:buNone/>
             </a:pPr>
-            <a:r>
-              <a:t/>
-            </a:r>
             <a:endParaRPr/>
           </a:p>
         </p:txBody>
@@ -1714,18 +1786,19 @@
 </file>
 
 <file path=ppt/slideLayouts/slideLayout1.xml><?xml version="1.0" encoding="utf-8"?>
-<p:sldLayout xmlns:a="http://schemas.openxmlformats.org/drawingml/2006/main" xmlns:r="http://schemas.openxmlformats.org/officeDocument/2006/relationships" xmlns:mc="http://schemas.openxmlformats.org/markup-compatibility/2006" xmlns:mv="urn:schemas-microsoft-com:mac:vml" xmlns:p="http://schemas.openxmlformats.org/presentationml/2006/main" xmlns:c="http://schemas.openxmlformats.org/drawingml/2006/chart" xmlns:dgm="http://schemas.openxmlformats.org/drawingml/2006/diagram" xmlns:o="urn:schemas-microsoft-com:office:office" xmlns:v="urn:schemas-microsoft-com:vml" xmlns:pvml="urn:schemas-microsoft-com:office:powerpoint" xmlns:com="http://schemas.openxmlformats.org/drawingml/2006/compatibility" xmlns:p14="http://schemas.microsoft.com/office/powerpoint/2010/main" xmlns:p15="http://schemas.microsoft.com/office/powerpoint/2012/main" xmlns:ahyp="http://schemas.microsoft.com/office/drawing/2018/hyperlinkcolor" matchingName="Title slide" type="title">
+<p:sldLayout xmlns:a="http://schemas.openxmlformats.org/drawingml/2006/main" xmlns:r="http://schemas.openxmlformats.org/officeDocument/2006/relationships" xmlns:p="http://schemas.openxmlformats.org/presentationml/2006/main" matchingName="Title slide" type="title">
   <p:cSld name="TITLE">
     <p:bg>
       <p:bgPr>
         <a:solidFill>
           <a:schemeClr val="dk1"/>
         </a:solidFill>
+        <a:effectLst/>
       </p:bgPr>
     </p:bg>
     <p:spTree>
       <p:nvGrpSpPr>
-        <p:cNvPr id="9" name="Shape 9"/>
+        <p:cNvPr id="1" name="Shape 9"/>
         <p:cNvGrpSpPr/>
         <p:nvPr/>
       </p:nvGrpSpPr>
@@ -1759,12 +1832,12 @@
           </a:ln>
         </p:spPr>
         <p:txBody>
-          <a:bodyPr anchorCtr="0" anchor="ctr" bIns="91425" lIns="91425" spcFirstLastPara="1" rIns="91425" wrap="square" tIns="91425">
+          <a:bodyPr spcFirstLastPara="1" wrap="square" lIns="91425" tIns="91425" rIns="91425" bIns="91425" anchor="ctr" anchorCtr="0">
             <a:noAutofit/>
           </a:bodyPr>
           <a:lstStyle/>
           <a:p>
-            <a:pPr indent="0" lvl="0" marL="0" rtl="0" algn="l">
+            <a:pPr marL="0" lvl="0" indent="0" algn="l" rtl="0">
               <a:spcBef>
                 <a:spcPts val="0"/>
               </a:spcBef>
@@ -1773,9 +1846,6 @@
               </a:spcAft>
               <a:buNone/>
             </a:pPr>
-            <a:r>
-              <a:t/>
-            </a:r>
             <a:endParaRPr/>
           </a:p>
         </p:txBody>
@@ -1802,12 +1872,12 @@
           </a:ln>
         </p:spPr>
         <p:txBody>
-          <a:bodyPr anchorCtr="0" anchor="ctr" bIns="91425" lIns="91425" spcFirstLastPara="1" rIns="91425" wrap="square" tIns="91425">
+          <a:bodyPr spcFirstLastPara="1" wrap="square" lIns="91425" tIns="91425" rIns="91425" bIns="91425" anchor="ctr" anchorCtr="0">
             <a:noAutofit/>
           </a:bodyPr>
           <a:lstStyle/>
           <a:p>
-            <a:pPr indent="0" lvl="0" marL="0" rtl="0" algn="l">
+            <a:pPr marL="0" lvl="0" indent="0" algn="l" rtl="0">
               <a:spcBef>
                 <a:spcPts val="0"/>
               </a:spcBef>
@@ -1816,9 +1886,6 @@
               </a:spcAft>
               <a:buNone/>
             </a:pPr>
-            <a:r>
-              <a:t/>
-            </a:r>
             <a:endParaRPr/>
           </a:p>
         </p:txBody>
@@ -1826,7 +1893,9 @@
       <p:sp>
         <p:nvSpPr>
           <p:cNvPr id="12" name="Google Shape;12;p2"/>
-          <p:cNvSpPr txBox="1"/>
+          <p:cNvSpPr txBox="1">
+            <a:spLocks noGrp="1"/>
+          </p:cNvSpPr>
           <p:nvPr>
             <p:ph type="ctrTitle"/>
           </p:nvPr>
@@ -1844,7 +1913,7 @@
           </a:solidFill>
         </p:spPr>
         <p:txBody>
-          <a:bodyPr anchorCtr="0" anchor="ctr" bIns="91425" lIns="91425" spcFirstLastPara="1" rIns="91425" wrap="square" tIns="91425">
+          <a:bodyPr spcFirstLastPara="1" wrap="square" lIns="91425" tIns="91425" rIns="91425" bIns="91425" anchor="ctr" anchorCtr="0">
             <a:normAutofit/>
           </a:bodyPr>
           <a:lstStyle>
@@ -1858,7 +1927,7 @@
               <a:buSzPts val="6800"/>
               <a:buFont typeface="Playfair Display"/>
               <a:buNone/>
-              <a:defRPr b="1" sz="6800">
+              <a:defRPr sz="6800" b="1">
                 <a:latin typeface="Playfair Display"/>
                 <a:ea typeface="Playfair Display"/>
                 <a:cs typeface="Playfair Display"/>
@@ -1875,7 +1944,7 @@
               <a:buSzPts val="6800"/>
               <a:buFont typeface="Playfair Display"/>
               <a:buNone/>
-              <a:defRPr b="1" sz="6800">
+              <a:defRPr sz="6800" b="1">
                 <a:latin typeface="Playfair Display"/>
                 <a:ea typeface="Playfair Display"/>
                 <a:cs typeface="Playfair Display"/>
@@ -1892,7 +1961,7 @@
               <a:buSzPts val="6800"/>
               <a:buFont typeface="Playfair Display"/>
               <a:buNone/>
-              <a:defRPr b="1" sz="6800">
+              <a:defRPr sz="6800" b="1">
                 <a:latin typeface="Playfair Display"/>
                 <a:ea typeface="Playfair Display"/>
                 <a:cs typeface="Playfair Display"/>
@@ -1909,7 +1978,7 @@
               <a:buSzPts val="6800"/>
               <a:buFont typeface="Playfair Display"/>
               <a:buNone/>
-              <a:defRPr b="1" sz="6800">
+              <a:defRPr sz="6800" b="1">
                 <a:latin typeface="Playfair Display"/>
                 <a:ea typeface="Playfair Display"/>
                 <a:cs typeface="Playfair Display"/>
@@ -1926,7 +1995,7 @@
               <a:buSzPts val="6800"/>
               <a:buFont typeface="Playfair Display"/>
               <a:buNone/>
-              <a:defRPr b="1" sz="6800">
+              <a:defRPr sz="6800" b="1">
                 <a:latin typeface="Playfair Display"/>
                 <a:ea typeface="Playfair Display"/>
                 <a:cs typeface="Playfair Display"/>
@@ -1943,7 +2012,7 @@
               <a:buSzPts val="6800"/>
               <a:buFont typeface="Playfair Display"/>
               <a:buNone/>
-              <a:defRPr b="1" sz="6800">
+              <a:defRPr sz="6800" b="1">
                 <a:latin typeface="Playfair Display"/>
                 <a:ea typeface="Playfair Display"/>
                 <a:cs typeface="Playfair Display"/>
@@ -1960,7 +2029,7 @@
               <a:buSzPts val="6800"/>
               <a:buFont typeface="Playfair Display"/>
               <a:buNone/>
-              <a:defRPr b="1" sz="6800">
+              <a:defRPr sz="6800" b="1">
                 <a:latin typeface="Playfair Display"/>
                 <a:ea typeface="Playfair Display"/>
                 <a:cs typeface="Playfair Display"/>
@@ -1977,7 +2046,7 @@
               <a:buSzPts val="6800"/>
               <a:buFont typeface="Playfair Display"/>
               <a:buNone/>
-              <a:defRPr b="1" sz="6800">
+              <a:defRPr sz="6800" b="1">
                 <a:latin typeface="Playfair Display"/>
                 <a:ea typeface="Playfair Display"/>
                 <a:cs typeface="Playfair Display"/>
@@ -1994,7 +2063,7 @@
               <a:buSzPts val="6800"/>
               <a:buFont typeface="Playfair Display"/>
               <a:buNone/>
-              <a:defRPr b="1" sz="6800">
+              <a:defRPr sz="6800" b="1">
                 <a:latin typeface="Playfair Display"/>
                 <a:ea typeface="Playfair Display"/>
                 <a:cs typeface="Playfair Display"/>
@@ -2002,15 +2071,19 @@
               </a:defRPr>
             </a:lvl9pPr>
           </a:lstStyle>
-          <a:p/>
+          <a:p>
+            <a:endParaRPr/>
+          </a:p>
         </p:txBody>
       </p:sp>
       <p:sp>
         <p:nvSpPr>
           <p:cNvPr id="13" name="Google Shape;13;p2"/>
-          <p:cNvSpPr txBox="1"/>
+          <p:cNvSpPr txBox="1">
+            <a:spLocks noGrp="1"/>
+          </p:cNvSpPr>
           <p:nvPr>
-            <p:ph idx="1" type="subTitle"/>
+            <p:ph type="subTitle" idx="1"/>
           </p:nvPr>
         </p:nvSpPr>
         <p:spPr>
@@ -2026,7 +2099,7 @@
           </a:solidFill>
         </p:spPr>
         <p:txBody>
-          <a:bodyPr anchorCtr="0" anchor="ctr" bIns="91425" lIns="91425" spcFirstLastPara="1" rIns="91425" wrap="square" tIns="91425">
+          <a:bodyPr spcFirstLastPara="1" wrap="square" lIns="91425" tIns="91425" rIns="91425" bIns="91425" anchor="ctr" anchorCtr="0">
             <a:normAutofit/>
           </a:bodyPr>
           <a:lstStyle>
@@ -2046,7 +2119,7 @@
               <a:buSzPts val="2400"/>
               <a:buFont typeface="Montserrat"/>
               <a:buNone/>
-              <a:defRPr b="1" sz="2400">
+              <a:defRPr sz="2400" b="1">
                 <a:solidFill>
                   <a:schemeClr val="lt1"/>
                 </a:solidFill>
@@ -2072,7 +2145,7 @@
               <a:buSzPts val="2400"/>
               <a:buFont typeface="Montserrat"/>
               <a:buNone/>
-              <a:defRPr b="1" sz="2400">
+              <a:defRPr sz="2400" b="1">
                 <a:solidFill>
                   <a:schemeClr val="lt1"/>
                 </a:solidFill>
@@ -2098,7 +2171,7 @@
               <a:buSzPts val="2400"/>
               <a:buFont typeface="Montserrat"/>
               <a:buNone/>
-              <a:defRPr b="1" sz="2400">
+              <a:defRPr sz="2400" b="1">
                 <a:solidFill>
                   <a:schemeClr val="lt1"/>
                 </a:solidFill>
@@ -2124,7 +2197,7 @@
               <a:buSzPts val="2400"/>
               <a:buFont typeface="Montserrat"/>
               <a:buNone/>
-              <a:defRPr b="1" sz="2400">
+              <a:defRPr sz="2400" b="1">
                 <a:solidFill>
                   <a:schemeClr val="lt1"/>
                 </a:solidFill>
@@ -2150,7 +2223,7 @@
               <a:buSzPts val="2400"/>
               <a:buFont typeface="Montserrat"/>
               <a:buNone/>
-              <a:defRPr b="1" sz="2400">
+              <a:defRPr sz="2400" b="1">
                 <a:solidFill>
                   <a:schemeClr val="lt1"/>
                 </a:solidFill>
@@ -2176,7 +2249,7 @@
               <a:buSzPts val="2400"/>
               <a:buFont typeface="Montserrat"/>
               <a:buNone/>
-              <a:defRPr b="1" sz="2400">
+              <a:defRPr sz="2400" b="1">
                 <a:solidFill>
                   <a:schemeClr val="lt1"/>
                 </a:solidFill>
@@ -2202,7 +2275,7 @@
               <a:buSzPts val="2400"/>
               <a:buFont typeface="Montserrat"/>
               <a:buNone/>
-              <a:defRPr b="1" sz="2400">
+              <a:defRPr sz="2400" b="1">
                 <a:solidFill>
                   <a:schemeClr val="lt1"/>
                 </a:solidFill>
@@ -2228,7 +2301,7 @@
               <a:buSzPts val="2400"/>
               <a:buFont typeface="Montserrat"/>
               <a:buNone/>
-              <a:defRPr b="1" sz="2400">
+              <a:defRPr sz="2400" b="1">
                 <a:solidFill>
                   <a:schemeClr val="lt1"/>
                 </a:solidFill>
@@ -2254,7 +2327,7 @@
               <a:buSzPts val="2400"/>
               <a:buFont typeface="Montserrat"/>
               <a:buNone/>
-              <a:defRPr b="1" sz="2400">
+              <a:defRPr sz="2400" b="1">
                 <a:solidFill>
                   <a:schemeClr val="lt1"/>
                 </a:solidFill>
@@ -2265,15 +2338,19 @@
               </a:defRPr>
             </a:lvl9pPr>
           </a:lstStyle>
-          <a:p/>
+          <a:p>
+            <a:endParaRPr/>
+          </a:p>
         </p:txBody>
       </p:sp>
       <p:sp>
         <p:nvSpPr>
           <p:cNvPr id="14" name="Google Shape;14;p2"/>
-          <p:cNvSpPr txBox="1"/>
+          <p:cNvSpPr txBox="1">
+            <a:spLocks noGrp="1"/>
+          </p:cNvSpPr>
           <p:nvPr>
-            <p:ph idx="12" type="sldNum"/>
+            <p:ph type="sldNum" idx="12"/>
           </p:nvPr>
         </p:nvSpPr>
         <p:spPr>
@@ -2286,7 +2363,7 @@
           </a:prstGeom>
         </p:spPr>
         <p:txBody>
-          <a:bodyPr anchorCtr="0" anchor="ctr" bIns="91425" lIns="91425" spcFirstLastPara="1" rIns="91425" wrap="square" tIns="91425">
+          <a:bodyPr spcFirstLastPara="1" wrap="square" lIns="91425" tIns="91425" rIns="91425" bIns="91425" anchor="ctr" anchorCtr="0">
             <a:normAutofit/>
           </a:bodyPr>
           <a:lstStyle>
@@ -2328,7 +2405,7 @@
             </a:lvl9pPr>
           </a:lstStyle>
           <a:p>
-            <a:pPr indent="0" lvl="0" marL="0" rtl="0" algn="r">
+            <a:pPr marL="0" lvl="0" indent="0" algn="r" rtl="0">
               <a:spcBef>
                 <a:spcPts val="0"/>
               </a:spcBef>
@@ -2354,11 +2431,11 @@
 </file>
 
 <file path=ppt/slideLayouts/slideLayout10.xml><?xml version="1.0" encoding="utf-8"?>
-<p:sldLayout xmlns:a="http://schemas.openxmlformats.org/drawingml/2006/main" xmlns:r="http://schemas.openxmlformats.org/officeDocument/2006/relationships" xmlns:mc="http://schemas.openxmlformats.org/markup-compatibility/2006" xmlns:mv="urn:schemas-microsoft-com:mac:vml" xmlns:p="http://schemas.openxmlformats.org/presentationml/2006/main" xmlns:c="http://schemas.openxmlformats.org/drawingml/2006/chart" xmlns:dgm="http://schemas.openxmlformats.org/drawingml/2006/diagram" xmlns:o="urn:schemas-microsoft-com:office:office" xmlns:v="urn:schemas-microsoft-com:vml" xmlns:pvml="urn:schemas-microsoft-com:office:powerpoint" xmlns:com="http://schemas.openxmlformats.org/drawingml/2006/compatibility" xmlns:p14="http://schemas.microsoft.com/office/powerpoint/2010/main" xmlns:p15="http://schemas.microsoft.com/office/powerpoint/2012/main" xmlns:ahyp="http://schemas.microsoft.com/office/drawing/2018/hyperlinkcolor" matchingName="Big number">
+<p:sldLayout xmlns:a="http://schemas.openxmlformats.org/drawingml/2006/main" xmlns:r="http://schemas.openxmlformats.org/officeDocument/2006/relationships" xmlns:p="http://schemas.openxmlformats.org/presentationml/2006/main" matchingName="Big number">
   <p:cSld name="BIG_NUMBER">
     <p:spTree>
       <p:nvGrpSpPr>
-        <p:cNvPr id="48" name="Shape 48"/>
+        <p:cNvPr id="1" name="Shape 48"/>
         <p:cNvGrpSpPr/>
         <p:nvPr/>
       </p:nvGrpSpPr>
@@ -2373,9 +2450,11 @@
       <p:sp>
         <p:nvSpPr>
           <p:cNvPr id="49" name="Google Shape;49;p11"/>
-          <p:cNvSpPr txBox="1"/>
+          <p:cNvSpPr txBox="1">
+            <a:spLocks noGrp="1"/>
+          </p:cNvSpPr>
           <p:nvPr>
-            <p:ph hasCustomPrompt="1" type="title"/>
+            <p:ph type="title" hasCustomPrompt="1"/>
           </p:nvPr>
         </p:nvSpPr>
         <p:spPr>
@@ -2388,7 +2467,7 @@
           </a:prstGeom>
         </p:spPr>
         <p:txBody>
-          <a:bodyPr anchorCtr="0" anchor="b" bIns="91425" lIns="91425" spcFirstLastPara="1" rIns="91425" wrap="square" tIns="91425">
+          <a:bodyPr spcFirstLastPara="1" wrap="square" lIns="91425" tIns="91425" rIns="91425" bIns="91425" anchor="b" anchorCtr="0">
             <a:normAutofit/>
           </a:bodyPr>
           <a:lstStyle>
@@ -2556,9 +2635,11 @@
       <p:sp>
         <p:nvSpPr>
           <p:cNvPr id="50" name="Google Shape;50;p11"/>
-          <p:cNvSpPr txBox="1"/>
+          <p:cNvSpPr txBox="1">
+            <a:spLocks noGrp="1"/>
+          </p:cNvSpPr>
           <p:nvPr>
-            <p:ph idx="1" type="body"/>
+            <p:ph type="body" idx="1"/>
           </p:nvPr>
         </p:nvSpPr>
         <p:spPr>
@@ -2571,11 +2652,11 @@
           </a:prstGeom>
         </p:spPr>
         <p:txBody>
-          <a:bodyPr anchorCtr="0" anchor="t" bIns="91425" lIns="91425" spcFirstLastPara="1" rIns="91425" wrap="square" tIns="91425">
+          <a:bodyPr spcFirstLastPara="1" wrap="square" lIns="91425" tIns="91425" rIns="91425" bIns="91425" anchor="t" anchorCtr="0">
             <a:normAutofit/>
           </a:bodyPr>
           <a:lstStyle>
-            <a:lvl1pPr indent="-342900" lvl="0" marL="457200" algn="ctr">
+            <a:lvl1pPr marL="457200" lvl="0" indent="-342900" algn="ctr">
               <a:spcBef>
                 <a:spcPts val="0"/>
               </a:spcBef>
@@ -2590,7 +2671,7 @@
                 </a:highlight>
               </a:defRPr>
             </a:lvl1pPr>
-            <a:lvl2pPr indent="-317500" lvl="1" marL="914400" algn="ctr">
+            <a:lvl2pPr marL="914400" lvl="1" indent="-317500" algn="ctr">
               <a:spcBef>
                 <a:spcPts val="0"/>
               </a:spcBef>
@@ -2605,7 +2686,7 @@
                 </a:highlight>
               </a:defRPr>
             </a:lvl2pPr>
-            <a:lvl3pPr indent="-317500" lvl="2" marL="1371600" algn="ctr">
+            <a:lvl3pPr marL="1371600" lvl="2" indent="-317500" algn="ctr">
               <a:spcBef>
                 <a:spcPts val="0"/>
               </a:spcBef>
@@ -2620,7 +2701,7 @@
                 </a:highlight>
               </a:defRPr>
             </a:lvl3pPr>
-            <a:lvl4pPr indent="-317500" lvl="3" marL="1828800" algn="ctr">
+            <a:lvl4pPr marL="1828800" lvl="3" indent="-317500" algn="ctr">
               <a:spcBef>
                 <a:spcPts val="0"/>
               </a:spcBef>
@@ -2635,7 +2716,7 @@
                 </a:highlight>
               </a:defRPr>
             </a:lvl4pPr>
-            <a:lvl5pPr indent="-317500" lvl="4" marL="2286000" algn="ctr">
+            <a:lvl5pPr marL="2286000" lvl="4" indent="-317500" algn="ctr">
               <a:spcBef>
                 <a:spcPts val="0"/>
               </a:spcBef>
@@ -2650,7 +2731,7 @@
                 </a:highlight>
               </a:defRPr>
             </a:lvl5pPr>
-            <a:lvl6pPr indent="-317500" lvl="5" marL="2743200" algn="ctr">
+            <a:lvl6pPr marL="2743200" lvl="5" indent="-317500" algn="ctr">
               <a:spcBef>
                 <a:spcPts val="0"/>
               </a:spcBef>
@@ -2665,7 +2746,7 @@
                 </a:highlight>
               </a:defRPr>
             </a:lvl6pPr>
-            <a:lvl7pPr indent="-317500" lvl="6" marL="3200400" algn="ctr">
+            <a:lvl7pPr marL="3200400" lvl="6" indent="-317500" algn="ctr">
               <a:spcBef>
                 <a:spcPts val="0"/>
               </a:spcBef>
@@ -2680,7 +2761,7 @@
                 </a:highlight>
               </a:defRPr>
             </a:lvl7pPr>
-            <a:lvl8pPr indent="-317500" lvl="7" marL="3657600" algn="ctr">
+            <a:lvl8pPr marL="3657600" lvl="7" indent="-317500" algn="ctr">
               <a:spcBef>
                 <a:spcPts val="0"/>
               </a:spcBef>
@@ -2695,7 +2776,7 @@
                 </a:highlight>
               </a:defRPr>
             </a:lvl8pPr>
-            <a:lvl9pPr indent="-317500" lvl="8" marL="4114800" algn="ctr">
+            <a:lvl9pPr marL="4114800" lvl="8" indent="-317500" algn="ctr">
               <a:spcBef>
                 <a:spcPts val="0"/>
               </a:spcBef>
@@ -2711,15 +2792,19 @@
               </a:defRPr>
             </a:lvl9pPr>
           </a:lstStyle>
-          <a:p/>
+          <a:p>
+            <a:endParaRPr/>
+          </a:p>
         </p:txBody>
       </p:sp>
       <p:sp>
         <p:nvSpPr>
           <p:cNvPr id="51" name="Google Shape;51;p11"/>
-          <p:cNvSpPr txBox="1"/>
+          <p:cNvSpPr txBox="1">
+            <a:spLocks noGrp="1"/>
+          </p:cNvSpPr>
           <p:nvPr>
-            <p:ph idx="12" type="sldNum"/>
+            <p:ph type="sldNum" idx="12"/>
           </p:nvPr>
         </p:nvSpPr>
         <p:spPr>
@@ -2732,7 +2817,7 @@
           </a:prstGeom>
         </p:spPr>
         <p:txBody>
-          <a:bodyPr anchorCtr="0" anchor="ctr" bIns="91425" lIns="91425" spcFirstLastPara="1" rIns="91425" wrap="square" tIns="91425">
+          <a:bodyPr spcFirstLastPara="1" wrap="square" lIns="91425" tIns="91425" rIns="91425" bIns="91425" anchor="ctr" anchorCtr="0">
             <a:normAutofit/>
           </a:bodyPr>
           <a:lstStyle>
@@ -2774,7 +2859,7 @@
             </a:lvl9pPr>
           </a:lstStyle>
           <a:p>
-            <a:pPr indent="0" lvl="0" marL="0" rtl="0" algn="r">
+            <a:pPr marL="0" lvl="0" indent="0" algn="r" rtl="0">
               <a:spcBef>
                 <a:spcPts val="0"/>
               </a:spcBef>
@@ -2800,11 +2885,11 @@
 </file>
 
 <file path=ppt/slideLayouts/slideLayout11.xml><?xml version="1.0" encoding="utf-8"?>
-<p:sldLayout xmlns:a="http://schemas.openxmlformats.org/drawingml/2006/main" xmlns:r="http://schemas.openxmlformats.org/officeDocument/2006/relationships" xmlns:mc="http://schemas.openxmlformats.org/markup-compatibility/2006" xmlns:mv="urn:schemas-microsoft-com:mac:vml" xmlns:p="http://schemas.openxmlformats.org/presentationml/2006/main" xmlns:c="http://schemas.openxmlformats.org/drawingml/2006/chart" xmlns:dgm="http://schemas.openxmlformats.org/drawingml/2006/diagram" xmlns:o="urn:schemas-microsoft-com:office:office" xmlns:v="urn:schemas-microsoft-com:vml" xmlns:pvml="urn:schemas-microsoft-com:office:powerpoint" xmlns:com="http://schemas.openxmlformats.org/drawingml/2006/compatibility" xmlns:p14="http://schemas.microsoft.com/office/powerpoint/2010/main" xmlns:p15="http://schemas.microsoft.com/office/powerpoint/2012/main" xmlns:ahyp="http://schemas.microsoft.com/office/drawing/2018/hyperlinkcolor" matchingName="Blank" type="blank">
+<p:sldLayout xmlns:a="http://schemas.openxmlformats.org/drawingml/2006/main" xmlns:r="http://schemas.openxmlformats.org/officeDocument/2006/relationships" xmlns:p="http://schemas.openxmlformats.org/presentationml/2006/main" matchingName="Blank" type="blank">
   <p:cSld name="BLANK">
     <p:spTree>
       <p:nvGrpSpPr>
-        <p:cNvPr id="52" name="Shape 52"/>
+        <p:cNvPr id="1" name="Shape 52"/>
         <p:cNvGrpSpPr/>
         <p:nvPr/>
       </p:nvGrpSpPr>
@@ -2819,9 +2904,11 @@
       <p:sp>
         <p:nvSpPr>
           <p:cNvPr id="53" name="Google Shape;53;p12"/>
-          <p:cNvSpPr txBox="1"/>
+          <p:cNvSpPr txBox="1">
+            <a:spLocks noGrp="1"/>
+          </p:cNvSpPr>
           <p:nvPr>
-            <p:ph idx="12" type="sldNum"/>
+            <p:ph type="sldNum" idx="12"/>
           </p:nvPr>
         </p:nvSpPr>
         <p:spPr>
@@ -2834,7 +2921,7 @@
           </a:prstGeom>
         </p:spPr>
         <p:txBody>
-          <a:bodyPr anchorCtr="0" anchor="ctr" bIns="91425" lIns="91425" spcFirstLastPara="1" rIns="91425" wrap="square" tIns="91425">
+          <a:bodyPr spcFirstLastPara="1" wrap="square" lIns="91425" tIns="91425" rIns="91425" bIns="91425" anchor="ctr" anchorCtr="0">
             <a:normAutofit/>
           </a:bodyPr>
           <a:lstStyle>
@@ -2876,7 +2963,7 @@
             </a:lvl9pPr>
           </a:lstStyle>
           <a:p>
-            <a:pPr indent="0" lvl="0" marL="0" rtl="0" algn="r">
+            <a:pPr marL="0" lvl="0" indent="0" algn="r" rtl="0">
               <a:spcBef>
                 <a:spcPts val="0"/>
               </a:spcBef>
@@ -2902,18 +2989,19 @@
 </file>
 
 <file path=ppt/slideLayouts/slideLayout2.xml><?xml version="1.0" encoding="utf-8"?>
-<p:sldLayout xmlns:a="http://schemas.openxmlformats.org/drawingml/2006/main" xmlns:r="http://schemas.openxmlformats.org/officeDocument/2006/relationships" xmlns:mc="http://schemas.openxmlformats.org/markup-compatibility/2006" xmlns:mv="urn:schemas-microsoft-com:mac:vml" xmlns:p="http://schemas.openxmlformats.org/presentationml/2006/main" xmlns:c="http://schemas.openxmlformats.org/drawingml/2006/chart" xmlns:dgm="http://schemas.openxmlformats.org/drawingml/2006/diagram" xmlns:o="urn:schemas-microsoft-com:office:office" xmlns:v="urn:schemas-microsoft-com:vml" xmlns:pvml="urn:schemas-microsoft-com:office:powerpoint" xmlns:com="http://schemas.openxmlformats.org/drawingml/2006/compatibility" xmlns:p14="http://schemas.microsoft.com/office/powerpoint/2010/main" xmlns:p15="http://schemas.microsoft.com/office/powerpoint/2012/main" xmlns:ahyp="http://schemas.microsoft.com/office/drawing/2018/hyperlinkcolor" matchingName="Section header" type="secHead">
+<p:sldLayout xmlns:a="http://schemas.openxmlformats.org/drawingml/2006/main" xmlns:r="http://schemas.openxmlformats.org/officeDocument/2006/relationships" xmlns:p="http://schemas.openxmlformats.org/presentationml/2006/main" matchingName="Section header" type="secHead">
   <p:cSld name="SECTION_HEADER">
     <p:bg>
       <p:bgPr>
         <a:solidFill>
           <a:schemeClr val="accent4"/>
         </a:solidFill>
+        <a:effectLst/>
       </p:bgPr>
     </p:bg>
     <p:spTree>
       <p:nvGrpSpPr>
-        <p:cNvPr id="15" name="Shape 15"/>
+        <p:cNvPr id="1" name="Shape 15"/>
         <p:cNvGrpSpPr/>
         <p:nvPr/>
       </p:nvGrpSpPr>
@@ -2947,12 +3035,12 @@
           </a:ln>
         </p:spPr>
         <p:txBody>
-          <a:bodyPr anchorCtr="0" anchor="ctr" bIns="91425" lIns="91425" spcFirstLastPara="1" rIns="91425" wrap="square" tIns="91425">
+          <a:bodyPr spcFirstLastPara="1" wrap="square" lIns="91425" tIns="91425" rIns="91425" bIns="91425" anchor="ctr" anchorCtr="0">
             <a:noAutofit/>
           </a:bodyPr>
           <a:lstStyle/>
           <a:p>
-            <a:pPr indent="0" lvl="0" marL="0" rtl="0" algn="l">
+            <a:pPr marL="0" lvl="0" indent="0" algn="l" rtl="0">
               <a:spcBef>
                 <a:spcPts val="0"/>
               </a:spcBef>
@@ -2961,9 +3049,6 @@
               </a:spcAft>
               <a:buNone/>
             </a:pPr>
-            <a:r>
-              <a:t/>
-            </a:r>
             <a:endParaRPr/>
           </a:p>
         </p:txBody>
@@ -2971,7 +3056,9 @@
       <p:sp>
         <p:nvSpPr>
           <p:cNvPr id="17" name="Google Shape;17;p3"/>
-          <p:cNvSpPr txBox="1"/>
+          <p:cNvSpPr txBox="1">
+            <a:spLocks noGrp="1"/>
+          </p:cNvSpPr>
           <p:nvPr>
             <p:ph type="title"/>
           </p:nvPr>
@@ -2989,7 +3076,7 @@
           </a:solidFill>
         </p:spPr>
         <p:txBody>
-          <a:bodyPr anchorCtr="0" anchor="ctr" bIns="91425" lIns="91425" spcFirstLastPara="1" rIns="91425" wrap="square" tIns="91425">
+          <a:bodyPr spcFirstLastPara="1" wrap="square" lIns="91425" tIns="91425" rIns="91425" bIns="91425" anchor="ctr" anchorCtr="0">
             <a:normAutofit/>
           </a:bodyPr>
           <a:lstStyle>
@@ -3003,7 +3090,7 @@
               <a:buSzPts val="4800"/>
               <a:buFont typeface="Playfair Display"/>
               <a:buNone/>
-              <a:defRPr b="1" sz="4800">
+              <a:defRPr sz="4800" b="1">
                 <a:latin typeface="Playfair Display"/>
                 <a:ea typeface="Playfair Display"/>
                 <a:cs typeface="Playfair Display"/>
@@ -3020,7 +3107,7 @@
               <a:buSzPts val="4800"/>
               <a:buFont typeface="Playfair Display"/>
               <a:buNone/>
-              <a:defRPr b="1" sz="4800">
+              <a:defRPr sz="4800" b="1">
                 <a:latin typeface="Playfair Display"/>
                 <a:ea typeface="Playfair Display"/>
                 <a:cs typeface="Playfair Display"/>
@@ -3037,7 +3124,7 @@
               <a:buSzPts val="4800"/>
               <a:buFont typeface="Playfair Display"/>
               <a:buNone/>
-              <a:defRPr b="1" sz="4800">
+              <a:defRPr sz="4800" b="1">
                 <a:latin typeface="Playfair Display"/>
                 <a:ea typeface="Playfair Display"/>
                 <a:cs typeface="Playfair Display"/>
@@ -3054,7 +3141,7 @@
               <a:buSzPts val="4800"/>
               <a:buFont typeface="Playfair Display"/>
               <a:buNone/>
-              <a:defRPr b="1" sz="4800">
+              <a:defRPr sz="4800" b="1">
                 <a:latin typeface="Playfair Display"/>
                 <a:ea typeface="Playfair Display"/>
                 <a:cs typeface="Playfair Display"/>
@@ -3071,7 +3158,7 @@
               <a:buSzPts val="4800"/>
               <a:buFont typeface="Playfair Display"/>
               <a:buNone/>
-              <a:defRPr b="1" sz="4800">
+              <a:defRPr sz="4800" b="1">
                 <a:latin typeface="Playfair Display"/>
                 <a:ea typeface="Playfair Display"/>
                 <a:cs typeface="Playfair Display"/>
@@ -3088,7 +3175,7 @@
               <a:buSzPts val="4800"/>
               <a:buFont typeface="Playfair Display"/>
               <a:buNone/>
-              <a:defRPr b="1" sz="4800">
+              <a:defRPr sz="4800" b="1">
                 <a:latin typeface="Playfair Display"/>
                 <a:ea typeface="Playfair Display"/>
                 <a:cs typeface="Playfair Display"/>
@@ -3105,7 +3192,7 @@
               <a:buSzPts val="4800"/>
               <a:buFont typeface="Playfair Display"/>
               <a:buNone/>
-              <a:defRPr b="1" sz="4800">
+              <a:defRPr sz="4800" b="1">
                 <a:latin typeface="Playfair Display"/>
                 <a:ea typeface="Playfair Display"/>
                 <a:cs typeface="Playfair Display"/>
@@ -3122,7 +3209,7 @@
               <a:buSzPts val="4800"/>
               <a:buFont typeface="Playfair Display"/>
               <a:buNone/>
-              <a:defRPr b="1" sz="4800">
+              <a:defRPr sz="4800" b="1">
                 <a:latin typeface="Playfair Display"/>
                 <a:ea typeface="Playfair Display"/>
                 <a:cs typeface="Playfair Display"/>
@@ -3139,7 +3226,7 @@
               <a:buSzPts val="4800"/>
               <a:buFont typeface="Playfair Display"/>
               <a:buNone/>
-              <a:defRPr b="1" sz="4800">
+              <a:defRPr sz="4800" b="1">
                 <a:latin typeface="Playfair Display"/>
                 <a:ea typeface="Playfair Display"/>
                 <a:cs typeface="Playfair Display"/>
@@ -3147,15 +3234,19 @@
               </a:defRPr>
             </a:lvl9pPr>
           </a:lstStyle>
-          <a:p/>
+          <a:p>
+            <a:endParaRPr/>
+          </a:p>
         </p:txBody>
       </p:sp>
       <p:sp>
         <p:nvSpPr>
           <p:cNvPr id="18" name="Google Shape;18;p3"/>
-          <p:cNvSpPr txBox="1"/>
+          <p:cNvSpPr txBox="1">
+            <a:spLocks noGrp="1"/>
+          </p:cNvSpPr>
           <p:nvPr>
-            <p:ph idx="12" type="sldNum"/>
+            <p:ph type="sldNum" idx="12"/>
           </p:nvPr>
         </p:nvSpPr>
         <p:spPr>
@@ -3168,7 +3259,7 @@
           </a:prstGeom>
         </p:spPr>
         <p:txBody>
-          <a:bodyPr anchorCtr="0" anchor="ctr" bIns="91425" lIns="91425" spcFirstLastPara="1" rIns="91425" wrap="square" tIns="91425">
+          <a:bodyPr spcFirstLastPara="1" wrap="square" lIns="91425" tIns="91425" rIns="91425" bIns="91425" anchor="ctr" anchorCtr="0">
             <a:normAutofit/>
           </a:bodyPr>
           <a:lstStyle>
@@ -3246,7 +3337,7 @@
             </a:lvl9pPr>
           </a:lstStyle>
           <a:p>
-            <a:pPr indent="0" lvl="0" marL="0" rtl="0" algn="r">
+            <a:pPr marL="0" lvl="0" indent="0" algn="r" rtl="0">
               <a:spcBef>
                 <a:spcPts val="0"/>
               </a:spcBef>
@@ -3272,11 +3363,11 @@
 </file>
 
 <file path=ppt/slideLayouts/slideLayout3.xml><?xml version="1.0" encoding="utf-8"?>
-<p:sldLayout xmlns:a="http://schemas.openxmlformats.org/drawingml/2006/main" xmlns:r="http://schemas.openxmlformats.org/officeDocument/2006/relationships" xmlns:mc="http://schemas.openxmlformats.org/markup-compatibility/2006" xmlns:mv="urn:schemas-microsoft-com:mac:vml" xmlns:p="http://schemas.openxmlformats.org/presentationml/2006/main" xmlns:c="http://schemas.openxmlformats.org/drawingml/2006/chart" xmlns:dgm="http://schemas.openxmlformats.org/drawingml/2006/diagram" xmlns:o="urn:schemas-microsoft-com:office:office" xmlns:v="urn:schemas-microsoft-com:vml" xmlns:pvml="urn:schemas-microsoft-com:office:powerpoint" xmlns:com="http://schemas.openxmlformats.org/drawingml/2006/compatibility" xmlns:p14="http://schemas.microsoft.com/office/powerpoint/2010/main" xmlns:p15="http://schemas.microsoft.com/office/powerpoint/2012/main" xmlns:ahyp="http://schemas.microsoft.com/office/drawing/2018/hyperlinkcolor" matchingName="Title and body" type="tx">
+<p:sldLayout xmlns:a="http://schemas.openxmlformats.org/drawingml/2006/main" xmlns:r="http://schemas.openxmlformats.org/officeDocument/2006/relationships" xmlns:p="http://schemas.openxmlformats.org/presentationml/2006/main" matchingName="Title and body" type="tx">
   <p:cSld name="TITLE_AND_BODY">
     <p:spTree>
       <p:nvGrpSpPr>
-        <p:cNvPr id="19" name="Shape 19"/>
+        <p:cNvPr id="1" name="Shape 19"/>
         <p:cNvGrpSpPr/>
         <p:nvPr/>
       </p:nvGrpSpPr>
@@ -3291,7 +3382,9 @@
       <p:sp>
         <p:nvSpPr>
           <p:cNvPr id="20" name="Google Shape;20;p4"/>
-          <p:cNvSpPr txBox="1"/>
+          <p:cNvSpPr txBox="1">
+            <a:spLocks noGrp="1"/>
+          </p:cNvSpPr>
           <p:nvPr>
             <p:ph type="title"/>
           </p:nvPr>
@@ -3306,7 +3399,7 @@
           </a:prstGeom>
         </p:spPr>
         <p:txBody>
-          <a:bodyPr anchorCtr="0" anchor="t" bIns="91425" lIns="91425" spcFirstLastPara="1" rIns="91425" wrap="square" tIns="91425">
+          <a:bodyPr spcFirstLastPara="1" wrap="square" lIns="91425" tIns="91425" rIns="91425" bIns="91425" anchor="t" anchorCtr="0">
             <a:normAutofit/>
           </a:bodyPr>
           <a:lstStyle>
@@ -3410,15 +3503,19 @@
               <a:defRPr/>
             </a:lvl9pPr>
           </a:lstStyle>
-          <a:p/>
+          <a:p>
+            <a:endParaRPr/>
+          </a:p>
         </p:txBody>
       </p:sp>
       <p:sp>
         <p:nvSpPr>
           <p:cNvPr id="21" name="Google Shape;21;p4"/>
-          <p:cNvSpPr txBox="1"/>
+          <p:cNvSpPr txBox="1">
+            <a:spLocks noGrp="1"/>
+          </p:cNvSpPr>
           <p:nvPr>
-            <p:ph idx="1" type="body"/>
+            <p:ph type="body" idx="1"/>
           </p:nvPr>
         </p:nvSpPr>
         <p:spPr>
@@ -3431,11 +3528,11 @@
           </a:prstGeom>
         </p:spPr>
         <p:txBody>
-          <a:bodyPr anchorCtr="0" anchor="t" bIns="91425" lIns="91425" spcFirstLastPara="1" rIns="91425" wrap="square" tIns="91425">
+          <a:bodyPr spcFirstLastPara="1" wrap="square" lIns="91425" tIns="91425" rIns="91425" bIns="91425" anchor="t" anchorCtr="0">
             <a:normAutofit/>
           </a:bodyPr>
           <a:lstStyle>
-            <a:lvl1pPr indent="-342900" lvl="0" marL="457200">
+            <a:lvl1pPr marL="457200" lvl="0" indent="-342900">
               <a:spcBef>
                 <a:spcPts val="0"/>
               </a:spcBef>
@@ -3446,7 +3543,7 @@
               <a:buChar char="●"/>
               <a:defRPr/>
             </a:lvl1pPr>
-            <a:lvl2pPr indent="-317500" lvl="1" marL="914400">
+            <a:lvl2pPr marL="914400" lvl="1" indent="-317500">
               <a:spcBef>
                 <a:spcPts val="0"/>
               </a:spcBef>
@@ -3457,7 +3554,7 @@
               <a:buChar char="○"/>
               <a:defRPr/>
             </a:lvl2pPr>
-            <a:lvl3pPr indent="-317500" lvl="2" marL="1371600">
+            <a:lvl3pPr marL="1371600" lvl="2" indent="-317500">
               <a:spcBef>
                 <a:spcPts val="0"/>
               </a:spcBef>
@@ -3468,7 +3565,7 @@
               <a:buChar char="■"/>
               <a:defRPr/>
             </a:lvl3pPr>
-            <a:lvl4pPr indent="-317500" lvl="3" marL="1828800">
+            <a:lvl4pPr marL="1828800" lvl="3" indent="-317500">
               <a:spcBef>
                 <a:spcPts val="0"/>
               </a:spcBef>
@@ -3479,7 +3576,7 @@
               <a:buChar char="●"/>
               <a:defRPr/>
             </a:lvl4pPr>
-            <a:lvl5pPr indent="-317500" lvl="4" marL="2286000">
+            <a:lvl5pPr marL="2286000" lvl="4" indent="-317500">
               <a:spcBef>
                 <a:spcPts val="0"/>
               </a:spcBef>
@@ -3490,7 +3587,7 @@
               <a:buChar char="○"/>
               <a:defRPr/>
             </a:lvl5pPr>
-            <a:lvl6pPr indent="-317500" lvl="5" marL="2743200">
+            <a:lvl6pPr marL="2743200" lvl="5" indent="-317500">
               <a:spcBef>
                 <a:spcPts val="0"/>
               </a:spcBef>
@@ -3501,7 +3598,7 @@
               <a:buChar char="■"/>
               <a:defRPr/>
             </a:lvl6pPr>
-            <a:lvl7pPr indent="-317500" lvl="6" marL="3200400">
+            <a:lvl7pPr marL="3200400" lvl="6" indent="-317500">
               <a:spcBef>
                 <a:spcPts val="0"/>
               </a:spcBef>
@@ -3512,7 +3609,7 @@
               <a:buChar char="●"/>
               <a:defRPr/>
             </a:lvl7pPr>
-            <a:lvl8pPr indent="-317500" lvl="7" marL="3657600">
+            <a:lvl8pPr marL="3657600" lvl="7" indent="-317500">
               <a:spcBef>
                 <a:spcPts val="0"/>
               </a:spcBef>
@@ -3523,7 +3620,7 @@
               <a:buChar char="○"/>
               <a:defRPr/>
             </a:lvl8pPr>
-            <a:lvl9pPr indent="-317500" lvl="8" marL="4114800">
+            <a:lvl9pPr marL="4114800" lvl="8" indent="-317500">
               <a:spcBef>
                 <a:spcPts val="0"/>
               </a:spcBef>
@@ -3535,15 +3632,19 @@
               <a:defRPr/>
             </a:lvl9pPr>
           </a:lstStyle>
-          <a:p/>
+          <a:p>
+            <a:endParaRPr/>
+          </a:p>
         </p:txBody>
       </p:sp>
       <p:sp>
         <p:nvSpPr>
           <p:cNvPr id="22" name="Google Shape;22;p4"/>
-          <p:cNvSpPr txBox="1"/>
+          <p:cNvSpPr txBox="1">
+            <a:spLocks noGrp="1"/>
+          </p:cNvSpPr>
           <p:nvPr>
-            <p:ph idx="12" type="sldNum"/>
+            <p:ph type="sldNum" idx="12"/>
           </p:nvPr>
         </p:nvSpPr>
         <p:spPr>
@@ -3556,7 +3657,7 @@
           </a:prstGeom>
         </p:spPr>
         <p:txBody>
-          <a:bodyPr anchorCtr="0" anchor="ctr" bIns="91425" lIns="91425" spcFirstLastPara="1" rIns="91425" wrap="square" tIns="91425">
+          <a:bodyPr spcFirstLastPara="1" wrap="square" lIns="91425" tIns="91425" rIns="91425" bIns="91425" anchor="ctr" anchorCtr="0">
             <a:normAutofit/>
           </a:bodyPr>
           <a:lstStyle>
@@ -3598,7 +3699,7 @@
             </a:lvl9pPr>
           </a:lstStyle>
           <a:p>
-            <a:pPr indent="0" lvl="0" marL="0" rtl="0" algn="r">
+            <a:pPr marL="0" lvl="0" indent="0" algn="r" rtl="0">
               <a:spcBef>
                 <a:spcPts val="0"/>
               </a:spcBef>
@@ -3624,11 +3725,11 @@
 </file>
 
 <file path=ppt/slideLayouts/slideLayout4.xml><?xml version="1.0" encoding="utf-8"?>
-<p:sldLayout xmlns:a="http://schemas.openxmlformats.org/drawingml/2006/main" xmlns:r="http://schemas.openxmlformats.org/officeDocument/2006/relationships" xmlns:mc="http://schemas.openxmlformats.org/markup-compatibility/2006" xmlns:mv="urn:schemas-microsoft-com:mac:vml" xmlns:p="http://schemas.openxmlformats.org/presentationml/2006/main" xmlns:c="http://schemas.openxmlformats.org/drawingml/2006/chart" xmlns:dgm="http://schemas.openxmlformats.org/drawingml/2006/diagram" xmlns:o="urn:schemas-microsoft-com:office:office" xmlns:v="urn:schemas-microsoft-com:vml" xmlns:pvml="urn:schemas-microsoft-com:office:powerpoint" xmlns:com="http://schemas.openxmlformats.org/drawingml/2006/compatibility" xmlns:p14="http://schemas.microsoft.com/office/powerpoint/2010/main" xmlns:p15="http://schemas.microsoft.com/office/powerpoint/2012/main" xmlns:ahyp="http://schemas.microsoft.com/office/drawing/2018/hyperlinkcolor" matchingName="Title and two columns" type="twoColTx">
+<p:sldLayout xmlns:a="http://schemas.openxmlformats.org/drawingml/2006/main" xmlns:r="http://schemas.openxmlformats.org/officeDocument/2006/relationships" xmlns:p="http://schemas.openxmlformats.org/presentationml/2006/main" matchingName="Title and two columns" type="twoColTx">
   <p:cSld name="TITLE_AND_TWO_COLUMNS">
     <p:spTree>
       <p:nvGrpSpPr>
-        <p:cNvPr id="23" name="Shape 23"/>
+        <p:cNvPr id="1" name="Shape 23"/>
         <p:cNvGrpSpPr/>
         <p:nvPr/>
       </p:nvGrpSpPr>
@@ -3643,7 +3744,9 @@
       <p:sp>
         <p:nvSpPr>
           <p:cNvPr id="24" name="Google Shape;24;p5"/>
-          <p:cNvSpPr txBox="1"/>
+          <p:cNvSpPr txBox="1">
+            <a:spLocks noGrp="1"/>
+          </p:cNvSpPr>
           <p:nvPr>
             <p:ph type="title"/>
           </p:nvPr>
@@ -3658,7 +3761,7 @@
           </a:prstGeom>
         </p:spPr>
         <p:txBody>
-          <a:bodyPr anchorCtr="0" anchor="t" bIns="91425" lIns="91425" spcFirstLastPara="1" rIns="91425" wrap="square" tIns="91425">
+          <a:bodyPr spcFirstLastPara="1" wrap="square" lIns="91425" tIns="91425" rIns="91425" bIns="91425" anchor="t" anchorCtr="0">
             <a:normAutofit/>
           </a:bodyPr>
           <a:lstStyle>
@@ -3762,15 +3865,19 @@
               <a:defRPr/>
             </a:lvl9pPr>
           </a:lstStyle>
-          <a:p/>
+          <a:p>
+            <a:endParaRPr/>
+          </a:p>
         </p:txBody>
       </p:sp>
       <p:sp>
         <p:nvSpPr>
           <p:cNvPr id="25" name="Google Shape;25;p5"/>
-          <p:cNvSpPr txBox="1"/>
+          <p:cNvSpPr txBox="1">
+            <a:spLocks noGrp="1"/>
+          </p:cNvSpPr>
           <p:nvPr>
-            <p:ph idx="1" type="body"/>
+            <p:ph type="body" idx="1"/>
           </p:nvPr>
         </p:nvSpPr>
         <p:spPr>
@@ -3783,11 +3890,11 @@
           </a:prstGeom>
         </p:spPr>
         <p:txBody>
-          <a:bodyPr anchorCtr="0" anchor="t" bIns="91425" lIns="91425" spcFirstLastPara="1" rIns="91425" wrap="square" tIns="91425">
+          <a:bodyPr spcFirstLastPara="1" wrap="square" lIns="91425" tIns="91425" rIns="91425" bIns="91425" anchor="t" anchorCtr="0">
             <a:normAutofit/>
           </a:bodyPr>
           <a:lstStyle>
-            <a:lvl1pPr indent="-317500" lvl="0" marL="457200">
+            <a:lvl1pPr marL="457200" lvl="0" indent="-317500">
               <a:spcBef>
                 <a:spcPts val="0"/>
               </a:spcBef>
@@ -3798,7 +3905,7 @@
               <a:buChar char="●"/>
               <a:defRPr sz="1400"/>
             </a:lvl1pPr>
-            <a:lvl2pPr indent="-304800" lvl="1" marL="914400">
+            <a:lvl2pPr marL="914400" lvl="1" indent="-304800">
               <a:spcBef>
                 <a:spcPts val="0"/>
               </a:spcBef>
@@ -3809,7 +3916,7 @@
               <a:buChar char="○"/>
               <a:defRPr sz="1200"/>
             </a:lvl2pPr>
-            <a:lvl3pPr indent="-304800" lvl="2" marL="1371600">
+            <a:lvl3pPr marL="1371600" lvl="2" indent="-304800">
               <a:spcBef>
                 <a:spcPts val="0"/>
               </a:spcBef>
@@ -3820,7 +3927,7 @@
               <a:buChar char="■"/>
               <a:defRPr sz="1200"/>
             </a:lvl3pPr>
-            <a:lvl4pPr indent="-304800" lvl="3" marL="1828800">
+            <a:lvl4pPr marL="1828800" lvl="3" indent="-304800">
               <a:spcBef>
                 <a:spcPts val="0"/>
               </a:spcBef>
@@ -3831,7 +3938,7 @@
               <a:buChar char="●"/>
               <a:defRPr sz="1200"/>
             </a:lvl4pPr>
-            <a:lvl5pPr indent="-304800" lvl="4" marL="2286000">
+            <a:lvl5pPr marL="2286000" lvl="4" indent="-304800">
               <a:spcBef>
                 <a:spcPts val="0"/>
               </a:spcBef>
@@ -3842,7 +3949,7 @@
               <a:buChar char="○"/>
               <a:defRPr sz="1200"/>
             </a:lvl5pPr>
-            <a:lvl6pPr indent="-304800" lvl="5" marL="2743200">
+            <a:lvl6pPr marL="2743200" lvl="5" indent="-304800">
               <a:spcBef>
                 <a:spcPts val="0"/>
               </a:spcBef>
@@ -3853,7 +3960,7 @@
               <a:buChar char="■"/>
               <a:defRPr sz="1200"/>
             </a:lvl6pPr>
-            <a:lvl7pPr indent="-304800" lvl="6" marL="3200400">
+            <a:lvl7pPr marL="3200400" lvl="6" indent="-304800">
               <a:spcBef>
                 <a:spcPts val="0"/>
               </a:spcBef>
@@ -3864,7 +3971,7 @@
               <a:buChar char="●"/>
               <a:defRPr sz="1200"/>
             </a:lvl7pPr>
-            <a:lvl8pPr indent="-304800" lvl="7" marL="3657600">
+            <a:lvl8pPr marL="3657600" lvl="7" indent="-304800">
               <a:spcBef>
                 <a:spcPts val="0"/>
               </a:spcBef>
@@ -3875,7 +3982,7 @@
               <a:buChar char="○"/>
               <a:defRPr sz="1200"/>
             </a:lvl8pPr>
-            <a:lvl9pPr indent="-304800" lvl="8" marL="4114800">
+            <a:lvl9pPr marL="4114800" lvl="8" indent="-304800">
               <a:spcBef>
                 <a:spcPts val="0"/>
               </a:spcBef>
@@ -3887,15 +3994,19 @@
               <a:defRPr sz="1200"/>
             </a:lvl9pPr>
           </a:lstStyle>
-          <a:p/>
+          <a:p>
+            <a:endParaRPr/>
+          </a:p>
         </p:txBody>
       </p:sp>
       <p:sp>
         <p:nvSpPr>
           <p:cNvPr id="26" name="Google Shape;26;p5"/>
-          <p:cNvSpPr txBox="1"/>
+          <p:cNvSpPr txBox="1">
+            <a:spLocks noGrp="1"/>
+          </p:cNvSpPr>
           <p:nvPr>
-            <p:ph idx="2" type="body"/>
+            <p:ph type="body" idx="2"/>
           </p:nvPr>
         </p:nvSpPr>
         <p:spPr>
@@ -3908,11 +4019,11 @@
           </a:prstGeom>
         </p:spPr>
         <p:txBody>
-          <a:bodyPr anchorCtr="0" anchor="t" bIns="91425" lIns="91425" spcFirstLastPara="1" rIns="91425" wrap="square" tIns="91425">
+          <a:bodyPr spcFirstLastPara="1" wrap="square" lIns="91425" tIns="91425" rIns="91425" bIns="91425" anchor="t" anchorCtr="0">
             <a:normAutofit/>
           </a:bodyPr>
           <a:lstStyle>
-            <a:lvl1pPr indent="-317500" lvl="0" marL="457200">
+            <a:lvl1pPr marL="457200" lvl="0" indent="-317500">
               <a:spcBef>
                 <a:spcPts val="0"/>
               </a:spcBef>
@@ -3923,7 +4034,7 @@
               <a:buChar char="●"/>
               <a:defRPr sz="1400"/>
             </a:lvl1pPr>
-            <a:lvl2pPr indent="-304800" lvl="1" marL="914400">
+            <a:lvl2pPr marL="914400" lvl="1" indent="-304800">
               <a:spcBef>
                 <a:spcPts val="0"/>
               </a:spcBef>
@@ -3934,7 +4045,7 @@
               <a:buChar char="○"/>
               <a:defRPr sz="1200"/>
             </a:lvl2pPr>
-            <a:lvl3pPr indent="-304800" lvl="2" marL="1371600">
+            <a:lvl3pPr marL="1371600" lvl="2" indent="-304800">
               <a:spcBef>
                 <a:spcPts val="0"/>
               </a:spcBef>
@@ -3945,7 +4056,7 @@
               <a:buChar char="■"/>
               <a:defRPr sz="1200"/>
             </a:lvl3pPr>
-            <a:lvl4pPr indent="-304800" lvl="3" marL="1828800">
+            <a:lvl4pPr marL="1828800" lvl="3" indent="-304800">
               <a:spcBef>
                 <a:spcPts val="0"/>
               </a:spcBef>
@@ -3956,7 +4067,7 @@
               <a:buChar char="●"/>
               <a:defRPr sz="1200"/>
             </a:lvl4pPr>
-            <a:lvl5pPr indent="-304800" lvl="4" marL="2286000">
+            <a:lvl5pPr marL="2286000" lvl="4" indent="-304800">
               <a:spcBef>
                 <a:spcPts val="0"/>
               </a:spcBef>
@@ -3967,7 +4078,7 @@
               <a:buChar char="○"/>
               <a:defRPr sz="1200"/>
             </a:lvl5pPr>
-            <a:lvl6pPr indent="-304800" lvl="5" marL="2743200">
+            <a:lvl6pPr marL="2743200" lvl="5" indent="-304800">
               <a:spcBef>
                 <a:spcPts val="0"/>
               </a:spcBef>
@@ -3978,7 +4089,7 @@
               <a:buChar char="■"/>
               <a:defRPr sz="1200"/>
             </a:lvl6pPr>
-            <a:lvl7pPr indent="-304800" lvl="6" marL="3200400">
+            <a:lvl7pPr marL="3200400" lvl="6" indent="-304800">
               <a:spcBef>
                 <a:spcPts val="0"/>
               </a:spcBef>
@@ -3989,7 +4100,7 @@
               <a:buChar char="●"/>
               <a:defRPr sz="1200"/>
             </a:lvl7pPr>
-            <a:lvl8pPr indent="-304800" lvl="7" marL="3657600">
+            <a:lvl8pPr marL="3657600" lvl="7" indent="-304800">
               <a:spcBef>
                 <a:spcPts val="0"/>
               </a:spcBef>
@@ -4000,7 +4111,7 @@
               <a:buChar char="○"/>
               <a:defRPr sz="1200"/>
             </a:lvl8pPr>
-            <a:lvl9pPr indent="-304800" lvl="8" marL="4114800">
+            <a:lvl9pPr marL="4114800" lvl="8" indent="-304800">
               <a:spcBef>
                 <a:spcPts val="0"/>
               </a:spcBef>
@@ -4012,15 +4123,19 @@
               <a:defRPr sz="1200"/>
             </a:lvl9pPr>
           </a:lstStyle>
-          <a:p/>
+          <a:p>
+            <a:endParaRPr/>
+          </a:p>
         </p:txBody>
       </p:sp>
       <p:sp>
         <p:nvSpPr>
           <p:cNvPr id="27" name="Google Shape;27;p5"/>
-          <p:cNvSpPr txBox="1"/>
+          <p:cNvSpPr txBox="1">
+            <a:spLocks noGrp="1"/>
+          </p:cNvSpPr>
           <p:nvPr>
-            <p:ph idx="12" type="sldNum"/>
+            <p:ph type="sldNum" idx="12"/>
           </p:nvPr>
         </p:nvSpPr>
         <p:spPr>
@@ -4033,7 +4148,7 @@
           </a:prstGeom>
         </p:spPr>
         <p:txBody>
-          <a:bodyPr anchorCtr="0" anchor="ctr" bIns="91425" lIns="91425" spcFirstLastPara="1" rIns="91425" wrap="square" tIns="91425">
+          <a:bodyPr spcFirstLastPara="1" wrap="square" lIns="91425" tIns="91425" rIns="91425" bIns="91425" anchor="ctr" anchorCtr="0">
             <a:normAutofit/>
           </a:bodyPr>
           <a:lstStyle>
@@ -4075,7 +4190,7 @@
             </a:lvl9pPr>
           </a:lstStyle>
           <a:p>
-            <a:pPr indent="0" lvl="0" marL="0" rtl="0" algn="r">
+            <a:pPr marL="0" lvl="0" indent="0" algn="r" rtl="0">
               <a:spcBef>
                 <a:spcPts val="0"/>
               </a:spcBef>
@@ -4101,11 +4216,11 @@
 </file>
 
 <file path=ppt/slideLayouts/slideLayout5.xml><?xml version="1.0" encoding="utf-8"?>
-<p:sldLayout xmlns:a="http://schemas.openxmlformats.org/drawingml/2006/main" xmlns:r="http://schemas.openxmlformats.org/officeDocument/2006/relationships" xmlns:mc="http://schemas.openxmlformats.org/markup-compatibility/2006" xmlns:mv="urn:schemas-microsoft-com:mac:vml" xmlns:p="http://schemas.openxmlformats.org/presentationml/2006/main" xmlns:c="http://schemas.openxmlformats.org/drawingml/2006/chart" xmlns:dgm="http://schemas.openxmlformats.org/drawingml/2006/diagram" xmlns:o="urn:schemas-microsoft-com:office:office" xmlns:v="urn:schemas-microsoft-com:vml" xmlns:pvml="urn:schemas-microsoft-com:office:powerpoint" xmlns:com="http://schemas.openxmlformats.org/drawingml/2006/compatibility" xmlns:p14="http://schemas.microsoft.com/office/powerpoint/2010/main" xmlns:p15="http://schemas.microsoft.com/office/powerpoint/2012/main" xmlns:ahyp="http://schemas.microsoft.com/office/drawing/2018/hyperlinkcolor" matchingName="Title only" type="titleOnly">
+<p:sldLayout xmlns:a="http://schemas.openxmlformats.org/drawingml/2006/main" xmlns:r="http://schemas.openxmlformats.org/officeDocument/2006/relationships" xmlns:p="http://schemas.openxmlformats.org/presentationml/2006/main" matchingName="Title only" type="titleOnly">
   <p:cSld name="TITLE_ONLY">
     <p:spTree>
       <p:nvGrpSpPr>
-        <p:cNvPr id="28" name="Shape 28"/>
+        <p:cNvPr id="1" name="Shape 28"/>
         <p:cNvGrpSpPr/>
         <p:nvPr/>
       </p:nvGrpSpPr>
@@ -4120,7 +4235,9 @@
       <p:sp>
         <p:nvSpPr>
           <p:cNvPr id="29" name="Google Shape;29;p6"/>
-          <p:cNvSpPr txBox="1"/>
+          <p:cNvSpPr txBox="1">
+            <a:spLocks noGrp="1"/>
+          </p:cNvSpPr>
           <p:nvPr>
             <p:ph type="title"/>
           </p:nvPr>
@@ -4135,7 +4252,7 @@
           </a:prstGeom>
         </p:spPr>
         <p:txBody>
-          <a:bodyPr anchorCtr="0" anchor="t" bIns="91425" lIns="91425" spcFirstLastPara="1" rIns="91425" wrap="square" tIns="91425">
+          <a:bodyPr spcFirstLastPara="1" wrap="square" lIns="91425" tIns="91425" rIns="91425" bIns="91425" anchor="t" anchorCtr="0">
             <a:normAutofit/>
           </a:bodyPr>
           <a:lstStyle>
@@ -4239,15 +4356,19 @@
               <a:defRPr/>
             </a:lvl9pPr>
           </a:lstStyle>
-          <a:p/>
+          <a:p>
+            <a:endParaRPr/>
+          </a:p>
         </p:txBody>
       </p:sp>
       <p:sp>
         <p:nvSpPr>
           <p:cNvPr id="30" name="Google Shape;30;p6"/>
-          <p:cNvSpPr txBox="1"/>
+          <p:cNvSpPr txBox="1">
+            <a:spLocks noGrp="1"/>
+          </p:cNvSpPr>
           <p:nvPr>
-            <p:ph idx="12" type="sldNum"/>
+            <p:ph type="sldNum" idx="12"/>
           </p:nvPr>
         </p:nvSpPr>
         <p:spPr>
@@ -4260,7 +4381,7 @@
           </a:prstGeom>
         </p:spPr>
         <p:txBody>
-          <a:bodyPr anchorCtr="0" anchor="ctr" bIns="91425" lIns="91425" spcFirstLastPara="1" rIns="91425" wrap="square" tIns="91425">
+          <a:bodyPr spcFirstLastPara="1" wrap="square" lIns="91425" tIns="91425" rIns="91425" bIns="91425" anchor="ctr" anchorCtr="0">
             <a:normAutofit/>
           </a:bodyPr>
           <a:lstStyle>
@@ -4302,7 +4423,7 @@
             </a:lvl9pPr>
           </a:lstStyle>
           <a:p>
-            <a:pPr indent="0" lvl="0" marL="0" rtl="0" algn="r">
+            <a:pPr marL="0" lvl="0" indent="0" algn="r" rtl="0">
               <a:spcBef>
                 <a:spcPts val="0"/>
               </a:spcBef>
@@ -4328,11 +4449,11 @@
 </file>
 
 <file path=ppt/slideLayouts/slideLayout6.xml><?xml version="1.0" encoding="utf-8"?>
-<p:sldLayout xmlns:a="http://schemas.openxmlformats.org/drawingml/2006/main" xmlns:r="http://schemas.openxmlformats.org/officeDocument/2006/relationships" xmlns:mc="http://schemas.openxmlformats.org/markup-compatibility/2006" xmlns:mv="urn:schemas-microsoft-com:mac:vml" xmlns:p="http://schemas.openxmlformats.org/presentationml/2006/main" xmlns:c="http://schemas.openxmlformats.org/drawingml/2006/chart" xmlns:dgm="http://schemas.openxmlformats.org/drawingml/2006/diagram" xmlns:o="urn:schemas-microsoft-com:office:office" xmlns:v="urn:schemas-microsoft-com:vml" xmlns:pvml="urn:schemas-microsoft-com:office:powerpoint" xmlns:com="http://schemas.openxmlformats.org/drawingml/2006/compatibility" xmlns:p14="http://schemas.microsoft.com/office/powerpoint/2010/main" xmlns:p15="http://schemas.microsoft.com/office/powerpoint/2012/main" xmlns:ahyp="http://schemas.microsoft.com/office/drawing/2018/hyperlinkcolor" matchingName="One column text">
+<p:sldLayout xmlns:a="http://schemas.openxmlformats.org/drawingml/2006/main" xmlns:r="http://schemas.openxmlformats.org/officeDocument/2006/relationships" xmlns:p="http://schemas.openxmlformats.org/presentationml/2006/main" matchingName="One column text">
   <p:cSld name="ONE_COLUMN_TEXT">
     <p:spTree>
       <p:nvGrpSpPr>
-        <p:cNvPr id="31" name="Shape 31"/>
+        <p:cNvPr id="1" name="Shape 31"/>
         <p:cNvGrpSpPr/>
         <p:nvPr/>
       </p:nvGrpSpPr>
@@ -4347,7 +4468,9 @@
       <p:sp>
         <p:nvSpPr>
           <p:cNvPr id="32" name="Google Shape;32;p7"/>
-          <p:cNvSpPr txBox="1"/>
+          <p:cNvSpPr txBox="1">
+            <a:spLocks noGrp="1"/>
+          </p:cNvSpPr>
           <p:nvPr>
             <p:ph type="title"/>
           </p:nvPr>
@@ -4362,7 +4485,7 @@
           </a:prstGeom>
         </p:spPr>
         <p:txBody>
-          <a:bodyPr anchorCtr="0" anchor="b" bIns="91425" lIns="91425" spcFirstLastPara="1" rIns="91425" wrap="square" tIns="91425">
+          <a:bodyPr spcFirstLastPara="1" wrap="square" lIns="91425" tIns="91425" rIns="91425" bIns="91425" anchor="b" anchorCtr="0">
             <a:normAutofit/>
           </a:bodyPr>
           <a:lstStyle>
@@ -4466,15 +4589,19 @@
               <a:defRPr sz="2400"/>
             </a:lvl9pPr>
           </a:lstStyle>
-          <a:p/>
+          <a:p>
+            <a:endParaRPr/>
+          </a:p>
         </p:txBody>
       </p:sp>
       <p:sp>
         <p:nvSpPr>
           <p:cNvPr id="33" name="Google Shape;33;p7"/>
-          <p:cNvSpPr txBox="1"/>
+          <p:cNvSpPr txBox="1">
+            <a:spLocks noGrp="1"/>
+          </p:cNvSpPr>
           <p:nvPr>
-            <p:ph idx="1" type="body"/>
+            <p:ph type="body" idx="1"/>
           </p:nvPr>
         </p:nvSpPr>
         <p:spPr>
@@ -4487,11 +4614,11 @@
           </a:prstGeom>
         </p:spPr>
         <p:txBody>
-          <a:bodyPr anchorCtr="0" anchor="t" bIns="91425" lIns="91425" spcFirstLastPara="1" rIns="91425" wrap="square" tIns="91425">
+          <a:bodyPr spcFirstLastPara="1" wrap="square" lIns="91425" tIns="91425" rIns="91425" bIns="91425" anchor="t" anchorCtr="0">
             <a:normAutofit/>
           </a:bodyPr>
           <a:lstStyle>
-            <a:lvl1pPr indent="-304800" lvl="0" marL="457200">
+            <a:lvl1pPr marL="457200" lvl="0" indent="-304800">
               <a:spcBef>
                 <a:spcPts val="0"/>
               </a:spcBef>
@@ -4502,7 +4629,7 @@
               <a:buChar char="●"/>
               <a:defRPr sz="1200"/>
             </a:lvl1pPr>
-            <a:lvl2pPr indent="-304800" lvl="1" marL="914400">
+            <a:lvl2pPr marL="914400" lvl="1" indent="-304800">
               <a:spcBef>
                 <a:spcPts val="0"/>
               </a:spcBef>
@@ -4513,7 +4640,7 @@
               <a:buChar char="○"/>
               <a:defRPr sz="1200"/>
             </a:lvl2pPr>
-            <a:lvl3pPr indent="-304800" lvl="2" marL="1371600">
+            <a:lvl3pPr marL="1371600" lvl="2" indent="-304800">
               <a:spcBef>
                 <a:spcPts val="0"/>
               </a:spcBef>
@@ -4524,7 +4651,7 @@
               <a:buChar char="■"/>
               <a:defRPr sz="1200"/>
             </a:lvl3pPr>
-            <a:lvl4pPr indent="-304800" lvl="3" marL="1828800">
+            <a:lvl4pPr marL="1828800" lvl="3" indent="-304800">
               <a:spcBef>
                 <a:spcPts val="0"/>
               </a:spcBef>
@@ -4535,7 +4662,7 @@
               <a:buChar char="●"/>
               <a:defRPr sz="1200"/>
             </a:lvl4pPr>
-            <a:lvl5pPr indent="-304800" lvl="4" marL="2286000">
+            <a:lvl5pPr marL="2286000" lvl="4" indent="-304800">
               <a:spcBef>
                 <a:spcPts val="0"/>
               </a:spcBef>
@@ -4546,7 +4673,7 @@
               <a:buChar char="○"/>
               <a:defRPr sz="1200"/>
             </a:lvl5pPr>
-            <a:lvl6pPr indent="-304800" lvl="5" marL="2743200">
+            <a:lvl6pPr marL="2743200" lvl="5" indent="-304800">
               <a:spcBef>
                 <a:spcPts val="0"/>
               </a:spcBef>
@@ -4557,7 +4684,7 @@
               <a:buChar char="■"/>
               <a:defRPr sz="1200"/>
             </a:lvl6pPr>
-            <a:lvl7pPr indent="-304800" lvl="6" marL="3200400">
+            <a:lvl7pPr marL="3200400" lvl="6" indent="-304800">
               <a:spcBef>
                 <a:spcPts val="0"/>
               </a:spcBef>
@@ -4568,7 +4695,7 @@
               <a:buChar char="●"/>
               <a:defRPr sz="1200"/>
             </a:lvl7pPr>
-            <a:lvl8pPr indent="-304800" lvl="7" marL="3657600">
+            <a:lvl8pPr marL="3657600" lvl="7" indent="-304800">
               <a:spcBef>
                 <a:spcPts val="0"/>
               </a:spcBef>
@@ -4579,7 +4706,7 @@
               <a:buChar char="○"/>
               <a:defRPr sz="1200"/>
             </a:lvl8pPr>
-            <a:lvl9pPr indent="-304800" lvl="8" marL="4114800">
+            <a:lvl9pPr marL="4114800" lvl="8" indent="-304800">
               <a:spcBef>
                 <a:spcPts val="0"/>
               </a:spcBef>
@@ -4591,15 +4718,19 @@
               <a:defRPr sz="1200"/>
             </a:lvl9pPr>
           </a:lstStyle>
-          <a:p/>
+          <a:p>
+            <a:endParaRPr/>
+          </a:p>
         </p:txBody>
       </p:sp>
       <p:sp>
         <p:nvSpPr>
           <p:cNvPr id="34" name="Google Shape;34;p7"/>
-          <p:cNvSpPr txBox="1"/>
+          <p:cNvSpPr txBox="1">
+            <a:spLocks noGrp="1"/>
+          </p:cNvSpPr>
           <p:nvPr>
-            <p:ph idx="12" type="sldNum"/>
+            <p:ph type="sldNum" idx="12"/>
           </p:nvPr>
         </p:nvSpPr>
         <p:spPr>
@@ -4612,7 +4743,7 @@
           </a:prstGeom>
         </p:spPr>
         <p:txBody>
-          <a:bodyPr anchorCtr="0" anchor="ctr" bIns="91425" lIns="91425" spcFirstLastPara="1" rIns="91425" wrap="square" tIns="91425">
+          <a:bodyPr spcFirstLastPara="1" wrap="square" lIns="91425" tIns="91425" rIns="91425" bIns="91425" anchor="ctr" anchorCtr="0">
             <a:normAutofit/>
           </a:bodyPr>
           <a:lstStyle>
@@ -4654,7 +4785,7 @@
             </a:lvl9pPr>
           </a:lstStyle>
           <a:p>
-            <a:pPr indent="0" lvl="0" marL="0" rtl="0" algn="r">
+            <a:pPr marL="0" lvl="0" indent="0" algn="r" rtl="0">
               <a:spcBef>
                 <a:spcPts val="0"/>
               </a:spcBef>
@@ -4680,18 +4811,19 @@
 </file>
 
 <file path=ppt/slideLayouts/slideLayout7.xml><?xml version="1.0" encoding="utf-8"?>
-<p:sldLayout xmlns:a="http://schemas.openxmlformats.org/drawingml/2006/main" xmlns:r="http://schemas.openxmlformats.org/officeDocument/2006/relationships" xmlns:mc="http://schemas.openxmlformats.org/markup-compatibility/2006" xmlns:mv="urn:schemas-microsoft-com:mac:vml" xmlns:p="http://schemas.openxmlformats.org/presentationml/2006/main" xmlns:c="http://schemas.openxmlformats.org/drawingml/2006/chart" xmlns:dgm="http://schemas.openxmlformats.org/drawingml/2006/diagram" xmlns:o="urn:schemas-microsoft-com:office:office" xmlns:v="urn:schemas-microsoft-com:vml" xmlns:pvml="urn:schemas-microsoft-com:office:powerpoint" xmlns:com="http://schemas.openxmlformats.org/drawingml/2006/compatibility" xmlns:p14="http://schemas.microsoft.com/office/powerpoint/2010/main" xmlns:p15="http://schemas.microsoft.com/office/powerpoint/2012/main" xmlns:ahyp="http://schemas.microsoft.com/office/drawing/2018/hyperlinkcolor" matchingName="Main point">
+<p:sldLayout xmlns:a="http://schemas.openxmlformats.org/drawingml/2006/main" xmlns:r="http://schemas.openxmlformats.org/officeDocument/2006/relationships" xmlns:p="http://schemas.openxmlformats.org/presentationml/2006/main" matchingName="Main point">
   <p:cSld name="MAIN_POINT">
     <p:bg>
       <p:bgPr>
         <a:solidFill>
           <a:schemeClr val="accent3"/>
         </a:solidFill>
+        <a:effectLst/>
       </p:bgPr>
     </p:bg>
     <p:spTree>
       <p:nvGrpSpPr>
-        <p:cNvPr id="35" name="Shape 35"/>
+        <p:cNvPr id="1" name="Shape 35"/>
         <p:cNvGrpSpPr/>
         <p:nvPr/>
       </p:nvGrpSpPr>
@@ -4706,7 +4838,9 @@
       <p:sp>
         <p:nvSpPr>
           <p:cNvPr id="36" name="Google Shape;36;p8"/>
-          <p:cNvSpPr txBox="1"/>
+          <p:cNvSpPr txBox="1">
+            <a:spLocks noGrp="1"/>
+          </p:cNvSpPr>
           <p:nvPr>
             <p:ph type="title"/>
           </p:nvPr>
@@ -4721,7 +4855,7 @@
           </a:prstGeom>
         </p:spPr>
         <p:txBody>
-          <a:bodyPr anchorCtr="0" anchor="ctr" bIns="91425" lIns="91425" spcFirstLastPara="1" rIns="91425" wrap="square" tIns="91425">
+          <a:bodyPr spcFirstLastPara="1" wrap="square" lIns="91425" tIns="91425" rIns="91425" bIns="91425" anchor="ctr" anchorCtr="0">
             <a:normAutofit/>
           </a:bodyPr>
           <a:lstStyle>
@@ -4933,15 +5067,19 @@
               </a:defRPr>
             </a:lvl9pPr>
           </a:lstStyle>
-          <a:p/>
+          <a:p>
+            <a:endParaRPr/>
+          </a:p>
         </p:txBody>
       </p:sp>
       <p:sp>
         <p:nvSpPr>
           <p:cNvPr id="37" name="Google Shape;37;p8"/>
-          <p:cNvSpPr txBox="1"/>
+          <p:cNvSpPr txBox="1">
+            <a:spLocks noGrp="1"/>
+          </p:cNvSpPr>
           <p:nvPr>
-            <p:ph idx="12" type="sldNum"/>
+            <p:ph type="sldNum" idx="12"/>
           </p:nvPr>
         </p:nvSpPr>
         <p:spPr>
@@ -4954,7 +5092,7 @@
           </a:prstGeom>
         </p:spPr>
         <p:txBody>
-          <a:bodyPr anchorCtr="0" anchor="ctr" bIns="91425" lIns="91425" spcFirstLastPara="1" rIns="91425" wrap="square" tIns="91425">
+          <a:bodyPr spcFirstLastPara="1" wrap="square" lIns="91425" tIns="91425" rIns="91425" bIns="91425" anchor="ctr" anchorCtr="0">
             <a:normAutofit/>
           </a:bodyPr>
           <a:lstStyle>
@@ -5032,7 +5170,7 @@
             </a:lvl9pPr>
           </a:lstStyle>
           <a:p>
-            <a:pPr indent="0" lvl="0" marL="0" rtl="0" algn="r">
+            <a:pPr marL="0" lvl="0" indent="0" algn="r" rtl="0">
               <a:spcBef>
                 <a:spcPts val="0"/>
               </a:spcBef>
@@ -5058,11 +5196,11 @@
 </file>
 
 <file path=ppt/slideLayouts/slideLayout8.xml><?xml version="1.0" encoding="utf-8"?>
-<p:sldLayout xmlns:a="http://schemas.openxmlformats.org/drawingml/2006/main" xmlns:r="http://schemas.openxmlformats.org/officeDocument/2006/relationships" xmlns:mc="http://schemas.openxmlformats.org/markup-compatibility/2006" xmlns:mv="urn:schemas-microsoft-com:mac:vml" xmlns:p="http://schemas.openxmlformats.org/presentationml/2006/main" xmlns:c="http://schemas.openxmlformats.org/drawingml/2006/chart" xmlns:dgm="http://schemas.openxmlformats.org/drawingml/2006/diagram" xmlns:o="urn:schemas-microsoft-com:office:office" xmlns:v="urn:schemas-microsoft-com:vml" xmlns:pvml="urn:schemas-microsoft-com:office:powerpoint" xmlns:com="http://schemas.openxmlformats.org/drawingml/2006/compatibility" xmlns:p14="http://schemas.microsoft.com/office/powerpoint/2010/main" xmlns:p15="http://schemas.microsoft.com/office/powerpoint/2012/main" xmlns:ahyp="http://schemas.microsoft.com/office/drawing/2018/hyperlinkcolor" matchingName="Section title and description">
+<p:sldLayout xmlns:a="http://schemas.openxmlformats.org/drawingml/2006/main" xmlns:r="http://schemas.openxmlformats.org/officeDocument/2006/relationships" xmlns:p="http://schemas.openxmlformats.org/presentationml/2006/main" matchingName="Section title and description">
   <p:cSld name="SECTION_TITLE_AND_DESCRIPTION">
     <p:spTree>
       <p:nvGrpSpPr>
-        <p:cNvPr id="38" name="Shape 38"/>
+        <p:cNvPr id="1" name="Shape 38"/>
         <p:cNvGrpSpPr/>
         <p:nvPr/>
       </p:nvGrpSpPr>
@@ -5096,12 +5234,12 @@
           </a:ln>
         </p:spPr>
         <p:txBody>
-          <a:bodyPr anchorCtr="0" anchor="ctr" bIns="91425" lIns="91425" spcFirstLastPara="1" rIns="91425" wrap="square" tIns="91425">
+          <a:bodyPr spcFirstLastPara="1" wrap="square" lIns="91425" tIns="91425" rIns="91425" bIns="91425" anchor="ctr" anchorCtr="0">
             <a:noAutofit/>
           </a:bodyPr>
           <a:lstStyle/>
           <a:p>
-            <a:pPr indent="0" lvl="0" marL="0" rtl="0" algn="l">
+            <a:pPr marL="0" lvl="0" indent="0" algn="l" rtl="0">
               <a:spcBef>
                 <a:spcPts val="0"/>
               </a:spcBef>
@@ -5110,9 +5248,6 @@
               </a:spcAft>
               <a:buNone/>
             </a:pPr>
-            <a:r>
-              <a:t/>
-            </a:r>
             <a:endParaRPr/>
           </a:p>
         </p:txBody>
@@ -5132,21 +5267,23 @@
             <a:avLst/>
           </a:prstGeom>
           <a:noFill/>
-          <a:ln cap="flat" cmpd="sng" w="19050">
+          <a:ln w="19050" cap="flat" cmpd="sng">
             <a:solidFill>
               <a:schemeClr val="dk2"/>
             </a:solidFill>
             <a:prstDash val="solid"/>
             <a:round/>
-            <a:headEnd len="sm" w="sm" type="none"/>
-            <a:tailEnd len="sm" w="sm" type="none"/>
+            <a:headEnd type="none" w="sm" len="sm"/>
+            <a:tailEnd type="none" w="sm" len="sm"/>
           </a:ln>
         </p:spPr>
       </p:cxnSp>
       <p:sp>
         <p:nvSpPr>
           <p:cNvPr id="41" name="Google Shape;41;p9"/>
-          <p:cNvSpPr txBox="1"/>
+          <p:cNvSpPr txBox="1">
+            <a:spLocks noGrp="1"/>
+          </p:cNvSpPr>
           <p:nvPr>
             <p:ph type="title"/>
           </p:nvPr>
@@ -5161,7 +5298,7 @@
           </a:prstGeom>
         </p:spPr>
         <p:txBody>
-          <a:bodyPr anchorCtr="0" anchor="b" bIns="91425" lIns="91425" spcFirstLastPara="1" rIns="91425" wrap="square" tIns="91425">
+          <a:bodyPr spcFirstLastPara="1" wrap="square" lIns="91425" tIns="91425" rIns="91425" bIns="91425" anchor="b" anchorCtr="0">
             <a:normAutofit/>
           </a:bodyPr>
           <a:lstStyle>
@@ -5265,15 +5402,19 @@
               <a:defRPr sz="4200"/>
             </a:lvl9pPr>
           </a:lstStyle>
-          <a:p/>
+          <a:p>
+            <a:endParaRPr/>
+          </a:p>
         </p:txBody>
       </p:sp>
       <p:sp>
         <p:nvSpPr>
           <p:cNvPr id="42" name="Google Shape;42;p9"/>
-          <p:cNvSpPr txBox="1"/>
+          <p:cNvSpPr txBox="1">
+            <a:spLocks noGrp="1"/>
+          </p:cNvSpPr>
           <p:nvPr>
-            <p:ph idx="1" type="subTitle"/>
+            <p:ph type="subTitle" idx="1"/>
           </p:nvPr>
         </p:nvSpPr>
         <p:spPr>
@@ -5286,7 +5427,7 @@
           </a:prstGeom>
         </p:spPr>
         <p:txBody>
-          <a:bodyPr anchorCtr="0" anchor="t" bIns="91425" lIns="91425" spcFirstLastPara="1" rIns="91425" wrap="square" tIns="91425">
+          <a:bodyPr spcFirstLastPara="1" wrap="square" lIns="91425" tIns="91425" rIns="91425" bIns="91425" anchor="t" anchorCtr="0">
             <a:normAutofit/>
           </a:bodyPr>
           <a:lstStyle>
@@ -5417,15 +5558,19 @@
               <a:defRPr sz="2100"/>
             </a:lvl9pPr>
           </a:lstStyle>
-          <a:p/>
+          <a:p>
+            <a:endParaRPr/>
+          </a:p>
         </p:txBody>
       </p:sp>
       <p:sp>
         <p:nvSpPr>
           <p:cNvPr id="43" name="Google Shape;43;p9"/>
-          <p:cNvSpPr txBox="1"/>
+          <p:cNvSpPr txBox="1">
+            <a:spLocks noGrp="1"/>
+          </p:cNvSpPr>
           <p:nvPr>
-            <p:ph idx="2" type="body"/>
+            <p:ph type="body" idx="2"/>
           </p:nvPr>
         </p:nvSpPr>
         <p:spPr>
@@ -5438,11 +5583,11 @@
           </a:prstGeom>
         </p:spPr>
         <p:txBody>
-          <a:bodyPr anchorCtr="0" anchor="ctr" bIns="91425" lIns="91425" spcFirstLastPara="1" rIns="91425" wrap="square" tIns="91425">
+          <a:bodyPr spcFirstLastPara="1" wrap="square" lIns="91425" tIns="91425" rIns="91425" bIns="91425" anchor="ctr" anchorCtr="0">
             <a:normAutofit/>
           </a:bodyPr>
           <a:lstStyle>
-            <a:lvl1pPr indent="-342900" lvl="0" marL="457200">
+            <a:lvl1pPr marL="457200" lvl="0" indent="-342900">
               <a:spcBef>
                 <a:spcPts val="0"/>
               </a:spcBef>
@@ -5457,7 +5602,7 @@
                 </a:highlight>
               </a:defRPr>
             </a:lvl1pPr>
-            <a:lvl2pPr indent="-317500" lvl="1" marL="914400">
+            <a:lvl2pPr marL="914400" lvl="1" indent="-317500">
               <a:spcBef>
                 <a:spcPts val="0"/>
               </a:spcBef>
@@ -5472,7 +5617,7 @@
                 </a:highlight>
               </a:defRPr>
             </a:lvl2pPr>
-            <a:lvl3pPr indent="-317500" lvl="2" marL="1371600">
+            <a:lvl3pPr marL="1371600" lvl="2" indent="-317500">
               <a:spcBef>
                 <a:spcPts val="0"/>
               </a:spcBef>
@@ -5487,7 +5632,7 @@
                 </a:highlight>
               </a:defRPr>
             </a:lvl3pPr>
-            <a:lvl4pPr indent="-317500" lvl="3" marL="1828800">
+            <a:lvl4pPr marL="1828800" lvl="3" indent="-317500">
               <a:spcBef>
                 <a:spcPts val="0"/>
               </a:spcBef>
@@ -5502,7 +5647,7 @@
                 </a:highlight>
               </a:defRPr>
             </a:lvl4pPr>
-            <a:lvl5pPr indent="-317500" lvl="4" marL="2286000">
+            <a:lvl5pPr marL="2286000" lvl="4" indent="-317500">
               <a:spcBef>
                 <a:spcPts val="0"/>
               </a:spcBef>
@@ -5517,7 +5662,7 @@
                 </a:highlight>
               </a:defRPr>
             </a:lvl5pPr>
-            <a:lvl6pPr indent="-317500" lvl="5" marL="2743200">
+            <a:lvl6pPr marL="2743200" lvl="5" indent="-317500">
               <a:spcBef>
                 <a:spcPts val="0"/>
               </a:spcBef>
@@ -5532,7 +5677,7 @@
                 </a:highlight>
               </a:defRPr>
             </a:lvl6pPr>
-            <a:lvl7pPr indent="-317500" lvl="6" marL="3200400">
+            <a:lvl7pPr marL="3200400" lvl="6" indent="-317500">
               <a:spcBef>
                 <a:spcPts val="0"/>
               </a:spcBef>
@@ -5547,7 +5692,7 @@
                 </a:highlight>
               </a:defRPr>
             </a:lvl7pPr>
-            <a:lvl8pPr indent="-317500" lvl="7" marL="3657600">
+            <a:lvl8pPr marL="3657600" lvl="7" indent="-317500">
               <a:spcBef>
                 <a:spcPts val="0"/>
               </a:spcBef>
@@ -5562,7 +5707,7 @@
                 </a:highlight>
               </a:defRPr>
             </a:lvl8pPr>
-            <a:lvl9pPr indent="-317500" lvl="8" marL="4114800">
+            <a:lvl9pPr marL="4114800" lvl="8" indent="-317500">
               <a:spcBef>
                 <a:spcPts val="0"/>
               </a:spcBef>
@@ -5578,15 +5723,19 @@
               </a:defRPr>
             </a:lvl9pPr>
           </a:lstStyle>
-          <a:p/>
+          <a:p>
+            <a:endParaRPr/>
+          </a:p>
         </p:txBody>
       </p:sp>
       <p:sp>
         <p:nvSpPr>
           <p:cNvPr id="44" name="Google Shape;44;p9"/>
-          <p:cNvSpPr txBox="1"/>
+          <p:cNvSpPr txBox="1">
+            <a:spLocks noGrp="1"/>
+          </p:cNvSpPr>
           <p:nvPr>
-            <p:ph idx="12" type="sldNum"/>
+            <p:ph type="sldNum" idx="12"/>
           </p:nvPr>
         </p:nvSpPr>
         <p:spPr>
@@ -5599,7 +5748,7 @@
           </a:prstGeom>
         </p:spPr>
         <p:txBody>
-          <a:bodyPr anchorCtr="0" anchor="ctr" bIns="91425" lIns="91425" spcFirstLastPara="1" rIns="91425" wrap="square" tIns="91425">
+          <a:bodyPr spcFirstLastPara="1" wrap="square" lIns="91425" tIns="91425" rIns="91425" bIns="91425" anchor="ctr" anchorCtr="0">
             <a:normAutofit/>
           </a:bodyPr>
           <a:lstStyle>
@@ -5641,7 +5790,7 @@
             </a:lvl9pPr>
           </a:lstStyle>
           <a:p>
-            <a:pPr indent="0" lvl="0" marL="0" rtl="0" algn="r">
+            <a:pPr marL="0" lvl="0" indent="0" algn="r" rtl="0">
               <a:spcBef>
                 <a:spcPts val="0"/>
               </a:spcBef>
@@ -5667,11 +5816,11 @@
 </file>
 
 <file path=ppt/slideLayouts/slideLayout9.xml><?xml version="1.0" encoding="utf-8"?>
-<p:sldLayout xmlns:a="http://schemas.openxmlformats.org/drawingml/2006/main" xmlns:r="http://schemas.openxmlformats.org/officeDocument/2006/relationships" xmlns:mc="http://schemas.openxmlformats.org/markup-compatibility/2006" xmlns:mv="urn:schemas-microsoft-com:mac:vml" xmlns:p="http://schemas.openxmlformats.org/presentationml/2006/main" xmlns:c="http://schemas.openxmlformats.org/drawingml/2006/chart" xmlns:dgm="http://schemas.openxmlformats.org/drawingml/2006/diagram" xmlns:o="urn:schemas-microsoft-com:office:office" xmlns:v="urn:schemas-microsoft-com:vml" xmlns:pvml="urn:schemas-microsoft-com:office:powerpoint" xmlns:com="http://schemas.openxmlformats.org/drawingml/2006/compatibility" xmlns:p14="http://schemas.microsoft.com/office/powerpoint/2010/main" xmlns:p15="http://schemas.microsoft.com/office/powerpoint/2012/main" xmlns:ahyp="http://schemas.microsoft.com/office/drawing/2018/hyperlinkcolor" matchingName="Caption">
+<p:sldLayout xmlns:a="http://schemas.openxmlformats.org/drawingml/2006/main" xmlns:r="http://schemas.openxmlformats.org/officeDocument/2006/relationships" xmlns:p="http://schemas.openxmlformats.org/presentationml/2006/main" matchingName="Caption">
   <p:cSld name="CAPTION_ONLY">
     <p:spTree>
       <p:nvGrpSpPr>
-        <p:cNvPr id="45" name="Shape 45"/>
+        <p:cNvPr id="1" name="Shape 45"/>
         <p:cNvGrpSpPr/>
         <p:nvPr/>
       </p:nvGrpSpPr>
@@ -5686,9 +5835,11 @@
       <p:sp>
         <p:nvSpPr>
           <p:cNvPr id="46" name="Google Shape;46;p10"/>
-          <p:cNvSpPr txBox="1"/>
+          <p:cNvSpPr txBox="1">
+            <a:spLocks noGrp="1"/>
+          </p:cNvSpPr>
           <p:nvPr>
-            <p:ph idx="1" type="body"/>
+            <p:ph type="body" idx="1"/>
           </p:nvPr>
         </p:nvSpPr>
         <p:spPr>
@@ -5701,11 +5852,11 @@
           </a:prstGeom>
         </p:spPr>
         <p:txBody>
-          <a:bodyPr anchorCtr="0" anchor="ctr" bIns="91425" lIns="91425" spcFirstLastPara="1" rIns="91425" wrap="square" tIns="91425">
+          <a:bodyPr spcFirstLastPara="1" wrap="square" lIns="91425" tIns="91425" rIns="91425" bIns="91425" anchor="ctr" anchorCtr="0">
             <a:normAutofit/>
           </a:bodyPr>
           <a:lstStyle>
-            <a:lvl1pPr indent="-228600" lvl="0" marL="457200">
+            <a:lvl1pPr marL="457200" lvl="0" indent="-228600">
               <a:lnSpc>
                 <a:spcPct val="100000"/>
               </a:lnSpc>
@@ -5724,15 +5875,19 @@
               </a:defRPr>
             </a:lvl1pPr>
           </a:lstStyle>
-          <a:p/>
+          <a:p>
+            <a:endParaRPr/>
+          </a:p>
         </p:txBody>
       </p:sp>
       <p:sp>
         <p:nvSpPr>
           <p:cNvPr id="47" name="Google Shape;47;p10"/>
-          <p:cNvSpPr txBox="1"/>
+          <p:cNvSpPr txBox="1">
+            <a:spLocks noGrp="1"/>
+          </p:cNvSpPr>
           <p:nvPr>
-            <p:ph idx="12" type="sldNum"/>
+            <p:ph type="sldNum" idx="12"/>
           </p:nvPr>
         </p:nvSpPr>
         <p:spPr>
@@ -5745,7 +5900,7 @@
           </a:prstGeom>
         </p:spPr>
         <p:txBody>
-          <a:bodyPr anchorCtr="0" anchor="ctr" bIns="91425" lIns="91425" spcFirstLastPara="1" rIns="91425" wrap="square" tIns="91425">
+          <a:bodyPr spcFirstLastPara="1" wrap="square" lIns="91425" tIns="91425" rIns="91425" bIns="91425" anchor="ctr" anchorCtr="0">
             <a:normAutofit/>
           </a:bodyPr>
           <a:lstStyle>
@@ -5787,7 +5942,7 @@
             </a:lvl9pPr>
           </a:lstStyle>
           <a:p>
-            <a:pPr indent="0" lvl="0" marL="0" rtl="0" algn="r">
+            <a:pPr marL="0" lvl="0" indent="0" algn="r" rtl="0">
               <a:spcBef>
                 <a:spcPts val="0"/>
               </a:spcBef>
@@ -5813,18 +5968,19 @@
 </file>
 
 <file path=ppt/slideMasters/slideMaster1.xml><?xml version="1.0" encoding="utf-8"?>
-<p:sldMaster xmlns:a="http://schemas.openxmlformats.org/drawingml/2006/main" xmlns:r="http://schemas.openxmlformats.org/officeDocument/2006/relationships" xmlns:mc="http://schemas.openxmlformats.org/markup-compatibility/2006" xmlns:mv="urn:schemas-microsoft-com:mac:vml" xmlns:p="http://schemas.openxmlformats.org/presentationml/2006/main" xmlns:c="http://schemas.openxmlformats.org/drawingml/2006/chart" xmlns:dgm="http://schemas.openxmlformats.org/drawingml/2006/diagram" xmlns:o="urn:schemas-microsoft-com:office:office" xmlns:v="urn:schemas-microsoft-com:vml" xmlns:pvml="urn:schemas-microsoft-com:office:powerpoint" xmlns:com="http://schemas.openxmlformats.org/drawingml/2006/compatibility" xmlns:p14="http://schemas.microsoft.com/office/powerpoint/2010/main" xmlns:p15="http://schemas.microsoft.com/office/powerpoint/2012/main" xmlns:ahyp="http://schemas.microsoft.com/office/drawing/2018/hyperlinkcolor">
+<p:sldMaster xmlns:a="http://schemas.openxmlformats.org/drawingml/2006/main" xmlns:r="http://schemas.openxmlformats.org/officeDocument/2006/relationships" xmlns:p="http://schemas.openxmlformats.org/presentationml/2006/main">
   <p:cSld name="pop">
     <p:bg>
       <p:bgPr>
         <a:solidFill>
           <a:schemeClr val="lt1"/>
         </a:solidFill>
+        <a:effectLst/>
       </p:bgPr>
     </p:bg>
     <p:spTree>
       <p:nvGrpSpPr>
-        <p:cNvPr id="5" name="Shape 5"/>
+        <p:cNvPr id="1" name="Shape 5"/>
         <p:cNvGrpSpPr/>
         <p:nvPr/>
       </p:nvGrpSpPr>
@@ -5839,7 +5995,9 @@
       <p:sp>
         <p:nvSpPr>
           <p:cNvPr id="6" name="Google Shape;6;p1"/>
-          <p:cNvSpPr txBox="1"/>
+          <p:cNvSpPr txBox="1">
+            <a:spLocks noGrp="1"/>
+          </p:cNvSpPr>
           <p:nvPr>
             <p:ph type="title"/>
           </p:nvPr>
@@ -5858,7 +6016,7 @@
           </a:ln>
         </p:spPr>
         <p:txBody>
-          <a:bodyPr anchorCtr="0" anchor="t" bIns="91425" lIns="91425" spcFirstLastPara="1" rIns="91425" wrap="square" tIns="91425">
+          <a:bodyPr spcFirstLastPara="1" wrap="square" lIns="91425" tIns="91425" rIns="91425" bIns="91425" anchor="t" anchorCtr="0">
             <a:normAutofit/>
           </a:bodyPr>
           <a:lstStyle>
@@ -6097,15 +6255,19 @@
               </a:defRPr>
             </a:lvl9pPr>
           </a:lstStyle>
-          <a:p/>
+          <a:p>
+            <a:endParaRPr/>
+          </a:p>
         </p:txBody>
       </p:sp>
       <p:sp>
         <p:nvSpPr>
           <p:cNvPr id="7" name="Google Shape;7;p1"/>
-          <p:cNvSpPr txBox="1"/>
+          <p:cNvSpPr txBox="1">
+            <a:spLocks noGrp="1"/>
+          </p:cNvSpPr>
           <p:nvPr>
-            <p:ph idx="1" type="body"/>
+            <p:ph type="body" idx="1"/>
           </p:nvPr>
         </p:nvSpPr>
         <p:spPr>
@@ -6122,11 +6284,11 @@
           </a:ln>
         </p:spPr>
         <p:txBody>
-          <a:bodyPr anchorCtr="0" anchor="t" bIns="91425" lIns="91425" spcFirstLastPara="1" rIns="91425" wrap="square" tIns="91425">
+          <a:bodyPr spcFirstLastPara="1" wrap="square" lIns="91425" tIns="91425" rIns="91425" bIns="91425" anchor="t" anchorCtr="0">
             <a:normAutofit/>
           </a:bodyPr>
           <a:lstStyle>
-            <a:lvl1pPr indent="-342900" lvl="0" marL="457200">
+            <a:lvl1pPr marL="457200" lvl="0" indent="-342900">
               <a:lnSpc>
                 <a:spcPct val="115000"/>
               </a:lnSpc>
@@ -6152,7 +6314,7 @@
                 <a:sym typeface="Playfair Display"/>
               </a:defRPr>
             </a:lvl1pPr>
-            <a:lvl2pPr indent="-317500" lvl="1" marL="914400">
+            <a:lvl2pPr marL="914400" lvl="1" indent="-317500">
               <a:lnSpc>
                 <a:spcPct val="115000"/>
               </a:lnSpc>
@@ -6178,7 +6340,7 @@
                 <a:sym typeface="Playfair Display"/>
               </a:defRPr>
             </a:lvl2pPr>
-            <a:lvl3pPr indent="-317500" lvl="2" marL="1371600">
+            <a:lvl3pPr marL="1371600" lvl="2" indent="-317500">
               <a:lnSpc>
                 <a:spcPct val="115000"/>
               </a:lnSpc>
@@ -6204,7 +6366,7 @@
                 <a:sym typeface="Playfair Display"/>
               </a:defRPr>
             </a:lvl3pPr>
-            <a:lvl4pPr indent="-317500" lvl="3" marL="1828800">
+            <a:lvl4pPr marL="1828800" lvl="3" indent="-317500">
               <a:lnSpc>
                 <a:spcPct val="115000"/>
               </a:lnSpc>
@@ -6230,7 +6392,7 @@
                 <a:sym typeface="Playfair Display"/>
               </a:defRPr>
             </a:lvl4pPr>
-            <a:lvl5pPr indent="-317500" lvl="4" marL="2286000">
+            <a:lvl5pPr marL="2286000" lvl="4" indent="-317500">
               <a:lnSpc>
                 <a:spcPct val="115000"/>
               </a:lnSpc>
@@ -6256,7 +6418,7 @@
                 <a:sym typeface="Playfair Display"/>
               </a:defRPr>
             </a:lvl5pPr>
-            <a:lvl6pPr indent="-317500" lvl="5" marL="2743200">
+            <a:lvl6pPr marL="2743200" lvl="5" indent="-317500">
               <a:lnSpc>
                 <a:spcPct val="115000"/>
               </a:lnSpc>
@@ -6282,7 +6444,7 @@
                 <a:sym typeface="Playfair Display"/>
               </a:defRPr>
             </a:lvl6pPr>
-            <a:lvl7pPr indent="-317500" lvl="6" marL="3200400">
+            <a:lvl7pPr marL="3200400" lvl="6" indent="-317500">
               <a:lnSpc>
                 <a:spcPct val="115000"/>
               </a:lnSpc>
@@ -6308,7 +6470,7 @@
                 <a:sym typeface="Playfair Display"/>
               </a:defRPr>
             </a:lvl7pPr>
-            <a:lvl8pPr indent="-317500" lvl="7" marL="3657600">
+            <a:lvl8pPr marL="3657600" lvl="7" indent="-317500">
               <a:lnSpc>
                 <a:spcPct val="115000"/>
               </a:lnSpc>
@@ -6334,7 +6496,7 @@
                 <a:sym typeface="Playfair Display"/>
               </a:defRPr>
             </a:lvl8pPr>
-            <a:lvl9pPr indent="-317500" lvl="8" marL="4114800">
+            <a:lvl9pPr marL="4114800" lvl="8" indent="-317500">
               <a:lnSpc>
                 <a:spcPct val="115000"/>
               </a:lnSpc>
@@ -6361,15 +6523,19 @@
               </a:defRPr>
             </a:lvl9pPr>
           </a:lstStyle>
-          <a:p/>
+          <a:p>
+            <a:endParaRPr/>
+          </a:p>
         </p:txBody>
       </p:sp>
       <p:sp>
         <p:nvSpPr>
           <p:cNvPr id="8" name="Google Shape;8;p1"/>
-          <p:cNvSpPr txBox="1"/>
+          <p:cNvSpPr txBox="1">
+            <a:spLocks noGrp="1"/>
+          </p:cNvSpPr>
           <p:nvPr>
-            <p:ph idx="12" type="sldNum"/>
+            <p:ph type="sldNum" idx="12"/>
           </p:nvPr>
         </p:nvSpPr>
         <p:spPr>
@@ -6386,7 +6552,7 @@
           </a:ln>
         </p:spPr>
         <p:txBody>
-          <a:bodyPr anchorCtr="0" anchor="ctr" bIns="91425" lIns="91425" spcFirstLastPara="1" rIns="91425" wrap="square" tIns="91425">
+          <a:bodyPr spcFirstLastPara="1" wrap="square" lIns="91425" tIns="91425" rIns="91425" bIns="91425" anchor="ctr" anchorCtr="0">
             <a:normAutofit/>
           </a:bodyPr>
           <a:lstStyle>
@@ -6500,7 +6666,7 @@
             </a:lvl9pPr>
           </a:lstStyle>
           <a:p>
-            <a:pPr indent="0" lvl="0" marL="0" rtl="0" algn="r">
+            <a:pPr marL="0" lvl="0" indent="0" algn="r" rtl="0">
               <a:spcBef>
                 <a:spcPts val="0"/>
               </a:spcBef>
@@ -6519,7 +6685,7 @@
       </p:sp>
     </p:spTree>
   </p:cSld>
-  <p:clrMap accent1="accent1" accent2="accent2" accent3="accent3" accent4="accent4" accent5="accent5" accent6="accent6" bg1="lt1" bg2="dk2" tx1="dk1" tx2="lt2" folHlink="folHlink" hlink="hlink"/>
+  <p:clrMap bg1="lt1" tx1="dk1" bg2="dk2" tx2="lt2" accent1="accent1" accent2="accent2" accent3="accent3" accent4="accent4" accent5="accent5" accent6="accent6" hlink="hlink" folHlink="folHlink"/>
   <p:sldLayoutIdLst>
     <p:sldLayoutId id="2147483648" r:id="rId1"/>
     <p:sldLayoutId id="2147483649" r:id="rId2"/>
@@ -6533,10 +6699,10 @@
     <p:sldLayoutId id="2147483657" r:id="rId10"/>
     <p:sldLayoutId id="2147483658" r:id="rId11"/>
   </p:sldLayoutIdLst>
-  <p:hf dt="0" ftr="0" hdr="0" sldNum="0"/>
+  <p:hf sldNum="0" hdr="0" ftr="0" dt="0"/>
   <p:txStyles>
     <p:titleStyle>
-      <a:defPPr lvl="0" marR="0" rtl="0" algn="l">
+      <a:defPPr marR="0" lvl="0" algn="l" rtl="0">
         <a:lnSpc>
           <a:spcPct val="100000"/>
         </a:lnSpc>
@@ -6547,7 +6713,7 @@
           <a:spcPts val="0"/>
         </a:spcAft>
       </a:defPPr>
-      <a:lvl1pPr lvl="0" marR="0" rtl="0" algn="l">
+      <a:lvl1pPr marR="0" lvl="0" algn="l" rtl="0">
         <a:lnSpc>
           <a:spcPct val="100000"/>
         </a:lnSpc>
@@ -6561,7 +6727,7 @@
           <a:srgbClr val="000000"/>
         </a:buClr>
         <a:buFont typeface="Arial"/>
-        <a:defRPr b="0" i="0" sz="1400" u="none" cap="none" strike="noStrike">
+        <a:defRPr sz="1400" b="0" i="0" u="none" strike="noStrike" cap="none">
           <a:solidFill>
             <a:srgbClr val="000000"/>
           </a:solidFill>
@@ -6571,7 +6737,7 @@
           <a:sym typeface="Arial"/>
         </a:defRPr>
       </a:lvl1pPr>
-      <a:lvl2pPr lvl="1" marR="0" rtl="0" algn="l">
+      <a:lvl2pPr marR="0" lvl="1" algn="l" rtl="0">
         <a:lnSpc>
           <a:spcPct val="100000"/>
         </a:lnSpc>
@@ -6585,7 +6751,7 @@
           <a:srgbClr val="000000"/>
         </a:buClr>
         <a:buFont typeface="Arial"/>
-        <a:defRPr b="0" i="0" sz="1400" u="none" cap="none" strike="noStrike">
+        <a:defRPr sz="1400" b="0" i="0" u="none" strike="noStrike" cap="none">
           <a:solidFill>
             <a:srgbClr val="000000"/>
           </a:solidFill>
@@ -6595,7 +6761,7 @@
           <a:sym typeface="Arial"/>
         </a:defRPr>
       </a:lvl2pPr>
-      <a:lvl3pPr lvl="2" marR="0" rtl="0" algn="l">
+      <a:lvl3pPr marR="0" lvl="2" algn="l" rtl="0">
         <a:lnSpc>
           <a:spcPct val="100000"/>
         </a:lnSpc>
@@ -6609,7 +6775,7 @@
           <a:srgbClr val="000000"/>
         </a:buClr>
         <a:buFont typeface="Arial"/>
-        <a:defRPr b="0" i="0" sz="1400" u="none" cap="none" strike="noStrike">
+        <a:defRPr sz="1400" b="0" i="0" u="none" strike="noStrike" cap="none">
           <a:solidFill>
             <a:srgbClr val="000000"/>
           </a:solidFill>
@@ -6619,7 +6785,7 @@
           <a:sym typeface="Arial"/>
         </a:defRPr>
       </a:lvl3pPr>
-      <a:lvl4pPr lvl="3" marR="0" rtl="0" algn="l">
+      <a:lvl4pPr marR="0" lvl="3" algn="l" rtl="0">
         <a:lnSpc>
           <a:spcPct val="100000"/>
         </a:lnSpc>
@@ -6633,7 +6799,7 @@
           <a:srgbClr val="000000"/>
         </a:buClr>
         <a:buFont typeface="Arial"/>
-        <a:defRPr b="0" i="0" sz="1400" u="none" cap="none" strike="noStrike">
+        <a:defRPr sz="1400" b="0" i="0" u="none" strike="noStrike" cap="none">
           <a:solidFill>
             <a:srgbClr val="000000"/>
           </a:solidFill>
@@ -6643,7 +6809,7 @@
           <a:sym typeface="Arial"/>
         </a:defRPr>
       </a:lvl4pPr>
-      <a:lvl5pPr lvl="4" marR="0" rtl="0" algn="l">
+      <a:lvl5pPr marR="0" lvl="4" algn="l" rtl="0">
         <a:lnSpc>
           <a:spcPct val="100000"/>
         </a:lnSpc>
@@ -6657,7 +6823,7 @@
           <a:srgbClr val="000000"/>
         </a:buClr>
         <a:buFont typeface="Arial"/>
-        <a:defRPr b="0" i="0" sz="1400" u="none" cap="none" strike="noStrike">
+        <a:defRPr sz="1400" b="0" i="0" u="none" strike="noStrike" cap="none">
           <a:solidFill>
             <a:srgbClr val="000000"/>
           </a:solidFill>
@@ -6667,7 +6833,7 @@
           <a:sym typeface="Arial"/>
         </a:defRPr>
       </a:lvl5pPr>
-      <a:lvl6pPr lvl="5" marR="0" rtl="0" algn="l">
+      <a:lvl6pPr marR="0" lvl="5" algn="l" rtl="0">
         <a:lnSpc>
           <a:spcPct val="100000"/>
         </a:lnSpc>
@@ -6681,7 +6847,7 @@
           <a:srgbClr val="000000"/>
         </a:buClr>
         <a:buFont typeface="Arial"/>
-        <a:defRPr b="0" i="0" sz="1400" u="none" cap="none" strike="noStrike">
+        <a:defRPr sz="1400" b="0" i="0" u="none" strike="noStrike" cap="none">
           <a:solidFill>
             <a:srgbClr val="000000"/>
           </a:solidFill>
@@ -6691,7 +6857,7 @@
           <a:sym typeface="Arial"/>
         </a:defRPr>
       </a:lvl6pPr>
-      <a:lvl7pPr lvl="6" marR="0" rtl="0" algn="l">
+      <a:lvl7pPr marR="0" lvl="6" algn="l" rtl="0">
         <a:lnSpc>
           <a:spcPct val="100000"/>
         </a:lnSpc>
@@ -6705,7 +6871,7 @@
           <a:srgbClr val="000000"/>
         </a:buClr>
         <a:buFont typeface="Arial"/>
-        <a:defRPr b="0" i="0" sz="1400" u="none" cap="none" strike="noStrike">
+        <a:defRPr sz="1400" b="0" i="0" u="none" strike="noStrike" cap="none">
           <a:solidFill>
             <a:srgbClr val="000000"/>
           </a:solidFill>
@@ -6715,7 +6881,7 @@
           <a:sym typeface="Arial"/>
         </a:defRPr>
       </a:lvl7pPr>
-      <a:lvl8pPr lvl="7" marR="0" rtl="0" algn="l">
+      <a:lvl8pPr marR="0" lvl="7" algn="l" rtl="0">
         <a:lnSpc>
           <a:spcPct val="100000"/>
         </a:lnSpc>
@@ -6729,7 +6895,7 @@
           <a:srgbClr val="000000"/>
         </a:buClr>
         <a:buFont typeface="Arial"/>
-        <a:defRPr b="0" i="0" sz="1400" u="none" cap="none" strike="noStrike">
+        <a:defRPr sz="1400" b="0" i="0" u="none" strike="noStrike" cap="none">
           <a:solidFill>
             <a:srgbClr val="000000"/>
           </a:solidFill>
@@ -6739,7 +6905,7 @@
           <a:sym typeface="Arial"/>
         </a:defRPr>
       </a:lvl8pPr>
-      <a:lvl9pPr lvl="8" marR="0" rtl="0" algn="l">
+      <a:lvl9pPr marR="0" lvl="8" algn="l" rtl="0">
         <a:lnSpc>
           <a:spcPct val="100000"/>
         </a:lnSpc>
@@ -6753,7 +6919,7 @@
           <a:srgbClr val="000000"/>
         </a:buClr>
         <a:buFont typeface="Arial"/>
-        <a:defRPr b="0" i="0" sz="1400" u="none" cap="none" strike="noStrike">
+        <a:defRPr sz="1400" b="0" i="0" u="none" strike="noStrike" cap="none">
           <a:solidFill>
             <a:srgbClr val="000000"/>
           </a:solidFill>
@@ -6765,7 +6931,7 @@
       </a:lvl9pPr>
     </p:titleStyle>
     <p:bodyStyle>
-      <a:defPPr lvl="0" marR="0" rtl="0" algn="l">
+      <a:defPPr marR="0" lvl="0" algn="l" rtl="0">
         <a:lnSpc>
           <a:spcPct val="100000"/>
         </a:lnSpc>
@@ -6776,7 +6942,7 @@
           <a:spcPts val="0"/>
         </a:spcAft>
       </a:defPPr>
-      <a:lvl1pPr lvl="0" marR="0" rtl="0" algn="l">
+      <a:lvl1pPr marR="0" lvl="0" algn="l" rtl="0">
         <a:lnSpc>
           <a:spcPct val="100000"/>
         </a:lnSpc>
@@ -6790,7 +6956,7 @@
           <a:srgbClr val="000000"/>
         </a:buClr>
         <a:buFont typeface="Arial"/>
-        <a:defRPr b="0" i="0" sz="1400" u="none" cap="none" strike="noStrike">
+        <a:defRPr sz="1400" b="0" i="0" u="none" strike="noStrike" cap="none">
           <a:solidFill>
             <a:srgbClr val="000000"/>
           </a:solidFill>
@@ -6800,7 +6966,7 @@
           <a:sym typeface="Arial"/>
         </a:defRPr>
       </a:lvl1pPr>
-      <a:lvl2pPr lvl="1" marR="0" rtl="0" algn="l">
+      <a:lvl2pPr marR="0" lvl="1" algn="l" rtl="0">
         <a:lnSpc>
           <a:spcPct val="100000"/>
         </a:lnSpc>
@@ -6814,7 +6980,7 @@
           <a:srgbClr val="000000"/>
         </a:buClr>
         <a:buFont typeface="Arial"/>
-        <a:defRPr b="0" i="0" sz="1400" u="none" cap="none" strike="noStrike">
+        <a:defRPr sz="1400" b="0" i="0" u="none" strike="noStrike" cap="none">
           <a:solidFill>
             <a:srgbClr val="000000"/>
           </a:solidFill>
@@ -6824,7 +6990,7 @@
           <a:sym typeface="Arial"/>
         </a:defRPr>
       </a:lvl2pPr>
-      <a:lvl3pPr lvl="2" marR="0" rtl="0" algn="l">
+      <a:lvl3pPr marR="0" lvl="2" algn="l" rtl="0">
         <a:lnSpc>
           <a:spcPct val="100000"/>
         </a:lnSpc>
@@ -6838,7 +7004,7 @@
           <a:srgbClr val="000000"/>
         </a:buClr>
         <a:buFont typeface="Arial"/>
-        <a:defRPr b="0" i="0" sz="1400" u="none" cap="none" strike="noStrike">
+        <a:defRPr sz="1400" b="0" i="0" u="none" strike="noStrike" cap="none">
           <a:solidFill>
             <a:srgbClr val="000000"/>
           </a:solidFill>
@@ -6848,7 +7014,7 @@
           <a:sym typeface="Arial"/>
         </a:defRPr>
       </a:lvl3pPr>
-      <a:lvl4pPr lvl="3" marR="0" rtl="0" algn="l">
+      <a:lvl4pPr marR="0" lvl="3" algn="l" rtl="0">
         <a:lnSpc>
           <a:spcPct val="100000"/>
         </a:lnSpc>
@@ -6862,7 +7028,7 @@
           <a:srgbClr val="000000"/>
         </a:buClr>
         <a:buFont typeface="Arial"/>
-        <a:defRPr b="0" i="0" sz="1400" u="none" cap="none" strike="noStrike">
+        <a:defRPr sz="1400" b="0" i="0" u="none" strike="noStrike" cap="none">
           <a:solidFill>
             <a:srgbClr val="000000"/>
           </a:solidFill>
@@ -6872,7 +7038,7 @@
           <a:sym typeface="Arial"/>
         </a:defRPr>
       </a:lvl4pPr>
-      <a:lvl5pPr lvl="4" marR="0" rtl="0" algn="l">
+      <a:lvl5pPr marR="0" lvl="4" algn="l" rtl="0">
         <a:lnSpc>
           <a:spcPct val="100000"/>
         </a:lnSpc>
@@ -6886,7 +7052,7 @@
           <a:srgbClr val="000000"/>
         </a:buClr>
         <a:buFont typeface="Arial"/>
-        <a:defRPr b="0" i="0" sz="1400" u="none" cap="none" strike="noStrike">
+        <a:defRPr sz="1400" b="0" i="0" u="none" strike="noStrike" cap="none">
           <a:solidFill>
             <a:srgbClr val="000000"/>
           </a:solidFill>
@@ -6896,7 +7062,7 @@
           <a:sym typeface="Arial"/>
         </a:defRPr>
       </a:lvl5pPr>
-      <a:lvl6pPr lvl="5" marR="0" rtl="0" algn="l">
+      <a:lvl6pPr marR="0" lvl="5" algn="l" rtl="0">
         <a:lnSpc>
           <a:spcPct val="100000"/>
         </a:lnSpc>
@@ -6910,7 +7076,7 @@
           <a:srgbClr val="000000"/>
         </a:buClr>
         <a:buFont typeface="Arial"/>
-        <a:defRPr b="0" i="0" sz="1400" u="none" cap="none" strike="noStrike">
+        <a:defRPr sz="1400" b="0" i="0" u="none" strike="noStrike" cap="none">
           <a:solidFill>
             <a:srgbClr val="000000"/>
           </a:solidFill>
@@ -6920,7 +7086,7 @@
           <a:sym typeface="Arial"/>
         </a:defRPr>
       </a:lvl6pPr>
-      <a:lvl7pPr lvl="6" marR="0" rtl="0" algn="l">
+      <a:lvl7pPr marR="0" lvl="6" algn="l" rtl="0">
         <a:lnSpc>
           <a:spcPct val="100000"/>
         </a:lnSpc>
@@ -6934,7 +7100,7 @@
           <a:srgbClr val="000000"/>
         </a:buClr>
         <a:buFont typeface="Arial"/>
-        <a:defRPr b="0" i="0" sz="1400" u="none" cap="none" strike="noStrike">
+        <a:defRPr sz="1400" b="0" i="0" u="none" strike="noStrike" cap="none">
           <a:solidFill>
             <a:srgbClr val="000000"/>
           </a:solidFill>
@@ -6944,7 +7110,7 @@
           <a:sym typeface="Arial"/>
         </a:defRPr>
       </a:lvl7pPr>
-      <a:lvl8pPr lvl="7" marR="0" rtl="0" algn="l">
+      <a:lvl8pPr marR="0" lvl="7" algn="l" rtl="0">
         <a:lnSpc>
           <a:spcPct val="100000"/>
         </a:lnSpc>
@@ -6958,7 +7124,7 @@
           <a:srgbClr val="000000"/>
         </a:buClr>
         <a:buFont typeface="Arial"/>
-        <a:defRPr b="0" i="0" sz="1400" u="none" cap="none" strike="noStrike">
+        <a:defRPr sz="1400" b="0" i="0" u="none" strike="noStrike" cap="none">
           <a:solidFill>
             <a:srgbClr val="000000"/>
           </a:solidFill>
@@ -6968,7 +7134,7 @@
           <a:sym typeface="Arial"/>
         </a:defRPr>
       </a:lvl8pPr>
-      <a:lvl9pPr lvl="8" marR="0" rtl="0" algn="l">
+      <a:lvl9pPr marR="0" lvl="8" algn="l" rtl="0">
         <a:lnSpc>
           <a:spcPct val="100000"/>
         </a:lnSpc>
@@ -6982,7 +7148,7 @@
           <a:srgbClr val="000000"/>
         </a:buClr>
         <a:buFont typeface="Arial"/>
-        <a:defRPr b="0" i="0" sz="1400" u="none" cap="none" strike="noStrike">
+        <a:defRPr sz="1400" b="0" i="0" u="none" strike="noStrike" cap="none">
           <a:solidFill>
             <a:srgbClr val="000000"/>
           </a:solidFill>
@@ -6994,7 +7160,7 @@
       </a:lvl9pPr>
     </p:bodyStyle>
     <p:otherStyle>
-      <a:defPPr lvl="0" marR="0" rtl="0" algn="l">
+      <a:defPPr marR="0" lvl="0" algn="l" rtl="0">
         <a:lnSpc>
           <a:spcPct val="100000"/>
         </a:lnSpc>
@@ -7005,7 +7171,7 @@
           <a:spcPts val="0"/>
         </a:spcAft>
       </a:defPPr>
-      <a:lvl1pPr lvl="0" marR="0" rtl="0" algn="l">
+      <a:lvl1pPr marR="0" lvl="0" algn="l" rtl="0">
         <a:lnSpc>
           <a:spcPct val="100000"/>
         </a:lnSpc>
@@ -7019,7 +7185,7 @@
           <a:srgbClr val="000000"/>
         </a:buClr>
         <a:buFont typeface="Arial"/>
-        <a:defRPr b="0" i="0" sz="1400" u="none" cap="none" strike="noStrike">
+        <a:defRPr sz="1400" b="0" i="0" u="none" strike="noStrike" cap="none">
           <a:solidFill>
             <a:srgbClr val="000000"/>
           </a:solidFill>
@@ -7029,7 +7195,7 @@
           <a:sym typeface="Arial"/>
         </a:defRPr>
       </a:lvl1pPr>
-      <a:lvl2pPr lvl="1" marR="0" rtl="0" algn="l">
+      <a:lvl2pPr marR="0" lvl="1" algn="l" rtl="0">
         <a:lnSpc>
           <a:spcPct val="100000"/>
         </a:lnSpc>
@@ -7043,7 +7209,7 @@
           <a:srgbClr val="000000"/>
         </a:buClr>
         <a:buFont typeface="Arial"/>
-        <a:defRPr b="0" i="0" sz="1400" u="none" cap="none" strike="noStrike">
+        <a:defRPr sz="1400" b="0" i="0" u="none" strike="noStrike" cap="none">
           <a:solidFill>
             <a:srgbClr val="000000"/>
           </a:solidFill>
@@ -7053,7 +7219,7 @@
           <a:sym typeface="Arial"/>
         </a:defRPr>
       </a:lvl2pPr>
-      <a:lvl3pPr lvl="2" marR="0" rtl="0" algn="l">
+      <a:lvl3pPr marR="0" lvl="2" algn="l" rtl="0">
         <a:lnSpc>
           <a:spcPct val="100000"/>
         </a:lnSpc>
@@ -7067,7 +7233,7 @@
           <a:srgbClr val="000000"/>
         </a:buClr>
         <a:buFont typeface="Arial"/>
-        <a:defRPr b="0" i="0" sz="1400" u="none" cap="none" strike="noStrike">
+        <a:defRPr sz="1400" b="0" i="0" u="none" strike="noStrike" cap="none">
           <a:solidFill>
             <a:srgbClr val="000000"/>
           </a:solidFill>
@@ -7077,7 +7243,7 @@
           <a:sym typeface="Arial"/>
         </a:defRPr>
       </a:lvl3pPr>
-      <a:lvl4pPr lvl="3" marR="0" rtl="0" algn="l">
+      <a:lvl4pPr marR="0" lvl="3" algn="l" rtl="0">
         <a:lnSpc>
           <a:spcPct val="100000"/>
         </a:lnSpc>
@@ -7091,7 +7257,7 @@
           <a:srgbClr val="000000"/>
         </a:buClr>
         <a:buFont typeface="Arial"/>
-        <a:defRPr b="0" i="0" sz="1400" u="none" cap="none" strike="noStrike">
+        <a:defRPr sz="1400" b="0" i="0" u="none" strike="noStrike" cap="none">
           <a:solidFill>
             <a:srgbClr val="000000"/>
           </a:solidFill>
@@ -7101,7 +7267,7 @@
           <a:sym typeface="Arial"/>
         </a:defRPr>
       </a:lvl4pPr>
-      <a:lvl5pPr lvl="4" marR="0" rtl="0" algn="l">
+      <a:lvl5pPr marR="0" lvl="4" algn="l" rtl="0">
         <a:lnSpc>
           <a:spcPct val="100000"/>
         </a:lnSpc>
@@ -7115,7 +7281,7 @@
           <a:srgbClr val="000000"/>
         </a:buClr>
         <a:buFont typeface="Arial"/>
-        <a:defRPr b="0" i="0" sz="1400" u="none" cap="none" strike="noStrike">
+        <a:defRPr sz="1400" b="0" i="0" u="none" strike="noStrike" cap="none">
           <a:solidFill>
             <a:srgbClr val="000000"/>
           </a:solidFill>
@@ -7125,7 +7291,7 @@
           <a:sym typeface="Arial"/>
         </a:defRPr>
       </a:lvl5pPr>
-      <a:lvl6pPr lvl="5" marR="0" rtl="0" algn="l">
+      <a:lvl6pPr marR="0" lvl="5" algn="l" rtl="0">
         <a:lnSpc>
           <a:spcPct val="100000"/>
         </a:lnSpc>
@@ -7139,7 +7305,7 @@
           <a:srgbClr val="000000"/>
         </a:buClr>
         <a:buFont typeface="Arial"/>
-        <a:defRPr b="0" i="0" sz="1400" u="none" cap="none" strike="noStrike">
+        <a:defRPr sz="1400" b="0" i="0" u="none" strike="noStrike" cap="none">
           <a:solidFill>
             <a:srgbClr val="000000"/>
           </a:solidFill>
@@ -7149,7 +7315,7 @@
           <a:sym typeface="Arial"/>
         </a:defRPr>
       </a:lvl6pPr>
-      <a:lvl7pPr lvl="6" marR="0" rtl="0" algn="l">
+      <a:lvl7pPr marR="0" lvl="6" algn="l" rtl="0">
         <a:lnSpc>
           <a:spcPct val="100000"/>
         </a:lnSpc>
@@ -7163,7 +7329,7 @@
           <a:srgbClr val="000000"/>
         </a:buClr>
         <a:buFont typeface="Arial"/>
-        <a:defRPr b="0" i="0" sz="1400" u="none" cap="none" strike="noStrike">
+        <a:defRPr sz="1400" b="0" i="0" u="none" strike="noStrike" cap="none">
           <a:solidFill>
             <a:srgbClr val="000000"/>
           </a:solidFill>
@@ -7173,7 +7339,7 @@
           <a:sym typeface="Arial"/>
         </a:defRPr>
       </a:lvl7pPr>
-      <a:lvl8pPr lvl="7" marR="0" rtl="0" algn="l">
+      <a:lvl8pPr marR="0" lvl="7" algn="l" rtl="0">
         <a:lnSpc>
           <a:spcPct val="100000"/>
         </a:lnSpc>
@@ -7187,7 +7353,7 @@
           <a:srgbClr val="000000"/>
         </a:buClr>
         <a:buFont typeface="Arial"/>
-        <a:defRPr b="0" i="0" sz="1400" u="none" cap="none" strike="noStrike">
+        <a:defRPr sz="1400" b="0" i="0" u="none" strike="noStrike" cap="none">
           <a:solidFill>
             <a:srgbClr val="000000"/>
           </a:solidFill>
@@ -7197,7 +7363,7 @@
           <a:sym typeface="Arial"/>
         </a:defRPr>
       </a:lvl8pPr>
-      <a:lvl9pPr lvl="8" marR="0" rtl="0" algn="l">
+      <a:lvl9pPr marR="0" lvl="8" algn="l" rtl="0">
         <a:lnSpc>
           <a:spcPct val="100000"/>
         </a:lnSpc>
@@ -7211,7 +7377,7 @@
           <a:srgbClr val="000000"/>
         </a:buClr>
         <a:buFont typeface="Arial"/>
-        <a:defRPr b="0" i="0" sz="1400" u="none" cap="none" strike="noStrike">
+        <a:defRPr sz="1400" b="0" i="0" u="none" strike="noStrike" cap="none">
           <a:solidFill>
             <a:srgbClr val="000000"/>
           </a:solidFill>
@@ -7227,11 +7393,11 @@
 </file>
 
 <file path=ppt/slides/slide1.xml><?xml version="1.0" encoding="utf-8"?>
-<p:sld xmlns:a="http://schemas.openxmlformats.org/drawingml/2006/main" xmlns:r="http://schemas.openxmlformats.org/officeDocument/2006/relationships" xmlns:mc="http://schemas.openxmlformats.org/markup-compatibility/2006" xmlns:mv="urn:schemas-microsoft-com:mac:vml" xmlns:p="http://schemas.openxmlformats.org/presentationml/2006/main" xmlns:c="http://schemas.openxmlformats.org/drawingml/2006/chart" xmlns:dgm="http://schemas.openxmlformats.org/drawingml/2006/diagram" xmlns:o="urn:schemas-microsoft-com:office:office" xmlns:v="urn:schemas-microsoft-com:vml" xmlns:pvml="urn:schemas-microsoft-com:office:powerpoint" xmlns:com="http://schemas.openxmlformats.org/drawingml/2006/compatibility" xmlns:p14="http://schemas.microsoft.com/office/powerpoint/2010/main" xmlns:p15="http://schemas.microsoft.com/office/powerpoint/2012/main" xmlns:ahyp="http://schemas.microsoft.com/office/drawing/2018/hyperlinkcolor">
+<p:sld xmlns:a="http://schemas.openxmlformats.org/drawingml/2006/main" xmlns:r="http://schemas.openxmlformats.org/officeDocument/2006/relationships" xmlns:p="http://schemas.openxmlformats.org/presentationml/2006/main">
   <p:cSld>
     <p:spTree>
       <p:nvGrpSpPr>
-        <p:cNvPr id="57" name="Shape 57"/>
+        <p:cNvPr id="1" name="Shape 57"/>
         <p:cNvGrpSpPr/>
         <p:nvPr/>
       </p:nvGrpSpPr>
@@ -7246,7 +7412,9 @@
       <p:sp>
         <p:nvSpPr>
           <p:cNvPr id="58" name="Google Shape;58;p13"/>
-          <p:cNvSpPr txBox="1"/>
+          <p:cNvSpPr txBox="1">
+            <a:spLocks noGrp="1"/>
+          </p:cNvSpPr>
           <p:nvPr>
             <p:ph type="ctrTitle"/>
           </p:nvPr>
@@ -7261,12 +7429,12 @@
           </a:prstGeom>
         </p:spPr>
         <p:txBody>
-          <a:bodyPr anchorCtr="0" anchor="ctr" bIns="91425" lIns="91425" spcFirstLastPara="1" rIns="91425" wrap="square" tIns="91425">
+          <a:bodyPr spcFirstLastPara="1" wrap="square" lIns="91425" tIns="91425" rIns="91425" bIns="91425" anchor="ctr" anchorCtr="0">
             <a:noAutofit/>
           </a:bodyPr>
           <a:lstStyle/>
           <a:p>
-            <a:pPr indent="0" lvl="0" marL="0" rtl="0" algn="ctr">
+            <a:pPr marL="0" lvl="0" indent="0" algn="ctr" rtl="0">
               <a:spcBef>
                 <a:spcPts val="0"/>
               </a:spcBef>
@@ -7276,13 +7444,10 @@
               <a:buSzPts val="990"/>
               <a:buNone/>
             </a:pPr>
-            <a:r>
-              <a:t/>
-            </a:r>
             <a:endParaRPr sz="3000"/>
           </a:p>
           <a:p>
-            <a:pPr indent="0" lvl="0" marL="0" rtl="0" algn="ctr">
+            <a:pPr marL="0" lvl="0" indent="0" algn="ctr" rtl="0">
               <a:spcBef>
                 <a:spcPts val="0"/>
               </a:spcBef>
@@ -7303,9 +7468,11 @@
       <p:sp>
         <p:nvSpPr>
           <p:cNvPr id="59" name="Google Shape;59;p13"/>
-          <p:cNvSpPr txBox="1"/>
+          <p:cNvSpPr txBox="1">
+            <a:spLocks noGrp="1"/>
+          </p:cNvSpPr>
           <p:nvPr>
-            <p:ph idx="1" type="subTitle"/>
+            <p:ph type="subTitle" idx="1"/>
           </p:nvPr>
         </p:nvSpPr>
         <p:spPr>
@@ -7318,12 +7485,12 @@
           </a:prstGeom>
         </p:spPr>
         <p:txBody>
-          <a:bodyPr anchorCtr="0" anchor="ctr" bIns="91425" lIns="91425" spcFirstLastPara="1" rIns="91425" wrap="square" tIns="91425">
+          <a:bodyPr spcFirstLastPara="1" wrap="square" lIns="91425" tIns="91425" rIns="91425" bIns="91425" anchor="ctr" anchorCtr="0">
             <a:normAutofit fontScale="62500" lnSpcReduction="20000"/>
           </a:bodyPr>
           <a:lstStyle/>
           <a:p>
-            <a:pPr indent="0" lvl="0" marL="0" rtl="0" algn="l">
+            <a:pPr marL="0" lvl="0" indent="0" algn="l" rtl="0">
               <a:spcBef>
                 <a:spcPts val="0"/>
               </a:spcBef>
@@ -7339,7 +7506,7 @@
             <a:endParaRPr/>
           </a:p>
           <a:p>
-            <a:pPr indent="0" lvl="0" marL="0" rtl="0" algn="l">
+            <a:pPr marL="0" lvl="0" indent="0" algn="l" rtl="0">
               <a:spcBef>
                 <a:spcPts val="0"/>
               </a:spcBef>
@@ -7355,7 +7522,7 @@
             <a:endParaRPr sz="2000"/>
           </a:p>
           <a:p>
-            <a:pPr indent="0" lvl="0" marL="0" rtl="0" algn="l">
+            <a:pPr marL="0" lvl="0" indent="0" algn="l" rtl="0">
               <a:spcBef>
                 <a:spcPts val="0"/>
               </a:spcBef>
@@ -7371,7 +7538,7 @@
             <a:endParaRPr sz="2000"/>
           </a:p>
           <a:p>
-            <a:pPr indent="0" lvl="0" marL="0" rtl="0" algn="l">
+            <a:pPr marL="0" lvl="0" indent="0" algn="l" rtl="0">
               <a:spcBef>
                 <a:spcPts val="0"/>
               </a:spcBef>
@@ -7387,7 +7554,7 @@
             <a:endParaRPr sz="2000"/>
           </a:p>
           <a:p>
-            <a:pPr indent="0" lvl="0" marL="0" rtl="0" algn="l">
+            <a:pPr marL="0" lvl="0" indent="0" algn="l" rtl="0">
               <a:spcBef>
                 <a:spcPts val="0"/>
               </a:spcBef>
@@ -7403,7 +7570,7 @@
             <a:endParaRPr sz="2000"/>
           </a:p>
           <a:p>
-            <a:pPr indent="0" lvl="0" marL="0" rtl="0" algn="l">
+            <a:pPr marL="0" lvl="0" indent="0" algn="l" rtl="0">
               <a:spcBef>
                 <a:spcPts val="0"/>
               </a:spcBef>
@@ -7457,11 +7624,11 @@
 </file>
 
 <file path=ppt/slides/slide10.xml><?xml version="1.0" encoding="utf-8"?>
-<p:sld xmlns:a="http://schemas.openxmlformats.org/drawingml/2006/main" xmlns:r="http://schemas.openxmlformats.org/officeDocument/2006/relationships" xmlns:mc="http://schemas.openxmlformats.org/markup-compatibility/2006" xmlns:mv="urn:schemas-microsoft-com:mac:vml" xmlns:p="http://schemas.openxmlformats.org/presentationml/2006/main" xmlns:c="http://schemas.openxmlformats.org/drawingml/2006/chart" xmlns:dgm="http://schemas.openxmlformats.org/drawingml/2006/diagram" xmlns:o="urn:schemas-microsoft-com:office:office" xmlns:v="urn:schemas-microsoft-com:vml" xmlns:pvml="urn:schemas-microsoft-com:office:powerpoint" xmlns:com="http://schemas.openxmlformats.org/drawingml/2006/compatibility" xmlns:p14="http://schemas.microsoft.com/office/powerpoint/2010/main" xmlns:p15="http://schemas.microsoft.com/office/powerpoint/2012/main" xmlns:ahyp="http://schemas.microsoft.com/office/drawing/2018/hyperlinkcolor">
+<p:sld xmlns:a="http://schemas.openxmlformats.org/drawingml/2006/main" xmlns:r="http://schemas.openxmlformats.org/officeDocument/2006/relationships" xmlns:p="http://schemas.openxmlformats.org/presentationml/2006/main">
   <p:cSld>
     <p:spTree>
       <p:nvGrpSpPr>
-        <p:cNvPr id="116" name="Shape 116"/>
+        <p:cNvPr id="1" name="Shape 116"/>
         <p:cNvGrpSpPr/>
         <p:nvPr/>
       </p:nvGrpSpPr>
@@ -7476,7 +7643,9 @@
       <p:sp>
         <p:nvSpPr>
           <p:cNvPr id="117" name="Google Shape;117;p22"/>
-          <p:cNvSpPr txBox="1"/>
+          <p:cNvSpPr txBox="1">
+            <a:spLocks noGrp="1"/>
+          </p:cNvSpPr>
           <p:nvPr>
             <p:ph type="title"/>
           </p:nvPr>
@@ -7491,12 +7660,12 @@
           </a:prstGeom>
         </p:spPr>
         <p:txBody>
-          <a:bodyPr anchorCtr="0" anchor="ctr" bIns="91425" lIns="91425" spcFirstLastPara="1" rIns="91425" wrap="square" tIns="91425">
+          <a:bodyPr spcFirstLastPara="1" wrap="square" lIns="91425" tIns="91425" rIns="91425" bIns="91425" anchor="ctr" anchorCtr="0">
             <a:normAutofit/>
           </a:bodyPr>
           <a:lstStyle/>
           <a:p>
-            <a:pPr indent="0" lvl="0" marL="0" rtl="0" algn="ctr">
+            <a:pPr marL="0" lvl="0" indent="0" algn="ctr" rtl="0">
               <a:spcBef>
                 <a:spcPts val="0"/>
               </a:spcBef>
@@ -7522,11 +7691,11 @@
 </file>
 
 <file path=ppt/slides/slide2.xml><?xml version="1.0" encoding="utf-8"?>
-<p:sld xmlns:a="http://schemas.openxmlformats.org/drawingml/2006/main" xmlns:r="http://schemas.openxmlformats.org/officeDocument/2006/relationships" xmlns:mc="http://schemas.openxmlformats.org/markup-compatibility/2006" xmlns:mv="urn:schemas-microsoft-com:mac:vml" xmlns:p="http://schemas.openxmlformats.org/presentationml/2006/main" xmlns:c="http://schemas.openxmlformats.org/drawingml/2006/chart" xmlns:dgm="http://schemas.openxmlformats.org/drawingml/2006/diagram" xmlns:o="urn:schemas-microsoft-com:office:office" xmlns:v="urn:schemas-microsoft-com:vml" xmlns:pvml="urn:schemas-microsoft-com:office:powerpoint" xmlns:com="http://schemas.openxmlformats.org/drawingml/2006/compatibility" xmlns:p14="http://schemas.microsoft.com/office/powerpoint/2010/main" xmlns:p15="http://schemas.microsoft.com/office/powerpoint/2012/main" xmlns:ahyp="http://schemas.microsoft.com/office/drawing/2018/hyperlinkcolor">
+<p:sld xmlns:a="http://schemas.openxmlformats.org/drawingml/2006/main" xmlns:r="http://schemas.openxmlformats.org/officeDocument/2006/relationships" xmlns:p="http://schemas.openxmlformats.org/presentationml/2006/main">
   <p:cSld>
     <p:spTree>
       <p:nvGrpSpPr>
-        <p:cNvPr id="64" name="Shape 64"/>
+        <p:cNvPr id="1" name="Shape 64"/>
         <p:cNvGrpSpPr/>
         <p:nvPr/>
       </p:nvGrpSpPr>
@@ -7541,7 +7710,9 @@
       <p:sp>
         <p:nvSpPr>
           <p:cNvPr id="65" name="Google Shape;65;p14"/>
-          <p:cNvSpPr txBox="1"/>
+          <p:cNvSpPr txBox="1">
+            <a:spLocks noGrp="1"/>
+          </p:cNvSpPr>
           <p:nvPr>
             <p:ph type="title"/>
           </p:nvPr>
@@ -7556,12 +7727,12 @@
           </a:prstGeom>
         </p:spPr>
         <p:txBody>
-          <a:bodyPr anchorCtr="0" anchor="t" bIns="91425" lIns="91425" spcFirstLastPara="1" rIns="91425" wrap="square" tIns="91425">
+          <a:bodyPr spcFirstLastPara="1" wrap="square" lIns="91425" tIns="91425" rIns="91425" bIns="91425" anchor="t" anchorCtr="0">
             <a:normAutofit fontScale="90000"/>
           </a:bodyPr>
           <a:lstStyle/>
           <a:p>
-            <a:pPr indent="0" lvl="0" marL="0" rtl="0" algn="ctr">
+            <a:pPr marL="0" lvl="0" indent="0" algn="ctr" rtl="0">
               <a:spcBef>
                 <a:spcPts val="0"/>
               </a:spcBef>
@@ -7586,7 +7757,7 @@
         </p:nvGraphicFramePr>
         <p:xfrm>
           <a:off x="952500" y="1619250"/>
-          <a:ext cx="3000000" cy="3000000"/>
+          <a:ext cx="7239000" cy="2286000"/>
         </p:xfrm>
         <a:graphic>
           <a:graphicData uri="http://schemas.openxmlformats.org/drawingml/2006/table">
@@ -7596,8 +7767,20 @@
                 <a:tableStyleId>{986530C1-962C-4466-97EF-959D8E77A809}</a:tableStyleId>
               </a:tblPr>
               <a:tblGrid>
-                <a:gridCol w="3619500"/>
-                <a:gridCol w="3619500"/>
+                <a:gridCol w="3619500">
+                  <a:extLst>
+                    <a:ext uri="{9D8B030D-6E8A-4147-A177-3AD203B41FA5}">
+                      <a16:colId xmlns:a16="http://schemas.microsoft.com/office/drawing/2014/main" val="20000"/>
+                    </a:ext>
+                  </a:extLst>
+                </a:gridCol>
+                <a:gridCol w="3619500">
+                  <a:extLst>
+                    <a:ext uri="{9D8B030D-6E8A-4147-A177-3AD203B41FA5}">
+                      <a16:colId xmlns:a16="http://schemas.microsoft.com/office/drawing/2014/main" val="20001"/>
+                    </a:ext>
+                  </a:extLst>
+                </a:gridCol>
               </a:tblGrid>
               <a:tr h="381000">
                 <a:tc>
@@ -7605,7 +7788,7 @@
                     <a:bodyPr/>
                     <a:lstStyle/>
                     <a:p>
-                      <a:pPr indent="0" lvl="0" marL="0" marR="289560" rtl="0" algn="ctr">
+                      <a:pPr marL="0" marR="289560" lvl="0" indent="0" algn="ctr" rtl="0">
                         <a:lnSpc>
                           <a:spcPct val="115000"/>
                         </a:lnSpc>
@@ -7618,7 +7801,7 @@
                         <a:buNone/>
                       </a:pPr>
                       <a:r>
-                        <a:rPr b="1" lang="en-GB" sz="1200">
+                        <a:rPr lang="en-GB" sz="1200" b="1">
                           <a:solidFill>
                             <a:schemeClr val="dk2"/>
                           </a:solidFill>
@@ -7629,7 +7812,7 @@
                         </a:rPr>
                         <a:t>Project Sections</a:t>
                       </a:r>
-                      <a:endParaRPr b="1" sz="1200">
+                      <a:endParaRPr sz="1200" b="1">
                         <a:solidFill>
                           <a:schemeClr val="dk2"/>
                         </a:solidFill>
@@ -7640,14 +7823,14 @@
                       </a:endParaRPr>
                     </a:p>
                   </a:txBody>
-                  <a:tcPr marT="91425" marB="91425" marR="91425" marL="91425"/>
+                  <a:tcPr marL="91425" marR="91425" marT="91425" marB="91425"/>
                 </a:tc>
                 <a:tc>
                   <a:txBody>
                     <a:bodyPr/>
                     <a:lstStyle/>
                     <a:p>
-                      <a:pPr indent="0" lvl="0" marL="0" marR="289560" rtl="0" algn="ctr">
+                      <a:pPr marL="0" marR="289560" lvl="0" indent="0" algn="ctr" rtl="0">
                         <a:lnSpc>
                           <a:spcPct val="115000"/>
                         </a:lnSpc>
@@ -7660,7 +7843,7 @@
                         <a:buNone/>
                       </a:pPr>
                       <a:r>
-                        <a:rPr b="1" lang="en-GB" sz="1200">
+                        <a:rPr lang="en-GB" sz="1200" b="1">
                           <a:solidFill>
                             <a:schemeClr val="dk2"/>
                           </a:solidFill>
@@ -7671,7 +7854,7 @@
                         </a:rPr>
                         <a:t>Contributor(s)</a:t>
                       </a:r>
-                      <a:endParaRPr b="1" sz="1200">
+                      <a:endParaRPr sz="1200" b="1">
                         <a:solidFill>
                           <a:schemeClr val="dk2"/>
                         </a:solidFill>
@@ -7682,8 +7865,13 @@
                       </a:endParaRPr>
                     </a:p>
                   </a:txBody>
-                  <a:tcPr marT="91425" marB="91425" marR="91425" marL="91425"/>
+                  <a:tcPr marL="91425" marR="91425" marT="91425" marB="91425"/>
                 </a:tc>
+                <a:extLst>
+                  <a:ext uri="{0D108BD9-81ED-4DB2-BD59-A6C34878D82A}">
+                    <a16:rowId xmlns:a16="http://schemas.microsoft.com/office/drawing/2014/main" val="10000"/>
+                  </a:ext>
+                </a:extLst>
               </a:tr>
               <a:tr h="381000">
                 <a:tc>
@@ -7691,7 +7879,7 @@
                     <a:bodyPr/>
                     <a:lstStyle/>
                     <a:p>
-                      <a:pPr indent="0" lvl="0" marL="0" marR="289560" rtl="0" algn="ctr">
+                      <a:pPr marL="0" marR="289560" lvl="0" indent="0" algn="ctr" rtl="0">
                         <a:lnSpc>
                           <a:spcPct val="115000"/>
                         </a:lnSpc>
@@ -7718,14 +7906,14 @@
                       <a:endParaRPr/>
                     </a:p>
                   </a:txBody>
-                  <a:tcPr marT="91425" marB="91425" marR="91425" marL="91425"/>
+                  <a:tcPr marL="91425" marR="91425" marT="91425" marB="91425"/>
                 </a:tc>
                 <a:tc>
                   <a:txBody>
                     <a:bodyPr/>
                     <a:lstStyle/>
                     <a:p>
-                      <a:pPr indent="0" lvl="0" marL="0" marR="289560" rtl="0" algn="ctr">
+                      <a:pPr marL="0" marR="289560" lvl="0" indent="0" algn="ctr" rtl="0">
                         <a:lnSpc>
                           <a:spcPct val="115000"/>
                         </a:lnSpc>
@@ -7752,8 +7940,13 @@
                       <a:endParaRPr/>
                     </a:p>
                   </a:txBody>
-                  <a:tcPr marT="91425" marB="91425" marR="91425" marL="91425"/>
+                  <a:tcPr marL="91425" marR="91425" marT="91425" marB="91425"/>
                 </a:tc>
+                <a:extLst>
+                  <a:ext uri="{0D108BD9-81ED-4DB2-BD59-A6C34878D82A}">
+                    <a16:rowId xmlns:a16="http://schemas.microsoft.com/office/drawing/2014/main" val="10001"/>
+                  </a:ext>
+                </a:extLst>
               </a:tr>
               <a:tr h="381000">
                 <a:tc>
@@ -7761,7 +7954,7 @@
                     <a:bodyPr/>
                     <a:lstStyle/>
                     <a:p>
-                      <a:pPr indent="0" lvl="0" marL="0" marR="289560" rtl="0" algn="ctr">
+                      <a:pPr marL="0" marR="289560" lvl="0" indent="0" algn="ctr" rtl="0">
                         <a:lnSpc>
                           <a:spcPct val="115000"/>
                         </a:lnSpc>
@@ -7788,14 +7981,14 @@
                       <a:endParaRPr/>
                     </a:p>
                   </a:txBody>
-                  <a:tcPr marT="91425" marB="91425" marR="91425" marL="91425"/>
+                  <a:tcPr marL="91425" marR="91425" marT="91425" marB="91425"/>
                 </a:tc>
                 <a:tc>
                   <a:txBody>
                     <a:bodyPr/>
                     <a:lstStyle/>
                     <a:p>
-                      <a:pPr indent="0" lvl="0" marL="0" marR="289560" rtl="0" algn="ctr">
+                      <a:pPr marL="0" marR="289560" lvl="0" indent="0" algn="ctr" rtl="0">
                         <a:lnSpc>
                           <a:spcPct val="115000"/>
                         </a:lnSpc>
@@ -7822,8 +8015,13 @@
                       <a:endParaRPr/>
                     </a:p>
                   </a:txBody>
-                  <a:tcPr marT="91425" marB="91425" marR="91425" marL="91425"/>
+                  <a:tcPr marL="91425" marR="91425" marT="91425" marB="91425"/>
                 </a:tc>
+                <a:extLst>
+                  <a:ext uri="{0D108BD9-81ED-4DB2-BD59-A6C34878D82A}">
+                    <a16:rowId xmlns:a16="http://schemas.microsoft.com/office/drawing/2014/main" val="10002"/>
+                  </a:ext>
+                </a:extLst>
               </a:tr>
               <a:tr h="381000">
                 <a:tc>
@@ -7831,7 +8029,7 @@
                     <a:bodyPr/>
                     <a:lstStyle/>
                     <a:p>
-                      <a:pPr indent="0" lvl="0" marL="0" marR="289560" rtl="0" algn="ctr">
+                      <a:pPr marL="0" marR="289560" lvl="0" indent="0" algn="ctr" rtl="0">
                         <a:lnSpc>
                           <a:spcPct val="115000"/>
                         </a:lnSpc>
@@ -7858,14 +8056,14 @@
                       <a:endParaRPr/>
                     </a:p>
                   </a:txBody>
-                  <a:tcPr marT="91425" marB="91425" marR="91425" marL="91425"/>
+                  <a:tcPr marL="91425" marR="91425" marT="91425" marB="91425"/>
                 </a:tc>
                 <a:tc>
                   <a:txBody>
                     <a:bodyPr/>
                     <a:lstStyle/>
                     <a:p>
-                      <a:pPr indent="0" lvl="0" marL="0" marR="289560" rtl="0" algn="ctr">
+                      <a:pPr marL="0" marR="289560" lvl="0" indent="0" algn="ctr" rtl="0">
                         <a:lnSpc>
                           <a:spcPct val="115000"/>
                         </a:lnSpc>
@@ -7892,8 +8090,13 @@
                       <a:endParaRPr/>
                     </a:p>
                   </a:txBody>
-                  <a:tcPr marT="91425" marB="91425" marR="91425" marL="91425"/>
+                  <a:tcPr marL="91425" marR="91425" marT="91425" marB="91425"/>
                 </a:tc>
+                <a:extLst>
+                  <a:ext uri="{0D108BD9-81ED-4DB2-BD59-A6C34878D82A}">
+                    <a16:rowId xmlns:a16="http://schemas.microsoft.com/office/drawing/2014/main" val="10003"/>
+                  </a:ext>
+                </a:extLst>
               </a:tr>
               <a:tr h="381000">
                 <a:tc>
@@ -7901,7 +8104,7 @@
                     <a:bodyPr/>
                     <a:lstStyle/>
                     <a:p>
-                      <a:pPr indent="0" lvl="0" marL="0" marR="289560" rtl="0" algn="ctr">
+                      <a:pPr marL="0" marR="289560" lvl="0" indent="0" algn="ctr" rtl="0">
                         <a:lnSpc>
                           <a:spcPct val="115000"/>
                         </a:lnSpc>
@@ -7928,14 +8131,14 @@
                       <a:endParaRPr/>
                     </a:p>
                   </a:txBody>
-                  <a:tcPr marT="91425" marB="91425" marR="91425" marL="91425"/>
+                  <a:tcPr marL="91425" marR="91425" marT="91425" marB="91425"/>
                 </a:tc>
                 <a:tc>
                   <a:txBody>
                     <a:bodyPr/>
                     <a:lstStyle/>
                     <a:p>
-                      <a:pPr indent="0" lvl="0" marL="0" marR="289560" rtl="0" algn="ctr">
+                      <a:pPr marL="0" marR="289560" lvl="0" indent="0" algn="ctr" rtl="0">
                         <a:lnSpc>
                           <a:spcPct val="115000"/>
                         </a:lnSpc>
@@ -7962,8 +8165,13 @@
                       <a:endParaRPr/>
                     </a:p>
                   </a:txBody>
-                  <a:tcPr marT="91425" marB="91425" marR="91425" marL="91425"/>
+                  <a:tcPr marL="91425" marR="91425" marT="91425" marB="91425"/>
                 </a:tc>
+                <a:extLst>
+                  <a:ext uri="{0D108BD9-81ED-4DB2-BD59-A6C34878D82A}">
+                    <a16:rowId xmlns:a16="http://schemas.microsoft.com/office/drawing/2014/main" val="10004"/>
+                  </a:ext>
+                </a:extLst>
               </a:tr>
               <a:tr h="381000">
                 <a:tc>
@@ -7971,7 +8179,7 @@
                     <a:bodyPr/>
                     <a:lstStyle/>
                     <a:p>
-                      <a:pPr indent="0" lvl="0" marL="0" marR="289560" rtl="0" algn="ctr">
+                      <a:pPr marL="0" marR="289560" lvl="0" indent="0" algn="ctr" rtl="0">
                         <a:lnSpc>
                           <a:spcPct val="115000"/>
                         </a:lnSpc>
@@ -7998,14 +8206,14 @@
                       <a:endParaRPr/>
                     </a:p>
                   </a:txBody>
-                  <a:tcPr marT="91425" marB="91425" marR="91425" marL="91425"/>
+                  <a:tcPr marL="91425" marR="91425" marT="91425" marB="91425"/>
                 </a:tc>
                 <a:tc>
                   <a:txBody>
                     <a:bodyPr/>
                     <a:lstStyle/>
                     <a:p>
-                      <a:pPr indent="0" lvl="0" marL="0" marR="289560" rtl="0" algn="ctr">
+                      <a:pPr marL="0" marR="289560" lvl="0" indent="0" algn="ctr" rtl="0">
                         <a:lnSpc>
                           <a:spcPct val="115000"/>
                         </a:lnSpc>
@@ -8032,8 +8240,13 @@
                       <a:endParaRPr/>
                     </a:p>
                   </a:txBody>
-                  <a:tcPr marT="91425" marB="91425" marR="91425" marL="91425"/>
+                  <a:tcPr marL="91425" marR="91425" marT="91425" marB="91425"/>
                 </a:tc>
+                <a:extLst>
+                  <a:ext uri="{0D108BD9-81ED-4DB2-BD59-A6C34878D82A}">
+                    <a16:rowId xmlns:a16="http://schemas.microsoft.com/office/drawing/2014/main" val="10005"/>
+                  </a:ext>
+                </a:extLst>
               </a:tr>
             </a:tbl>
           </a:graphicData>
@@ -8048,11 +8261,11 @@
 </file>
 
 <file path=ppt/slides/slide3.xml><?xml version="1.0" encoding="utf-8"?>
-<p:sld xmlns:a="http://schemas.openxmlformats.org/drawingml/2006/main" xmlns:r="http://schemas.openxmlformats.org/officeDocument/2006/relationships" xmlns:mc="http://schemas.openxmlformats.org/markup-compatibility/2006" xmlns:mv="urn:schemas-microsoft-com:mac:vml" xmlns:p="http://schemas.openxmlformats.org/presentationml/2006/main" xmlns:c="http://schemas.openxmlformats.org/drawingml/2006/chart" xmlns:dgm="http://schemas.openxmlformats.org/drawingml/2006/diagram" xmlns:o="urn:schemas-microsoft-com:office:office" xmlns:v="urn:schemas-microsoft-com:vml" xmlns:pvml="urn:schemas-microsoft-com:office:powerpoint" xmlns:com="http://schemas.openxmlformats.org/drawingml/2006/compatibility" xmlns:p14="http://schemas.microsoft.com/office/powerpoint/2010/main" xmlns:p15="http://schemas.microsoft.com/office/powerpoint/2012/main" xmlns:ahyp="http://schemas.microsoft.com/office/drawing/2018/hyperlinkcolor">
+<p:sld xmlns:a="http://schemas.openxmlformats.org/drawingml/2006/main" xmlns:r="http://schemas.openxmlformats.org/officeDocument/2006/relationships" xmlns:p="http://schemas.openxmlformats.org/presentationml/2006/main">
   <p:cSld>
     <p:spTree>
       <p:nvGrpSpPr>
-        <p:cNvPr id="70" name="Shape 70"/>
+        <p:cNvPr id="1" name="Shape 70"/>
         <p:cNvGrpSpPr/>
         <p:nvPr/>
       </p:nvGrpSpPr>
@@ -8067,7 +8280,9 @@
       <p:sp>
         <p:nvSpPr>
           <p:cNvPr id="71" name="Google Shape;71;p15"/>
-          <p:cNvSpPr txBox="1"/>
+          <p:cNvSpPr txBox="1">
+            <a:spLocks noGrp="1"/>
+          </p:cNvSpPr>
           <p:nvPr>
             <p:ph type="title"/>
           </p:nvPr>
@@ -8082,12 +8297,12 @@
           </a:prstGeom>
         </p:spPr>
         <p:txBody>
-          <a:bodyPr anchorCtr="0" anchor="t" bIns="91425" lIns="91425" spcFirstLastPara="1" rIns="91425" wrap="square" tIns="91425">
+          <a:bodyPr spcFirstLastPara="1" wrap="square" lIns="91425" tIns="91425" rIns="91425" bIns="91425" anchor="t" anchorCtr="0">
             <a:normAutofit fontScale="90000"/>
           </a:bodyPr>
           <a:lstStyle/>
           <a:p>
-            <a:pPr indent="0" lvl="0" marL="0" rtl="0" algn="ctr">
+            <a:pPr marL="0" lvl="0" indent="0" algn="ctr" rtl="0">
               <a:spcBef>
                 <a:spcPts val="0"/>
               </a:spcBef>
@@ -8107,9 +8322,11 @@
       <p:sp>
         <p:nvSpPr>
           <p:cNvPr id="72" name="Google Shape;72;p15"/>
-          <p:cNvSpPr txBox="1"/>
+          <p:cNvSpPr txBox="1">
+            <a:spLocks noGrp="1"/>
+          </p:cNvSpPr>
           <p:nvPr>
-            <p:ph idx="1" type="body"/>
+            <p:ph type="body" idx="1"/>
           </p:nvPr>
         </p:nvSpPr>
         <p:spPr>
@@ -8122,12 +8339,12 @@
           </a:prstGeom>
         </p:spPr>
         <p:txBody>
-          <a:bodyPr anchorCtr="0" anchor="t" bIns="91425" lIns="91425" spcFirstLastPara="1" rIns="91425" wrap="square" tIns="91425">
+          <a:bodyPr spcFirstLastPara="1" wrap="square" lIns="91425" tIns="91425" rIns="91425" bIns="91425" anchor="t" anchorCtr="0">
             <a:normAutofit/>
           </a:bodyPr>
           <a:lstStyle/>
           <a:p>
-            <a:pPr indent="0" lvl="0" marL="457200" rtl="0" algn="ctr">
+            <a:pPr marL="457200" lvl="0" indent="0" algn="ctr" rtl="0">
               <a:spcBef>
                 <a:spcPts val="0"/>
               </a:spcBef>
@@ -8138,20 +8355,12 @@
             </a:pPr>
             <a:r>
               <a:rPr lang="en-GB"/>
-              <a:t>In a era marked by rapid advancements, increasing </a:t>
-            </a:r>
-            <a:r>
-              <a:rPr lang="en-GB"/>
-              <a:t>responsibilities</a:t>
-            </a:r>
-            <a:r>
-              <a:rPr lang="en-GB"/>
-              <a:t>, and global challenges, </a:t>
+              <a:t>In a era marked by rapid advancements, increasing responsibilities, and global challenges, </a:t>
             </a:r>
             <a:endParaRPr/>
           </a:p>
           <a:p>
-            <a:pPr indent="0" lvl="0" marL="457200" rtl="0" algn="ctr">
+            <a:pPr marL="457200" lvl="0" indent="0" algn="ctr" rtl="0">
               <a:spcBef>
                 <a:spcPts val="1200"/>
               </a:spcBef>
@@ -8160,13 +8369,10 @@
               </a:spcAft>
               <a:buNone/>
             </a:pPr>
-            <a:r>
-              <a:t/>
-            </a:r>
             <a:endParaRPr/>
           </a:p>
           <a:p>
-            <a:pPr indent="0" lvl="0" marL="457200" rtl="0" algn="ctr">
+            <a:pPr marL="457200" lvl="0" indent="0" algn="ctr" rtl="0">
               <a:spcBef>
                 <a:spcPts val="1200"/>
               </a:spcBef>
@@ -8180,7 +8386,7 @@
               <a:t>The importance of </a:t>
             </a:r>
             <a:r>
-              <a:rPr b="1" lang="en-GB"/>
+              <a:rPr lang="en-GB" b="1"/>
               <a:t>mental health</a:t>
             </a:r>
             <a:r>
@@ -8190,7 +8396,7 @@
             <a:endParaRPr/>
           </a:p>
           <a:p>
-            <a:pPr indent="0" lvl="0" marL="457200" rtl="0" algn="ctr">
+            <a:pPr marL="457200" lvl="0" indent="0" algn="ctr" rtl="0">
               <a:spcBef>
                 <a:spcPts val="1200"/>
               </a:spcBef>
@@ -8199,13 +8405,10 @@
               </a:spcAft>
               <a:buNone/>
             </a:pPr>
-            <a:r>
-              <a:t/>
-            </a:r>
             <a:endParaRPr/>
           </a:p>
           <a:p>
-            <a:pPr indent="0" lvl="0" marL="457200" rtl="0" algn="ctr">
+            <a:pPr marL="457200" lvl="0" indent="0" algn="ctr" rtl="0">
               <a:spcBef>
                 <a:spcPts val="1200"/>
               </a:spcBef>
@@ -8242,12 +8445,12 @@
           </a:ln>
         </p:spPr>
         <p:txBody>
-          <a:bodyPr anchorCtr="0" anchor="t" bIns="91425" lIns="91425" spcFirstLastPara="1" rIns="91425" wrap="square" tIns="91425">
+          <a:bodyPr spcFirstLastPara="1" wrap="square" lIns="91425" tIns="91425" rIns="91425" bIns="91425" anchor="t" anchorCtr="0">
             <a:noAutofit/>
           </a:bodyPr>
           <a:lstStyle/>
           <a:p>
-            <a:pPr indent="0" lvl="0" marL="0" rtl="0" algn="l">
+            <a:pPr marL="0" lvl="0" indent="0" algn="l" rtl="0">
               <a:spcBef>
                 <a:spcPts val="0"/>
               </a:spcBef>
@@ -8283,11 +8486,11 @@
 </file>
 
 <file path=ppt/slides/slide4.xml><?xml version="1.0" encoding="utf-8"?>
-<p:sld xmlns:a="http://schemas.openxmlformats.org/drawingml/2006/main" xmlns:r="http://schemas.openxmlformats.org/officeDocument/2006/relationships" xmlns:mc="http://schemas.openxmlformats.org/markup-compatibility/2006" xmlns:mv="urn:schemas-microsoft-com:mac:vml" xmlns:p="http://schemas.openxmlformats.org/presentationml/2006/main" xmlns:c="http://schemas.openxmlformats.org/drawingml/2006/chart" xmlns:dgm="http://schemas.openxmlformats.org/drawingml/2006/diagram" xmlns:o="urn:schemas-microsoft-com:office:office" xmlns:v="urn:schemas-microsoft-com:vml" xmlns:pvml="urn:schemas-microsoft-com:office:powerpoint" xmlns:com="http://schemas.openxmlformats.org/drawingml/2006/compatibility" xmlns:p14="http://schemas.microsoft.com/office/powerpoint/2010/main" xmlns:p15="http://schemas.microsoft.com/office/powerpoint/2012/main" xmlns:ahyp="http://schemas.microsoft.com/office/drawing/2018/hyperlinkcolor">
+<p:sld xmlns:a="http://schemas.openxmlformats.org/drawingml/2006/main" xmlns:r="http://schemas.openxmlformats.org/officeDocument/2006/relationships" xmlns:p="http://schemas.openxmlformats.org/presentationml/2006/main">
   <p:cSld>
     <p:spTree>
       <p:nvGrpSpPr>
-        <p:cNvPr id="77" name="Shape 77"/>
+        <p:cNvPr id="1" name="Shape 77"/>
         <p:cNvGrpSpPr/>
         <p:nvPr/>
       </p:nvGrpSpPr>
@@ -8302,7 +8505,9 @@
       <p:sp>
         <p:nvSpPr>
           <p:cNvPr id="78" name="Google Shape;78;p16"/>
-          <p:cNvSpPr txBox="1"/>
+          <p:cNvSpPr txBox="1">
+            <a:spLocks noGrp="1"/>
+          </p:cNvSpPr>
           <p:nvPr>
             <p:ph type="title"/>
           </p:nvPr>
@@ -8317,12 +8522,12 @@
           </a:prstGeom>
         </p:spPr>
         <p:txBody>
-          <a:bodyPr anchorCtr="0" anchor="t" bIns="91425" lIns="91425" spcFirstLastPara="1" rIns="91425" wrap="square" tIns="91425">
+          <a:bodyPr spcFirstLastPara="1" wrap="square" lIns="91425" tIns="91425" rIns="91425" bIns="91425" anchor="t" anchorCtr="0">
             <a:normAutofit fontScale="90000"/>
           </a:bodyPr>
           <a:lstStyle/>
           <a:p>
-            <a:pPr indent="0" lvl="0" marL="0" rtl="0" algn="l">
+            <a:pPr marL="0" lvl="0" indent="0" algn="l" rtl="0">
               <a:spcBef>
                 <a:spcPts val="0"/>
               </a:spcBef>
@@ -8342,9 +8547,11 @@
       <p:sp>
         <p:nvSpPr>
           <p:cNvPr id="79" name="Google Shape;79;p16"/>
-          <p:cNvSpPr txBox="1"/>
+          <p:cNvSpPr txBox="1">
+            <a:spLocks noGrp="1"/>
+          </p:cNvSpPr>
           <p:nvPr>
-            <p:ph idx="1" type="body"/>
+            <p:ph type="body" idx="1"/>
           </p:nvPr>
         </p:nvSpPr>
         <p:spPr>
@@ -8357,12 +8564,12 @@
           </a:prstGeom>
         </p:spPr>
         <p:txBody>
-          <a:bodyPr anchorCtr="0" anchor="t" bIns="91425" lIns="91425" spcFirstLastPara="1" rIns="91425" wrap="square" tIns="91425">
+          <a:bodyPr spcFirstLastPara="1" wrap="square" lIns="91425" tIns="91425" rIns="91425" bIns="91425" anchor="t" anchorCtr="0">
             <a:normAutofit/>
           </a:bodyPr>
           <a:lstStyle/>
           <a:p>
-            <a:pPr indent="0" lvl="0" marL="0" rtl="0" algn="l">
+            <a:pPr marL="0" lvl="0" indent="0" algn="l" rtl="0">
               <a:spcBef>
                 <a:spcPts val="0"/>
               </a:spcBef>
@@ -8372,13 +8579,13 @@
               <a:buNone/>
             </a:pPr>
             <a:r>
-              <a:rPr b="1" lang="en-GB"/>
+              <a:rPr lang="en-GB" b="1"/>
               <a:t>Main Objectives</a:t>
             </a:r>
             <a:endParaRPr b="1"/>
           </a:p>
           <a:p>
-            <a:pPr indent="-342900" lvl="0" marL="457200" rtl="0" algn="l">
+            <a:pPr marL="457200" lvl="0" indent="-342900" algn="l" rtl="0">
               <a:spcBef>
                 <a:spcPts val="1200"/>
               </a:spcBef>
@@ -8390,16 +8597,12 @@
             </a:pPr>
             <a:r>
               <a:rPr lang="en-GB"/>
-              <a:t>Gathering </a:t>
-            </a:r>
-            <a:r>
-              <a:rPr lang="en-GB"/>
-              <a:t>Datasets [ Kaggle etc. ]</a:t>
+              <a:t>Gathering Datasets [ Kaggle etc. ]</a:t>
             </a:r>
             <a:endParaRPr/>
           </a:p>
           <a:p>
-            <a:pPr indent="-342900" lvl="0" marL="457200" rtl="0" algn="l">
+            <a:pPr marL="457200" lvl="0" indent="-342900" algn="l" rtl="0">
               <a:spcBef>
                 <a:spcPts val="0"/>
               </a:spcBef>
@@ -8416,7 +8619,7 @@
             <a:endParaRPr/>
           </a:p>
           <a:p>
-            <a:pPr indent="-342900" lvl="0" marL="457200" rtl="0" algn="l">
+            <a:pPr marL="457200" lvl="0" indent="-342900" algn="l" rtl="0">
               <a:spcBef>
                 <a:spcPts val="0"/>
               </a:spcBef>
@@ -8433,7 +8636,7 @@
             <a:endParaRPr/>
           </a:p>
           <a:p>
-            <a:pPr indent="0" lvl="0" marL="0" rtl="0" algn="l">
+            <a:pPr marL="0" lvl="0" indent="0" algn="l" rtl="0">
               <a:spcBef>
                 <a:spcPts val="1200"/>
               </a:spcBef>
@@ -8442,13 +8645,10 @@
               </a:spcAft>
               <a:buNone/>
             </a:pPr>
-            <a:r>
-              <a:t/>
-            </a:r>
             <a:endParaRPr/>
           </a:p>
           <a:p>
-            <a:pPr indent="0" lvl="0" marL="0" rtl="0" algn="l">
+            <a:pPr marL="0" lvl="0" indent="0" algn="l" rtl="0">
               <a:spcBef>
                 <a:spcPts val="1200"/>
               </a:spcBef>
@@ -8458,13 +8658,13 @@
               <a:buNone/>
             </a:pPr>
             <a:r>
-              <a:rPr b="1" lang="en-GB"/>
+              <a:rPr lang="en-GB" b="1"/>
               <a:t>Project Specific Objectives</a:t>
             </a:r>
             <a:endParaRPr b="1"/>
           </a:p>
           <a:p>
-            <a:pPr indent="-342900" lvl="0" marL="457200" rtl="0" algn="l">
+            <a:pPr marL="457200" lvl="0" indent="-342900" algn="l" rtl="0">
               <a:spcBef>
                 <a:spcPts val="1200"/>
               </a:spcBef>
@@ -8476,20 +8676,12 @@
             </a:pPr>
             <a:r>
               <a:rPr lang="en-GB"/>
-              <a:t>Introduces a survey for anyone to fill in, comprises of common measures of happiness/</a:t>
-            </a:r>
-            <a:r>
-              <a:rPr lang="en-GB"/>
-              <a:t>fulfillment</a:t>
-            </a:r>
-            <a:r>
-              <a:rPr lang="en-GB"/>
-              <a:t> in life</a:t>
+              <a:t>Introduces a survey for anyone to fill in, comprises of common measures of happiness/fulfillment in life</a:t>
             </a:r>
             <a:endParaRPr/>
           </a:p>
           <a:p>
-            <a:pPr indent="-342900" lvl="0" marL="457200" rtl="0" algn="l">
+            <a:pPr marL="457200" lvl="0" indent="-342900" algn="l" rtl="0">
               <a:spcBef>
                 <a:spcPts val="0"/>
               </a:spcBef>
@@ -8516,11 +8708,11 @@
 </file>
 
 <file path=ppt/slides/slide5.xml><?xml version="1.0" encoding="utf-8"?>
-<p:sld xmlns:a="http://schemas.openxmlformats.org/drawingml/2006/main" xmlns:r="http://schemas.openxmlformats.org/officeDocument/2006/relationships" xmlns:mc="http://schemas.openxmlformats.org/markup-compatibility/2006" xmlns:mv="urn:schemas-microsoft-com:mac:vml" xmlns:p="http://schemas.openxmlformats.org/presentationml/2006/main" xmlns:c="http://schemas.openxmlformats.org/drawingml/2006/chart" xmlns:dgm="http://schemas.openxmlformats.org/drawingml/2006/diagram" xmlns:o="urn:schemas-microsoft-com:office:office" xmlns:v="urn:schemas-microsoft-com:vml" xmlns:pvml="urn:schemas-microsoft-com:office:powerpoint" xmlns:com="http://schemas.openxmlformats.org/drawingml/2006/compatibility" xmlns:p14="http://schemas.microsoft.com/office/powerpoint/2010/main" xmlns:p15="http://schemas.microsoft.com/office/powerpoint/2012/main" xmlns:ahyp="http://schemas.microsoft.com/office/drawing/2018/hyperlinkcolor">
+<p:sld xmlns:a="http://schemas.openxmlformats.org/drawingml/2006/main" xmlns:r="http://schemas.openxmlformats.org/officeDocument/2006/relationships" xmlns:p="http://schemas.openxmlformats.org/presentationml/2006/main">
   <p:cSld>
     <p:spTree>
       <p:nvGrpSpPr>
-        <p:cNvPr id="83" name="Shape 83"/>
+        <p:cNvPr id="1" name="Shape 83"/>
         <p:cNvGrpSpPr/>
         <p:nvPr/>
       </p:nvGrpSpPr>
@@ -8535,7 +8727,9 @@
       <p:sp>
         <p:nvSpPr>
           <p:cNvPr id="84" name="Google Shape;84;p17"/>
-          <p:cNvSpPr txBox="1"/>
+          <p:cNvSpPr txBox="1">
+            <a:spLocks noGrp="1"/>
+          </p:cNvSpPr>
           <p:nvPr>
             <p:ph type="title"/>
           </p:nvPr>
@@ -8550,12 +8744,12 @@
           </a:prstGeom>
         </p:spPr>
         <p:txBody>
-          <a:bodyPr anchorCtr="0" anchor="t" bIns="91425" lIns="91425" spcFirstLastPara="1" rIns="91425" wrap="square" tIns="91425">
+          <a:bodyPr spcFirstLastPara="1" wrap="square" lIns="91425" tIns="91425" rIns="91425" bIns="91425" anchor="t" anchorCtr="0">
             <a:normAutofit fontScale="90000"/>
           </a:bodyPr>
           <a:lstStyle/>
           <a:p>
-            <a:pPr indent="0" lvl="0" marL="0" rtl="0" algn="l">
+            <a:pPr marL="0" lvl="0" indent="0" algn="l" rtl="0">
               <a:spcBef>
                 <a:spcPts val="0"/>
               </a:spcBef>
@@ -8566,11 +8760,7 @@
             </a:pPr>
             <a:r>
               <a:rPr lang="en-GB"/>
-              <a:t>Gathering</a:t>
-            </a:r>
-            <a:r>
-              <a:rPr lang="en-GB"/>
-              <a:t> Datasets Process</a:t>
+              <a:t>Gathering Datasets Process</a:t>
             </a:r>
             <a:endParaRPr/>
           </a:p>
@@ -8579,9 +8769,11 @@
       <p:sp>
         <p:nvSpPr>
           <p:cNvPr id="85" name="Google Shape;85;p17"/>
-          <p:cNvSpPr txBox="1"/>
+          <p:cNvSpPr txBox="1">
+            <a:spLocks noGrp="1"/>
+          </p:cNvSpPr>
           <p:nvPr>
-            <p:ph idx="1" type="body"/>
+            <p:ph type="body" idx="1"/>
           </p:nvPr>
         </p:nvSpPr>
         <p:spPr>
@@ -8594,12 +8786,12 @@
           </a:prstGeom>
         </p:spPr>
         <p:txBody>
-          <a:bodyPr anchorCtr="0" anchor="t" bIns="91425" lIns="91425" spcFirstLastPara="1" rIns="91425" wrap="square" tIns="91425">
+          <a:bodyPr spcFirstLastPara="1" wrap="square" lIns="91425" tIns="91425" rIns="91425" bIns="91425" anchor="t" anchorCtr="0">
             <a:normAutofit/>
           </a:bodyPr>
           <a:lstStyle/>
           <a:p>
-            <a:pPr indent="0" lvl="0" marL="0" rtl="0" algn="l">
+            <a:pPr marL="0" lvl="0" indent="0" algn="l" rtl="0">
               <a:spcBef>
                 <a:spcPts val="0"/>
               </a:spcBef>
@@ -8609,13 +8801,13 @@
               <a:buNone/>
             </a:pPr>
             <a:r>
-              <a:rPr b="1" lang="en-GB"/>
+              <a:rPr lang="en-GB" b="1"/>
               <a:t>Why Kaggle ?</a:t>
             </a:r>
             <a:endParaRPr b="1"/>
           </a:p>
           <a:p>
-            <a:pPr indent="-342900" lvl="0" marL="457200" rtl="0" algn="l">
+            <a:pPr marL="457200" lvl="0" indent="-342900" algn="l" rtl="0">
               <a:lnSpc>
                 <a:spcPct val="150000"/>
               </a:lnSpc>
@@ -8629,7 +8821,7 @@
               <a:buChar char="●"/>
             </a:pPr>
             <a:r>
-              <a:rPr b="1" lang="en-GB"/>
+              <a:rPr lang="en-GB" b="1"/>
               <a:t>Vast and diverse</a:t>
             </a:r>
             <a:r>
@@ -8639,7 +8831,7 @@
             <a:endParaRPr/>
           </a:p>
           <a:p>
-            <a:pPr indent="-342900" lvl="0" marL="457200" rtl="0" algn="l">
+            <a:pPr marL="457200" lvl="0" indent="-342900" algn="l" rtl="0">
               <a:lnSpc>
                 <a:spcPct val="150000"/>
               </a:lnSpc>
@@ -8653,7 +8845,7 @@
               <a:buChar char="●"/>
             </a:pPr>
             <a:r>
-              <a:rPr b="1" lang="en-GB"/>
+              <a:rPr lang="en-GB" b="1"/>
               <a:t>Time and resource-efficient</a:t>
             </a:r>
             <a:r>
@@ -8663,7 +8855,7 @@
             <a:endParaRPr/>
           </a:p>
           <a:p>
-            <a:pPr indent="-342900" lvl="0" marL="457200" rtl="0" algn="l">
+            <a:pPr marL="457200" lvl="0" indent="-342900" algn="l" rtl="0">
               <a:lnSpc>
                 <a:spcPct val="150000"/>
               </a:lnSpc>
@@ -8677,7 +8869,7 @@
               <a:buChar char="●"/>
             </a:pPr>
             <a:r>
-              <a:rPr b="1" lang="en-GB"/>
+              <a:rPr lang="en-GB" b="1"/>
               <a:t>Up to date</a:t>
             </a:r>
             <a:r>
@@ -8725,11 +8917,11 @@
 </file>
 
 <file path=ppt/slides/slide6.xml><?xml version="1.0" encoding="utf-8"?>
-<p:sld xmlns:a="http://schemas.openxmlformats.org/drawingml/2006/main" xmlns:r="http://schemas.openxmlformats.org/officeDocument/2006/relationships" xmlns:mc="http://schemas.openxmlformats.org/markup-compatibility/2006" xmlns:mv="urn:schemas-microsoft-com:mac:vml" xmlns:p="http://schemas.openxmlformats.org/presentationml/2006/main" xmlns:c="http://schemas.openxmlformats.org/drawingml/2006/chart" xmlns:dgm="http://schemas.openxmlformats.org/drawingml/2006/diagram" xmlns:o="urn:schemas-microsoft-com:office:office" xmlns:v="urn:schemas-microsoft-com:vml" xmlns:pvml="urn:schemas-microsoft-com:office:powerpoint" xmlns:com="http://schemas.openxmlformats.org/drawingml/2006/compatibility" xmlns:p14="http://schemas.microsoft.com/office/powerpoint/2010/main" xmlns:p15="http://schemas.microsoft.com/office/powerpoint/2012/main" xmlns:ahyp="http://schemas.microsoft.com/office/drawing/2018/hyperlinkcolor">
+<p:sld xmlns:a="http://schemas.openxmlformats.org/drawingml/2006/main" xmlns:r="http://schemas.openxmlformats.org/officeDocument/2006/relationships" xmlns:p="http://schemas.openxmlformats.org/presentationml/2006/main">
   <p:cSld>
     <p:spTree>
       <p:nvGrpSpPr>
-        <p:cNvPr id="90" name="Shape 90"/>
+        <p:cNvPr id="1" name="Shape 90"/>
         <p:cNvGrpSpPr/>
         <p:nvPr/>
       </p:nvGrpSpPr>
@@ -8744,7 +8936,9 @@
       <p:sp>
         <p:nvSpPr>
           <p:cNvPr id="91" name="Google Shape;91;p18"/>
-          <p:cNvSpPr txBox="1"/>
+          <p:cNvSpPr txBox="1">
+            <a:spLocks noGrp="1"/>
+          </p:cNvSpPr>
           <p:nvPr>
             <p:ph type="title"/>
           </p:nvPr>
@@ -8759,12 +8953,12 @@
           </a:prstGeom>
         </p:spPr>
         <p:txBody>
-          <a:bodyPr anchorCtr="0" anchor="t" bIns="91425" lIns="91425" spcFirstLastPara="1" rIns="91425" wrap="square" tIns="91425">
+          <a:bodyPr spcFirstLastPara="1" wrap="square" lIns="91425" tIns="91425" rIns="91425" bIns="91425" anchor="t" anchorCtr="0">
             <a:normAutofit fontScale="90000"/>
           </a:bodyPr>
           <a:lstStyle/>
           <a:p>
-            <a:pPr indent="0" lvl="0" marL="0" rtl="0" algn="l">
+            <a:pPr marL="0" lvl="0" indent="0" algn="l" rtl="0">
               <a:spcBef>
                 <a:spcPts val="0"/>
               </a:spcBef>
@@ -8784,9 +8978,11 @@
       <p:sp>
         <p:nvSpPr>
           <p:cNvPr id="92" name="Google Shape;92;p18"/>
-          <p:cNvSpPr txBox="1"/>
+          <p:cNvSpPr txBox="1">
+            <a:spLocks noGrp="1"/>
+          </p:cNvSpPr>
           <p:nvPr>
-            <p:ph idx="1" type="body"/>
+            <p:ph type="body" idx="1"/>
           </p:nvPr>
         </p:nvSpPr>
         <p:spPr>
@@ -8799,12 +8995,12 @@
           </a:prstGeom>
         </p:spPr>
         <p:txBody>
-          <a:bodyPr anchorCtr="0" anchor="t" bIns="91425" lIns="91425" spcFirstLastPara="1" rIns="91425" wrap="square" tIns="91425">
-            <a:normAutofit fontScale="92500" lnSpcReduction="20000"/>
+          <a:bodyPr spcFirstLastPara="1" wrap="square" lIns="91425" tIns="91425" rIns="91425" bIns="91425" anchor="t" anchorCtr="0">
+            <a:normAutofit fontScale="85000" lnSpcReduction="20000"/>
           </a:bodyPr>
           <a:lstStyle/>
           <a:p>
-            <a:pPr indent="0" lvl="0" marL="0" rtl="0" algn="l">
+            <a:pPr marL="0" lvl="0" indent="0" algn="l" rtl="0">
               <a:spcBef>
                 <a:spcPts val="0"/>
               </a:spcBef>
@@ -8814,13 +9010,13 @@
               <a:buNone/>
             </a:pPr>
             <a:r>
-              <a:rPr b="1" lang="en-GB"/>
+              <a:rPr lang="en-GB" b="1" dirty="0"/>
               <a:t>Why MySQL ?</a:t>
             </a:r>
-            <a:endParaRPr b="1"/>
+            <a:endParaRPr b="1" dirty="0"/>
           </a:p>
           <a:p>
-            <a:pPr indent="-334327" lvl="0" marL="457200" rtl="0" algn="l">
+            <a:pPr marL="457200" lvl="0" indent="-334327" algn="l" rtl="0">
               <a:spcBef>
                 <a:spcPts val="1200"/>
               </a:spcBef>
@@ -8831,13 +9027,13 @@
               <a:buChar char="●"/>
             </a:pPr>
             <a:r>
-              <a:rPr lang="en-GB"/>
+              <a:rPr lang="en-GB" dirty="0"/>
               <a:t>Open Source and Cost-Efficient</a:t>
             </a:r>
-            <a:endParaRPr/>
+            <a:endParaRPr dirty="0"/>
           </a:p>
           <a:p>
-            <a:pPr indent="-334327" lvl="0" marL="457200" rtl="0" algn="l">
+            <a:pPr marL="457200" lvl="0" indent="-334327" algn="l" rtl="0">
               <a:spcBef>
                 <a:spcPts val="0"/>
               </a:spcBef>
@@ -8848,13 +9044,13 @@
               <a:buChar char="●"/>
             </a:pPr>
             <a:r>
-              <a:rPr lang="en-GB"/>
+              <a:rPr lang="en-GB" dirty="0"/>
               <a:t>Widely-used and Familiarity</a:t>
             </a:r>
-            <a:endParaRPr/>
+            <a:endParaRPr dirty="0"/>
           </a:p>
           <a:p>
-            <a:pPr indent="-334327" lvl="0" marL="457200" rtl="0" algn="l">
+            <a:pPr marL="457200" lvl="0" indent="-334327" algn="l" rtl="0">
               <a:spcBef>
                 <a:spcPts val="0"/>
               </a:spcBef>
@@ -8865,13 +9061,25 @@
               <a:buChar char="●"/>
             </a:pPr>
             <a:r>
-              <a:rPr lang="en-GB"/>
+              <a:rPr lang="en-GB" dirty="0"/>
               <a:t>Easy to integrate with other technologies</a:t>
             </a:r>
-            <a:endParaRPr/>
+            <a:endParaRPr dirty="0"/>
           </a:p>
           <a:p>
-            <a:pPr indent="0" lvl="0" marL="0" rtl="0" algn="l">
+            <a:pPr marL="0" lvl="0" indent="0" algn="l" rtl="0">
+              <a:spcBef>
+                <a:spcPts val="1200"/>
+              </a:spcBef>
+              <a:spcAft>
+                <a:spcPts val="0"/>
+              </a:spcAft>
+              <a:buNone/>
+            </a:pPr>
+            <a:endParaRPr b="1" dirty="0"/>
+          </a:p>
+          <a:p>
+            <a:pPr marL="0" lvl="0" indent="0" algn="l" rtl="0">
               <a:spcBef>
                 <a:spcPts val="1200"/>
               </a:spcBef>
@@ -8881,28 +9089,13 @@
               <a:buNone/>
             </a:pPr>
             <a:r>
-              <a:t/>
+              <a:rPr lang="en-GB" b="1" dirty="0"/>
+              <a:t>Basic CRUD Functions</a:t>
             </a:r>
-            <a:endParaRPr b="1"/>
+            <a:endParaRPr b="1" dirty="0"/>
           </a:p>
           <a:p>
-            <a:pPr indent="0" lvl="0" marL="0" rtl="0" algn="l">
-              <a:spcBef>
-                <a:spcPts val="1200"/>
-              </a:spcBef>
-              <a:spcAft>
-                <a:spcPts val="0"/>
-              </a:spcAft>
-              <a:buNone/>
-            </a:pPr>
-            <a:r>
-              <a:rPr b="1" lang="en-GB"/>
-              <a:t>Basic CRUD Functions</a:t>
-            </a:r>
-            <a:endParaRPr b="1"/>
-          </a:p>
-          <a:p>
-            <a:pPr indent="-334327" lvl="0" marL="457200" rtl="0" algn="l">
+            <a:pPr marL="457200" lvl="0" indent="-334327" algn="l" rtl="0">
               <a:spcBef>
                 <a:spcPts val="1200"/>
               </a:spcBef>
@@ -8913,13 +9106,13 @@
               <a:buChar char="●"/>
             </a:pPr>
             <a:r>
-              <a:rPr lang="en-GB"/>
+              <a:rPr lang="en-GB" dirty="0"/>
               <a:t>Allows user to register for a account (create)</a:t>
             </a:r>
-            <a:endParaRPr/>
+            <a:endParaRPr dirty="0"/>
           </a:p>
           <a:p>
-            <a:pPr indent="-334327" lvl="0" marL="457200" rtl="0" algn="l">
+            <a:pPr marL="457200" lvl="0" indent="-334327" algn="l" rtl="0">
               <a:spcBef>
                 <a:spcPts val="0"/>
               </a:spcBef>
@@ -8930,13 +9123,13 @@
               <a:buChar char="●"/>
             </a:pPr>
             <a:r>
-              <a:rPr lang="en-GB"/>
+              <a:rPr lang="en-GB" dirty="0"/>
               <a:t>Allow registered user to see their history (read)</a:t>
             </a:r>
-            <a:endParaRPr/>
+            <a:endParaRPr dirty="0"/>
           </a:p>
           <a:p>
-            <a:pPr indent="-334327" lvl="0" marL="457200" rtl="0" algn="l">
+            <a:pPr marL="457200" lvl="0" indent="-334327" algn="l" rtl="0">
               <a:spcBef>
                 <a:spcPts val="0"/>
               </a:spcBef>
@@ -8947,13 +9140,12 @@
               <a:buChar char="●"/>
             </a:pPr>
             <a:r>
-              <a:rPr lang="en-GB"/>
+              <a:rPr lang="en-GB" dirty="0"/>
               <a:t>Allow users to customise their user accounts (update)</a:t>
             </a:r>
-            <a:endParaRPr/>
           </a:p>
           <a:p>
-            <a:pPr indent="-334327" lvl="0" marL="457200" rtl="0" algn="l">
+            <a:pPr marL="457200" lvl="0" indent="-334327" algn="l" rtl="0">
               <a:spcBef>
                 <a:spcPts val="0"/>
               </a:spcBef>
@@ -8964,10 +9156,31 @@
               <a:buChar char="●"/>
             </a:pPr>
             <a:r>
-              <a:rPr lang="en-GB"/>
+              <a:rPr lang="en-SG" dirty="0"/>
+              <a:t>Allow user to delete their accounts from </a:t>
+            </a:r>
+            <a:r>
+              <a:rPr lang="en-SG"/>
+              <a:t>the database (delete)</a:t>
+            </a:r>
+            <a:endParaRPr dirty="0"/>
+          </a:p>
+          <a:p>
+            <a:pPr marL="457200" lvl="0" indent="-334327" algn="l" rtl="0">
+              <a:spcBef>
+                <a:spcPts val="0"/>
+              </a:spcBef>
+              <a:spcAft>
+                <a:spcPts val="0"/>
+              </a:spcAft>
+              <a:buSzPct val="100000"/>
+              <a:buChar char="●"/>
+            </a:pPr>
+            <a:r>
+              <a:rPr lang="en-GB" dirty="0"/>
               <a:t>Give them a happiness index score based on their survey</a:t>
             </a:r>
-            <a:endParaRPr/>
+            <a:endParaRPr dirty="0"/>
           </a:p>
         </p:txBody>
       </p:sp>
@@ -9008,11 +9221,11 @@
 </file>
 
 <file path=ppt/slides/slide7.xml><?xml version="1.0" encoding="utf-8"?>
-<p:sld xmlns:a="http://schemas.openxmlformats.org/drawingml/2006/main" xmlns:r="http://schemas.openxmlformats.org/officeDocument/2006/relationships" xmlns:mc="http://schemas.openxmlformats.org/markup-compatibility/2006" xmlns:mv="urn:schemas-microsoft-com:mac:vml" xmlns:p="http://schemas.openxmlformats.org/presentationml/2006/main" xmlns:c="http://schemas.openxmlformats.org/drawingml/2006/chart" xmlns:dgm="http://schemas.openxmlformats.org/drawingml/2006/diagram" xmlns:o="urn:schemas-microsoft-com:office:office" xmlns:v="urn:schemas-microsoft-com:vml" xmlns:pvml="urn:schemas-microsoft-com:office:powerpoint" xmlns:com="http://schemas.openxmlformats.org/drawingml/2006/compatibility" xmlns:p14="http://schemas.microsoft.com/office/powerpoint/2010/main" xmlns:p15="http://schemas.microsoft.com/office/powerpoint/2012/main" xmlns:ahyp="http://schemas.microsoft.com/office/drawing/2018/hyperlinkcolor">
+<p:sld xmlns:a="http://schemas.openxmlformats.org/drawingml/2006/main" xmlns:r="http://schemas.openxmlformats.org/officeDocument/2006/relationships" xmlns:p="http://schemas.openxmlformats.org/presentationml/2006/main">
   <p:cSld>
     <p:spTree>
       <p:nvGrpSpPr>
-        <p:cNvPr id="97" name="Shape 97"/>
+        <p:cNvPr id="1" name="Shape 97"/>
         <p:cNvGrpSpPr/>
         <p:nvPr/>
       </p:nvGrpSpPr>
@@ -9027,7 +9240,9 @@
       <p:sp>
         <p:nvSpPr>
           <p:cNvPr id="98" name="Google Shape;98;p19"/>
-          <p:cNvSpPr txBox="1"/>
+          <p:cNvSpPr txBox="1">
+            <a:spLocks noGrp="1"/>
+          </p:cNvSpPr>
           <p:nvPr>
             <p:ph type="title"/>
           </p:nvPr>
@@ -9042,12 +9257,12 @@
           </a:prstGeom>
         </p:spPr>
         <p:txBody>
-          <a:bodyPr anchorCtr="0" anchor="t" bIns="91425" lIns="91425" spcFirstLastPara="1" rIns="91425" wrap="square" tIns="91425">
+          <a:bodyPr spcFirstLastPara="1" wrap="square" lIns="91425" tIns="91425" rIns="91425" bIns="91425" anchor="t" anchorCtr="0">
             <a:normAutofit fontScale="90000"/>
           </a:bodyPr>
           <a:lstStyle/>
           <a:p>
-            <a:pPr indent="0" lvl="0" marL="0" rtl="0" algn="l">
+            <a:pPr marL="0" lvl="0" indent="0" algn="l" rtl="0">
               <a:spcBef>
                 <a:spcPts val="0"/>
               </a:spcBef>
@@ -9067,9 +9282,11 @@
       <p:sp>
         <p:nvSpPr>
           <p:cNvPr id="99" name="Google Shape;99;p19"/>
-          <p:cNvSpPr txBox="1"/>
+          <p:cNvSpPr txBox="1">
+            <a:spLocks noGrp="1"/>
+          </p:cNvSpPr>
           <p:nvPr>
-            <p:ph idx="1" type="body"/>
+            <p:ph type="body" idx="1"/>
           </p:nvPr>
         </p:nvSpPr>
         <p:spPr>
@@ -9082,12 +9299,12 @@
           </a:prstGeom>
         </p:spPr>
         <p:txBody>
-          <a:bodyPr anchorCtr="0" anchor="t" bIns="91425" lIns="91425" spcFirstLastPara="1" rIns="91425" wrap="square" tIns="91425">
+          <a:bodyPr spcFirstLastPara="1" wrap="square" lIns="91425" tIns="91425" rIns="91425" bIns="91425" anchor="t" anchorCtr="0">
             <a:normAutofit/>
           </a:bodyPr>
           <a:lstStyle/>
           <a:p>
-            <a:pPr indent="0" lvl="0" marL="0" rtl="0" algn="l">
+            <a:pPr marL="0" lvl="0" indent="0" algn="l" rtl="0">
               <a:spcBef>
                 <a:spcPts val="0"/>
               </a:spcBef>
@@ -9097,13 +9314,13 @@
               <a:buNone/>
             </a:pPr>
             <a:r>
-              <a:rPr b="1" lang="en-GB"/>
+              <a:rPr lang="en-GB" b="1"/>
               <a:t>Why MongoDB ?</a:t>
             </a:r>
             <a:endParaRPr b="1"/>
           </a:p>
           <a:p>
-            <a:pPr indent="-342900" lvl="0" marL="457200" rtl="0" algn="l">
+            <a:pPr marL="457200" lvl="0" indent="-342900" algn="l" rtl="0">
               <a:spcBef>
                 <a:spcPts val="1200"/>
               </a:spcBef>
@@ -9120,7 +9337,7 @@
             <a:endParaRPr/>
           </a:p>
           <a:p>
-            <a:pPr indent="-342900" lvl="0" marL="457200" rtl="0" algn="l">
+            <a:pPr marL="457200" lvl="0" indent="-342900" algn="l" rtl="0">
               <a:spcBef>
                 <a:spcPts val="0"/>
               </a:spcBef>
@@ -9137,7 +9354,7 @@
             <a:endParaRPr/>
           </a:p>
           <a:p>
-            <a:pPr indent="-342900" lvl="0" marL="457200" rtl="0" algn="l">
+            <a:pPr marL="457200" lvl="0" indent="-342900" algn="l" rtl="0">
               <a:spcBef>
                 <a:spcPts val="0"/>
               </a:spcBef>
@@ -9154,7 +9371,7 @@
             <a:endParaRPr/>
           </a:p>
           <a:p>
-            <a:pPr indent="-342900" lvl="0" marL="457200" rtl="0" algn="l">
+            <a:pPr marL="457200" lvl="0" indent="-342900" algn="l" rtl="0">
               <a:spcBef>
                 <a:spcPts val="0"/>
               </a:spcBef>
@@ -9171,7 +9388,7 @@
             <a:endParaRPr/>
           </a:p>
           <a:p>
-            <a:pPr indent="-342900" lvl="0" marL="457200" rtl="0" algn="l">
+            <a:pPr marL="457200" lvl="0" indent="-342900" algn="l" rtl="0">
               <a:spcBef>
                 <a:spcPts val="0"/>
               </a:spcBef>
@@ -9226,11 +9443,11 @@
 </file>
 
 <file path=ppt/slides/slide8.xml><?xml version="1.0" encoding="utf-8"?>
-<p:sld xmlns:a="http://schemas.openxmlformats.org/drawingml/2006/main" xmlns:r="http://schemas.openxmlformats.org/officeDocument/2006/relationships" xmlns:mc="http://schemas.openxmlformats.org/markup-compatibility/2006" xmlns:mv="urn:schemas-microsoft-com:mac:vml" xmlns:p="http://schemas.openxmlformats.org/presentationml/2006/main" xmlns:c="http://schemas.openxmlformats.org/drawingml/2006/chart" xmlns:dgm="http://schemas.openxmlformats.org/drawingml/2006/diagram" xmlns:o="urn:schemas-microsoft-com:office:office" xmlns:v="urn:schemas-microsoft-com:vml" xmlns:pvml="urn:schemas-microsoft-com:office:powerpoint" xmlns:com="http://schemas.openxmlformats.org/drawingml/2006/compatibility" xmlns:p14="http://schemas.microsoft.com/office/powerpoint/2010/main" xmlns:p15="http://schemas.microsoft.com/office/powerpoint/2012/main" xmlns:ahyp="http://schemas.microsoft.com/office/drawing/2018/hyperlinkcolor">
+<p:sld xmlns:a="http://schemas.openxmlformats.org/drawingml/2006/main" xmlns:r="http://schemas.openxmlformats.org/officeDocument/2006/relationships" xmlns:p="http://schemas.openxmlformats.org/presentationml/2006/main">
   <p:cSld>
     <p:spTree>
       <p:nvGrpSpPr>
-        <p:cNvPr id="104" name="Shape 104"/>
+        <p:cNvPr id="1" name="Shape 104"/>
         <p:cNvGrpSpPr/>
         <p:nvPr/>
       </p:nvGrpSpPr>
@@ -9245,7 +9462,9 @@
       <p:sp>
         <p:nvSpPr>
           <p:cNvPr id="105" name="Google Shape;105;p20"/>
-          <p:cNvSpPr txBox="1"/>
+          <p:cNvSpPr txBox="1">
+            <a:spLocks noGrp="1"/>
+          </p:cNvSpPr>
           <p:nvPr>
             <p:ph type="title"/>
           </p:nvPr>
@@ -9260,12 +9479,12 @@
           </a:prstGeom>
         </p:spPr>
         <p:txBody>
-          <a:bodyPr anchorCtr="0" anchor="t" bIns="91425" lIns="91425" spcFirstLastPara="1" rIns="91425" wrap="square" tIns="91425">
+          <a:bodyPr spcFirstLastPara="1" wrap="square" lIns="91425" tIns="91425" rIns="91425" bIns="91425" anchor="t" anchorCtr="0">
             <a:normAutofit fontScale="90000"/>
           </a:bodyPr>
           <a:lstStyle/>
           <a:p>
-            <a:pPr indent="0" lvl="0" marL="0" rtl="0" algn="l">
+            <a:pPr marL="0" lvl="0" indent="0" algn="l" rtl="0">
               <a:spcBef>
                 <a:spcPts val="0"/>
               </a:spcBef>
@@ -9285,9 +9504,11 @@
       <p:sp>
         <p:nvSpPr>
           <p:cNvPr id="106" name="Google Shape;106;p20"/>
-          <p:cNvSpPr txBox="1"/>
+          <p:cNvSpPr txBox="1">
+            <a:spLocks noGrp="1"/>
+          </p:cNvSpPr>
           <p:nvPr>
-            <p:ph idx="1" type="body"/>
+            <p:ph type="body" idx="1"/>
           </p:nvPr>
         </p:nvSpPr>
         <p:spPr>
@@ -9300,12 +9521,12 @@
           </a:prstGeom>
         </p:spPr>
         <p:txBody>
-          <a:bodyPr anchorCtr="0" anchor="t" bIns="91425" lIns="91425" spcFirstLastPara="1" rIns="91425" wrap="square" tIns="91425">
+          <a:bodyPr spcFirstLastPara="1" wrap="square" lIns="91425" tIns="91425" rIns="91425" bIns="91425" anchor="t" anchorCtr="0">
             <a:normAutofit/>
           </a:bodyPr>
           <a:lstStyle/>
           <a:p>
-            <a:pPr indent="-342900" lvl="0" marL="457200" rtl="0" algn="l">
+            <a:pPr marL="457200" lvl="0" indent="-342900" algn="l" rtl="0">
               <a:lnSpc>
                 <a:spcPct val="150000"/>
               </a:lnSpc>
@@ -9325,7 +9546,7 @@
             <a:endParaRPr/>
           </a:p>
           <a:p>
-            <a:pPr indent="-342900" lvl="0" marL="457200" rtl="0" algn="l">
+            <a:pPr marL="457200" lvl="0" indent="-342900" algn="l" rtl="0">
               <a:lnSpc>
                 <a:spcPct val="150000"/>
               </a:lnSpc>
@@ -9383,11 +9604,11 @@
 </file>
 
 <file path=ppt/slides/slide9.xml><?xml version="1.0" encoding="utf-8"?>
-<p:sld xmlns:a="http://schemas.openxmlformats.org/drawingml/2006/main" xmlns:r="http://schemas.openxmlformats.org/officeDocument/2006/relationships" xmlns:mc="http://schemas.openxmlformats.org/markup-compatibility/2006" xmlns:mv="urn:schemas-microsoft-com:mac:vml" xmlns:p="http://schemas.openxmlformats.org/presentationml/2006/main" xmlns:c="http://schemas.openxmlformats.org/drawingml/2006/chart" xmlns:dgm="http://schemas.openxmlformats.org/drawingml/2006/diagram" xmlns:o="urn:schemas-microsoft-com:office:office" xmlns:v="urn:schemas-microsoft-com:vml" xmlns:pvml="urn:schemas-microsoft-com:office:powerpoint" xmlns:com="http://schemas.openxmlformats.org/drawingml/2006/compatibility" xmlns:p14="http://schemas.microsoft.com/office/powerpoint/2010/main" xmlns:p15="http://schemas.microsoft.com/office/powerpoint/2012/main" xmlns:ahyp="http://schemas.microsoft.com/office/drawing/2018/hyperlinkcolor">
+<p:sld xmlns:a="http://schemas.openxmlformats.org/drawingml/2006/main" xmlns:r="http://schemas.openxmlformats.org/officeDocument/2006/relationships" xmlns:p="http://schemas.openxmlformats.org/presentationml/2006/main">
   <p:cSld>
     <p:spTree>
       <p:nvGrpSpPr>
-        <p:cNvPr id="111" name="Shape 111"/>
+        <p:cNvPr id="1" name="Shape 111"/>
         <p:cNvGrpSpPr/>
         <p:nvPr/>
       </p:nvGrpSpPr>
@@ -9402,7 +9623,9 @@
       <p:sp>
         <p:nvSpPr>
           <p:cNvPr id="112" name="Google Shape;112;p21"/>
-          <p:cNvSpPr txBox="1"/>
+          <p:cNvSpPr txBox="1">
+            <a:spLocks noGrp="1"/>
+          </p:cNvSpPr>
           <p:nvPr>
             <p:ph type="title"/>
           </p:nvPr>
@@ -9417,12 +9640,12 @@
           </a:prstGeom>
         </p:spPr>
         <p:txBody>
-          <a:bodyPr anchorCtr="0" anchor="ctr" bIns="91425" lIns="91425" spcFirstLastPara="1" rIns="91425" wrap="square" tIns="91425">
+          <a:bodyPr spcFirstLastPara="1" wrap="square" lIns="91425" tIns="91425" rIns="91425" bIns="91425" anchor="ctr" anchorCtr="0">
             <a:normAutofit/>
           </a:bodyPr>
           <a:lstStyle/>
           <a:p>
-            <a:pPr indent="0" lvl="0" marL="0" rtl="0" algn="ctr">
+            <a:pPr marL="0" lvl="0" indent="0" algn="ctr" rtl="0">
               <a:spcBef>
                 <a:spcPts val="0"/>
               </a:spcBef>
@@ -9448,7 +9671,7 @@
 </file>
 
 <file path=ppt/theme/theme1.xml><?xml version="1.0" encoding="utf-8"?>
-<a:theme xmlns:a="http://schemas.openxmlformats.org/drawingml/2006/main" xmlns:r="http://schemas.openxmlformats.org/officeDocument/2006/relationships" name="Pop">
+<a:theme xmlns:a="http://schemas.openxmlformats.org/drawingml/2006/main" name="Pop">
   <a:themeElements>
     <a:clrScheme name="Pop">
       <a:dk1>
@@ -9723,11 +9946,13 @@
       </a:bgFillStyleLst>
     </a:fmtScheme>
   </a:themeElements>
+  <a:objectDefaults/>
+  <a:extraClrSchemeLst/>
 </a:theme>
 </file>
 
 <file path=ppt/theme/theme2.xml><?xml version="1.0" encoding="utf-8"?>
-<a:theme xmlns:a="http://schemas.openxmlformats.org/drawingml/2006/main" xmlns:r="http://schemas.openxmlformats.org/officeDocument/2006/relationships">
+<a:theme xmlns:a="http://schemas.openxmlformats.org/drawingml/2006/main">
   <a:themeElements>
     <a:clrScheme name="Default">
       <a:dk1>
@@ -10002,5 +10227,7 @@
       </a:bgFillStyleLst>
     </a:fmtScheme>
   </a:themeElements>
+  <a:objectDefaults/>
+  <a:extraClrSchemeLst/>
 </a:theme>
 </file>